--- a/proposal/figures/architecture.pptx
+++ b/proposal/figures/architecture.pptx
@@ -5,7 +5,11 @@
     <p:sldMasterId id="2147483648" r:id="rId1"/>
   </p:sldMasterIdLst>
   <p:sldIdLst>
-    <p:sldId id="256" r:id="rId2"/>
+    <p:sldId id="259" r:id="rId2"/>
+    <p:sldId id="258" r:id="rId3"/>
+    <p:sldId id="262" r:id="rId4"/>
+    <p:sldId id="263" r:id="rId5"/>
+    <p:sldId id="265" r:id="rId6"/>
   </p:sldIdLst>
   <p:sldSz cx="12192000" cy="6858000"/>
   <p:notesSz cx="6858000" cy="9144000"/>
@@ -104,6 +108,11 @@
       </a:defRPr>
     </a:lvl9pPr>
   </p:defaultTextStyle>
+  <p:extLst>
+    <p:ext uri="{EFAFB233-063F-42B5-8137-9DF3F51BA10A}">
+      <p15:sldGuideLst xmlns:p15="http://schemas.microsoft.com/office/powerpoint/2012/main"/>
+    </p:ext>
+  </p:extLst>
 </p:presentation>
 </file>
 
@@ -129,7 +138,7 @@
           <p:cNvPr id="2" name="Titel 1">
             <a:extLst>
               <a:ext uri="{FF2B5EF4-FFF2-40B4-BE49-F238E27FC236}">
-                <a16:creationId xmlns:a16="http://schemas.microsoft.com/office/drawing/2014/main" id="{6216B93A-2DDE-4F1D-9137-02172B481240}"/>
+                <a16:creationId xmlns:a16="http://schemas.microsoft.com/office/drawing/2014/main" id="{C7A1DF56-7F43-4BF7-A3A3-BBFDADACE54D}"/>
               </a:ext>
             </a:extLst>
           </p:cNvPr>
@@ -166,7 +175,7 @@
           <p:cNvPr id="3" name="Untertitel 2">
             <a:extLst>
               <a:ext uri="{FF2B5EF4-FFF2-40B4-BE49-F238E27FC236}">
-                <a16:creationId xmlns:a16="http://schemas.microsoft.com/office/drawing/2014/main" id="{0A8D0677-7B7F-41AF-A19D-EE88C5BF66F6}"/>
+                <a16:creationId xmlns:a16="http://schemas.microsoft.com/office/drawing/2014/main" id="{6129CE2A-A62F-4BA4-B9FD-C3C84658FA7C}"/>
               </a:ext>
             </a:extLst>
           </p:cNvPr>
@@ -236,7 +245,7 @@
           <p:cNvPr id="4" name="Datumsplatzhalter 3">
             <a:extLst>
               <a:ext uri="{FF2B5EF4-FFF2-40B4-BE49-F238E27FC236}">
-                <a16:creationId xmlns:a16="http://schemas.microsoft.com/office/drawing/2014/main" id="{EA51932E-6EE3-4B99-954B-81173966DBF2}"/>
+                <a16:creationId xmlns:a16="http://schemas.microsoft.com/office/drawing/2014/main" id="{33867169-F0D9-42E9-A971-4EA63DEC4EDE}"/>
               </a:ext>
             </a:extLst>
           </p:cNvPr>
@@ -252,9 +261,9 @@
           <a:bodyPr/>
           <a:lstStyle/>
           <a:p>
-            <a:fld id="{689468BB-9C24-4592-B29B-48FBCD37F686}" type="datetimeFigureOut">
+            <a:fld id="{39041757-FDB7-46D7-9EE9-C59A1940E3D7}" type="datetimeFigureOut">
               <a:rPr lang="de-DE" smtClean="0"/>
-              <a:t>05.10.2021</a:t>
+              <a:t>19.10.2021</a:t>
             </a:fld>
             <a:endParaRPr lang="de-DE"/>
           </a:p>
@@ -265,7 +274,7 @@
           <p:cNvPr id="5" name="Fußzeilenplatzhalter 4">
             <a:extLst>
               <a:ext uri="{FF2B5EF4-FFF2-40B4-BE49-F238E27FC236}">
-                <a16:creationId xmlns:a16="http://schemas.microsoft.com/office/drawing/2014/main" id="{DD62DC94-9630-4831-A777-6AF4B0660627}"/>
+                <a16:creationId xmlns:a16="http://schemas.microsoft.com/office/drawing/2014/main" id="{163CAC54-61A4-41E0-BD84-64241CFCDD54}"/>
               </a:ext>
             </a:extLst>
           </p:cNvPr>
@@ -290,7 +299,7 @@
           <p:cNvPr id="6" name="Foliennummernplatzhalter 5">
             <a:extLst>
               <a:ext uri="{FF2B5EF4-FFF2-40B4-BE49-F238E27FC236}">
-                <a16:creationId xmlns:a16="http://schemas.microsoft.com/office/drawing/2014/main" id="{B0149AE8-ED24-4C27-977A-D542A9AE9A4B}"/>
+                <a16:creationId xmlns:a16="http://schemas.microsoft.com/office/drawing/2014/main" id="{6403E751-5490-4689-9ED7-E1DBCFDBE705}"/>
               </a:ext>
             </a:extLst>
           </p:cNvPr>
@@ -306,7 +315,7 @@
           <a:bodyPr/>
           <a:lstStyle/>
           <a:p>
-            <a:fld id="{E3DC0A5B-6131-4A4A-B29C-903C5D6C4AE6}" type="slidenum">
+            <a:fld id="{D73D3150-BE4B-4679-9FB5-AB1AE4FBF833}" type="slidenum">
               <a:rPr lang="de-DE" smtClean="0"/>
               <a:t>‹Nr.›</a:t>
             </a:fld>
@@ -317,7 +326,7 @@
     </p:spTree>
     <p:extLst>
       <p:ext uri="{BB962C8B-B14F-4D97-AF65-F5344CB8AC3E}">
-        <p14:creationId xmlns:p14="http://schemas.microsoft.com/office/powerpoint/2010/main" val="1083494333"/>
+        <p14:creationId xmlns:p14="http://schemas.microsoft.com/office/powerpoint/2010/main" val="1795406962"/>
       </p:ext>
     </p:extLst>
   </p:cSld>
@@ -349,7 +358,7 @@
           <p:cNvPr id="2" name="Titel 1">
             <a:extLst>
               <a:ext uri="{FF2B5EF4-FFF2-40B4-BE49-F238E27FC236}">
-                <a16:creationId xmlns:a16="http://schemas.microsoft.com/office/drawing/2014/main" id="{65A912D8-EA2C-4901-AAB1-FCA3B28E6C39}"/>
+                <a16:creationId xmlns:a16="http://schemas.microsoft.com/office/drawing/2014/main" id="{6588890F-F748-4052-A249-91547F2C6B7C}"/>
               </a:ext>
             </a:extLst>
           </p:cNvPr>
@@ -377,7 +386,7 @@
           <p:cNvPr id="3" name="Vertikaler Textplatzhalter 2">
             <a:extLst>
               <a:ext uri="{FF2B5EF4-FFF2-40B4-BE49-F238E27FC236}">
-                <a16:creationId xmlns:a16="http://schemas.microsoft.com/office/drawing/2014/main" id="{3274C637-14ED-4EC6-AD06-7A2B3FF63254}"/>
+                <a16:creationId xmlns:a16="http://schemas.microsoft.com/office/drawing/2014/main" id="{A3414583-5008-49D9-9892-A9252FDFB56A}"/>
               </a:ext>
             </a:extLst>
           </p:cNvPr>
@@ -434,7 +443,7 @@
           <p:cNvPr id="4" name="Datumsplatzhalter 3">
             <a:extLst>
               <a:ext uri="{FF2B5EF4-FFF2-40B4-BE49-F238E27FC236}">
-                <a16:creationId xmlns:a16="http://schemas.microsoft.com/office/drawing/2014/main" id="{98120638-88F8-4A56-A660-B1A2DB168919}"/>
+                <a16:creationId xmlns:a16="http://schemas.microsoft.com/office/drawing/2014/main" id="{FB17F476-1E08-47A1-B57C-3F4C17DAC43C}"/>
               </a:ext>
             </a:extLst>
           </p:cNvPr>
@@ -450,9 +459,9 @@
           <a:bodyPr/>
           <a:lstStyle/>
           <a:p>
-            <a:fld id="{689468BB-9C24-4592-B29B-48FBCD37F686}" type="datetimeFigureOut">
+            <a:fld id="{39041757-FDB7-46D7-9EE9-C59A1940E3D7}" type="datetimeFigureOut">
               <a:rPr lang="de-DE" smtClean="0"/>
-              <a:t>05.10.2021</a:t>
+              <a:t>19.10.2021</a:t>
             </a:fld>
             <a:endParaRPr lang="de-DE"/>
           </a:p>
@@ -463,7 +472,7 @@
           <p:cNvPr id="5" name="Fußzeilenplatzhalter 4">
             <a:extLst>
               <a:ext uri="{FF2B5EF4-FFF2-40B4-BE49-F238E27FC236}">
-                <a16:creationId xmlns:a16="http://schemas.microsoft.com/office/drawing/2014/main" id="{32A16489-CBCE-4249-9E51-44AF81033F3F}"/>
+                <a16:creationId xmlns:a16="http://schemas.microsoft.com/office/drawing/2014/main" id="{F48D3FEB-7123-4EEF-AA12-86B4805EB081}"/>
               </a:ext>
             </a:extLst>
           </p:cNvPr>
@@ -488,7 +497,7 @@
           <p:cNvPr id="6" name="Foliennummernplatzhalter 5">
             <a:extLst>
               <a:ext uri="{FF2B5EF4-FFF2-40B4-BE49-F238E27FC236}">
-                <a16:creationId xmlns:a16="http://schemas.microsoft.com/office/drawing/2014/main" id="{495BFE90-1225-46B6-815E-AC21AD43A663}"/>
+                <a16:creationId xmlns:a16="http://schemas.microsoft.com/office/drawing/2014/main" id="{25CAC276-71F8-464E-97C3-4C432712C2D5}"/>
               </a:ext>
             </a:extLst>
           </p:cNvPr>
@@ -504,7 +513,7 @@
           <a:bodyPr/>
           <a:lstStyle/>
           <a:p>
-            <a:fld id="{E3DC0A5B-6131-4A4A-B29C-903C5D6C4AE6}" type="slidenum">
+            <a:fld id="{D73D3150-BE4B-4679-9FB5-AB1AE4FBF833}" type="slidenum">
               <a:rPr lang="de-DE" smtClean="0"/>
               <a:t>‹Nr.›</a:t>
             </a:fld>
@@ -515,7 +524,7 @@
     </p:spTree>
     <p:extLst>
       <p:ext uri="{BB962C8B-B14F-4D97-AF65-F5344CB8AC3E}">
-        <p14:creationId xmlns:p14="http://schemas.microsoft.com/office/powerpoint/2010/main" val="3877693299"/>
+        <p14:creationId xmlns:p14="http://schemas.microsoft.com/office/powerpoint/2010/main" val="44616916"/>
       </p:ext>
     </p:extLst>
   </p:cSld>
@@ -547,7 +556,7 @@
           <p:cNvPr id="2" name="Vertikaler Titel 1">
             <a:extLst>
               <a:ext uri="{FF2B5EF4-FFF2-40B4-BE49-F238E27FC236}">
-                <a16:creationId xmlns:a16="http://schemas.microsoft.com/office/drawing/2014/main" id="{3D80C92E-3D8B-4E0F-B441-83EF270C43D3}"/>
+                <a16:creationId xmlns:a16="http://schemas.microsoft.com/office/drawing/2014/main" id="{56ED8177-E3DE-464C-B071-C362D2FA4C71}"/>
               </a:ext>
             </a:extLst>
           </p:cNvPr>
@@ -580,7 +589,7 @@
           <p:cNvPr id="3" name="Vertikaler Textplatzhalter 2">
             <a:extLst>
               <a:ext uri="{FF2B5EF4-FFF2-40B4-BE49-F238E27FC236}">
-                <a16:creationId xmlns:a16="http://schemas.microsoft.com/office/drawing/2014/main" id="{4273141A-14EC-49CE-AFA9-B672DB664122}"/>
+                <a16:creationId xmlns:a16="http://schemas.microsoft.com/office/drawing/2014/main" id="{C2268D2D-05ED-44D9-AF8E-95205F201CE9}"/>
               </a:ext>
             </a:extLst>
           </p:cNvPr>
@@ -642,7 +651,7 @@
           <p:cNvPr id="4" name="Datumsplatzhalter 3">
             <a:extLst>
               <a:ext uri="{FF2B5EF4-FFF2-40B4-BE49-F238E27FC236}">
-                <a16:creationId xmlns:a16="http://schemas.microsoft.com/office/drawing/2014/main" id="{58814677-EE22-4583-A83C-E89253976112}"/>
+                <a16:creationId xmlns:a16="http://schemas.microsoft.com/office/drawing/2014/main" id="{4FDB3A96-9F12-41DA-9205-478FDCF63BEB}"/>
               </a:ext>
             </a:extLst>
           </p:cNvPr>
@@ -658,9 +667,9 @@
           <a:bodyPr/>
           <a:lstStyle/>
           <a:p>
-            <a:fld id="{689468BB-9C24-4592-B29B-48FBCD37F686}" type="datetimeFigureOut">
+            <a:fld id="{39041757-FDB7-46D7-9EE9-C59A1940E3D7}" type="datetimeFigureOut">
               <a:rPr lang="de-DE" smtClean="0"/>
-              <a:t>05.10.2021</a:t>
+              <a:t>19.10.2021</a:t>
             </a:fld>
             <a:endParaRPr lang="de-DE"/>
           </a:p>
@@ -671,7 +680,7 @@
           <p:cNvPr id="5" name="Fußzeilenplatzhalter 4">
             <a:extLst>
               <a:ext uri="{FF2B5EF4-FFF2-40B4-BE49-F238E27FC236}">
-                <a16:creationId xmlns:a16="http://schemas.microsoft.com/office/drawing/2014/main" id="{E4B27796-E637-4CCA-81AF-187D029AC48F}"/>
+                <a16:creationId xmlns:a16="http://schemas.microsoft.com/office/drawing/2014/main" id="{7EFFFB52-41E0-43FC-A624-420EC8CD300A}"/>
               </a:ext>
             </a:extLst>
           </p:cNvPr>
@@ -696,7 +705,7 @@
           <p:cNvPr id="6" name="Foliennummernplatzhalter 5">
             <a:extLst>
               <a:ext uri="{FF2B5EF4-FFF2-40B4-BE49-F238E27FC236}">
-                <a16:creationId xmlns:a16="http://schemas.microsoft.com/office/drawing/2014/main" id="{A3157508-B056-479A-8C01-697F8AA70472}"/>
+                <a16:creationId xmlns:a16="http://schemas.microsoft.com/office/drawing/2014/main" id="{BFC74CAC-1EE0-4982-A7F5-174914E9DE2A}"/>
               </a:ext>
             </a:extLst>
           </p:cNvPr>
@@ -712,7 +721,7 @@
           <a:bodyPr/>
           <a:lstStyle/>
           <a:p>
-            <a:fld id="{E3DC0A5B-6131-4A4A-B29C-903C5D6C4AE6}" type="slidenum">
+            <a:fld id="{D73D3150-BE4B-4679-9FB5-AB1AE4FBF833}" type="slidenum">
               <a:rPr lang="de-DE" smtClean="0"/>
               <a:t>‹Nr.›</a:t>
             </a:fld>
@@ -723,7 +732,7 @@
     </p:spTree>
     <p:extLst>
       <p:ext uri="{BB962C8B-B14F-4D97-AF65-F5344CB8AC3E}">
-        <p14:creationId xmlns:p14="http://schemas.microsoft.com/office/powerpoint/2010/main" val="91483801"/>
+        <p14:creationId xmlns:p14="http://schemas.microsoft.com/office/powerpoint/2010/main" val="2644518655"/>
       </p:ext>
     </p:extLst>
   </p:cSld>
@@ -755,7 +764,7 @@
           <p:cNvPr id="2" name="Titel 1">
             <a:extLst>
               <a:ext uri="{FF2B5EF4-FFF2-40B4-BE49-F238E27FC236}">
-                <a16:creationId xmlns:a16="http://schemas.microsoft.com/office/drawing/2014/main" id="{016FE2F8-BF21-46BC-9E24-B796588109B2}"/>
+                <a16:creationId xmlns:a16="http://schemas.microsoft.com/office/drawing/2014/main" id="{E4A27D7A-F265-49B8-8568-300DD1B09F17}"/>
               </a:ext>
             </a:extLst>
           </p:cNvPr>
@@ -783,7 +792,7 @@
           <p:cNvPr id="3" name="Inhaltsplatzhalter 2">
             <a:extLst>
               <a:ext uri="{FF2B5EF4-FFF2-40B4-BE49-F238E27FC236}">
-                <a16:creationId xmlns:a16="http://schemas.microsoft.com/office/drawing/2014/main" id="{9FFF0AFD-C156-4E39-987A-35D11BB75FA5}"/>
+                <a16:creationId xmlns:a16="http://schemas.microsoft.com/office/drawing/2014/main" id="{E5B29D48-E92A-4C86-BD2B-0F7D4BDF5E07}"/>
               </a:ext>
             </a:extLst>
           </p:cNvPr>
@@ -840,7 +849,7 @@
           <p:cNvPr id="4" name="Datumsplatzhalter 3">
             <a:extLst>
               <a:ext uri="{FF2B5EF4-FFF2-40B4-BE49-F238E27FC236}">
-                <a16:creationId xmlns:a16="http://schemas.microsoft.com/office/drawing/2014/main" id="{49957B1D-F818-43F8-8F08-7B105BF4F9F3}"/>
+                <a16:creationId xmlns:a16="http://schemas.microsoft.com/office/drawing/2014/main" id="{EB1BA6AA-7DBF-43E9-A2EA-59DC75E2BF31}"/>
               </a:ext>
             </a:extLst>
           </p:cNvPr>
@@ -856,9 +865,9 @@
           <a:bodyPr/>
           <a:lstStyle/>
           <a:p>
-            <a:fld id="{689468BB-9C24-4592-B29B-48FBCD37F686}" type="datetimeFigureOut">
+            <a:fld id="{39041757-FDB7-46D7-9EE9-C59A1940E3D7}" type="datetimeFigureOut">
               <a:rPr lang="de-DE" smtClean="0"/>
-              <a:t>05.10.2021</a:t>
+              <a:t>19.10.2021</a:t>
             </a:fld>
             <a:endParaRPr lang="de-DE"/>
           </a:p>
@@ -869,7 +878,7 @@
           <p:cNvPr id="5" name="Fußzeilenplatzhalter 4">
             <a:extLst>
               <a:ext uri="{FF2B5EF4-FFF2-40B4-BE49-F238E27FC236}">
-                <a16:creationId xmlns:a16="http://schemas.microsoft.com/office/drawing/2014/main" id="{ECF433FE-9C9F-45E6-9405-6445122ED006}"/>
+                <a16:creationId xmlns:a16="http://schemas.microsoft.com/office/drawing/2014/main" id="{4138CA5B-26E2-423A-B266-F0BFCD3C85D4}"/>
               </a:ext>
             </a:extLst>
           </p:cNvPr>
@@ -894,7 +903,7 @@
           <p:cNvPr id="6" name="Foliennummernplatzhalter 5">
             <a:extLst>
               <a:ext uri="{FF2B5EF4-FFF2-40B4-BE49-F238E27FC236}">
-                <a16:creationId xmlns:a16="http://schemas.microsoft.com/office/drawing/2014/main" id="{BAE95C2D-CCEF-409D-A953-85BA11812250}"/>
+                <a16:creationId xmlns:a16="http://schemas.microsoft.com/office/drawing/2014/main" id="{CDBBDFC5-FED3-42DE-A120-88A85280EC0C}"/>
               </a:ext>
             </a:extLst>
           </p:cNvPr>
@@ -910,7 +919,7 @@
           <a:bodyPr/>
           <a:lstStyle/>
           <a:p>
-            <a:fld id="{E3DC0A5B-6131-4A4A-B29C-903C5D6C4AE6}" type="slidenum">
+            <a:fld id="{D73D3150-BE4B-4679-9FB5-AB1AE4FBF833}" type="slidenum">
               <a:rPr lang="de-DE" smtClean="0"/>
               <a:t>‹Nr.›</a:t>
             </a:fld>
@@ -921,7 +930,7 @@
     </p:spTree>
     <p:extLst>
       <p:ext uri="{BB962C8B-B14F-4D97-AF65-F5344CB8AC3E}">
-        <p14:creationId xmlns:p14="http://schemas.microsoft.com/office/powerpoint/2010/main" val="1162519841"/>
+        <p14:creationId xmlns:p14="http://schemas.microsoft.com/office/powerpoint/2010/main" val="1480126352"/>
       </p:ext>
     </p:extLst>
   </p:cSld>
@@ -953,7 +962,7 @@
           <p:cNvPr id="2" name="Titel 1">
             <a:extLst>
               <a:ext uri="{FF2B5EF4-FFF2-40B4-BE49-F238E27FC236}">
-                <a16:creationId xmlns:a16="http://schemas.microsoft.com/office/drawing/2014/main" id="{7AFDC390-5926-4B8A-8A36-28D9F477A066}"/>
+                <a16:creationId xmlns:a16="http://schemas.microsoft.com/office/drawing/2014/main" id="{D4F562C2-C25E-40E2-BB9E-E0BEF9A94E9F}"/>
               </a:ext>
             </a:extLst>
           </p:cNvPr>
@@ -990,7 +999,7 @@
           <p:cNvPr id="3" name="Textplatzhalter 2">
             <a:extLst>
               <a:ext uri="{FF2B5EF4-FFF2-40B4-BE49-F238E27FC236}">
-                <a16:creationId xmlns:a16="http://schemas.microsoft.com/office/drawing/2014/main" id="{53F7DB89-1221-4C40-ACC4-B7CACF9D373E}"/>
+                <a16:creationId xmlns:a16="http://schemas.microsoft.com/office/drawing/2014/main" id="{56F66F88-0A19-47BE-840B-B6C32C5051D2}"/>
               </a:ext>
             </a:extLst>
           </p:cNvPr>
@@ -1115,7 +1124,7 @@
           <p:cNvPr id="4" name="Datumsplatzhalter 3">
             <a:extLst>
               <a:ext uri="{FF2B5EF4-FFF2-40B4-BE49-F238E27FC236}">
-                <a16:creationId xmlns:a16="http://schemas.microsoft.com/office/drawing/2014/main" id="{BFBD6B6B-6A61-4958-A974-92E125252E74}"/>
+                <a16:creationId xmlns:a16="http://schemas.microsoft.com/office/drawing/2014/main" id="{8FD84193-9FB3-4287-9540-8B060A3075A1}"/>
               </a:ext>
             </a:extLst>
           </p:cNvPr>
@@ -1131,9 +1140,9 @@
           <a:bodyPr/>
           <a:lstStyle/>
           <a:p>
-            <a:fld id="{689468BB-9C24-4592-B29B-48FBCD37F686}" type="datetimeFigureOut">
+            <a:fld id="{39041757-FDB7-46D7-9EE9-C59A1940E3D7}" type="datetimeFigureOut">
               <a:rPr lang="de-DE" smtClean="0"/>
-              <a:t>05.10.2021</a:t>
+              <a:t>19.10.2021</a:t>
             </a:fld>
             <a:endParaRPr lang="de-DE"/>
           </a:p>
@@ -1144,7 +1153,7 @@
           <p:cNvPr id="5" name="Fußzeilenplatzhalter 4">
             <a:extLst>
               <a:ext uri="{FF2B5EF4-FFF2-40B4-BE49-F238E27FC236}">
-                <a16:creationId xmlns:a16="http://schemas.microsoft.com/office/drawing/2014/main" id="{0E537758-09DF-44DF-BA85-9E9642309B7D}"/>
+                <a16:creationId xmlns:a16="http://schemas.microsoft.com/office/drawing/2014/main" id="{8BDA09CD-0A16-47FF-AC58-B0F913A5E590}"/>
               </a:ext>
             </a:extLst>
           </p:cNvPr>
@@ -1169,7 +1178,7 @@
           <p:cNvPr id="6" name="Foliennummernplatzhalter 5">
             <a:extLst>
               <a:ext uri="{FF2B5EF4-FFF2-40B4-BE49-F238E27FC236}">
-                <a16:creationId xmlns:a16="http://schemas.microsoft.com/office/drawing/2014/main" id="{0D600699-8888-4041-AB3D-A8C34DC4F3DF}"/>
+                <a16:creationId xmlns:a16="http://schemas.microsoft.com/office/drawing/2014/main" id="{2BC3E23E-DC4E-430C-8059-508187D99151}"/>
               </a:ext>
             </a:extLst>
           </p:cNvPr>
@@ -1185,7 +1194,7 @@
           <a:bodyPr/>
           <a:lstStyle/>
           <a:p>
-            <a:fld id="{E3DC0A5B-6131-4A4A-B29C-903C5D6C4AE6}" type="slidenum">
+            <a:fld id="{D73D3150-BE4B-4679-9FB5-AB1AE4FBF833}" type="slidenum">
               <a:rPr lang="de-DE" smtClean="0"/>
               <a:t>‹Nr.›</a:t>
             </a:fld>
@@ -1196,7 +1205,7 @@
     </p:spTree>
     <p:extLst>
       <p:ext uri="{BB962C8B-B14F-4D97-AF65-F5344CB8AC3E}">
-        <p14:creationId xmlns:p14="http://schemas.microsoft.com/office/powerpoint/2010/main" val="2112171125"/>
+        <p14:creationId xmlns:p14="http://schemas.microsoft.com/office/powerpoint/2010/main" val="32573372"/>
       </p:ext>
     </p:extLst>
   </p:cSld>
@@ -1228,7 +1237,7 @@
           <p:cNvPr id="2" name="Titel 1">
             <a:extLst>
               <a:ext uri="{FF2B5EF4-FFF2-40B4-BE49-F238E27FC236}">
-                <a16:creationId xmlns:a16="http://schemas.microsoft.com/office/drawing/2014/main" id="{6218E549-3B58-436A-9C8C-9AA5643EF088}"/>
+                <a16:creationId xmlns:a16="http://schemas.microsoft.com/office/drawing/2014/main" id="{8BF3E3B4-A1A8-4205-83B1-3000E233A0BC}"/>
               </a:ext>
             </a:extLst>
           </p:cNvPr>
@@ -1256,7 +1265,7 @@
           <p:cNvPr id="3" name="Inhaltsplatzhalter 2">
             <a:extLst>
               <a:ext uri="{FF2B5EF4-FFF2-40B4-BE49-F238E27FC236}">
-                <a16:creationId xmlns:a16="http://schemas.microsoft.com/office/drawing/2014/main" id="{DC266025-FFAE-406D-98CC-5B886D37B88B}"/>
+                <a16:creationId xmlns:a16="http://schemas.microsoft.com/office/drawing/2014/main" id="{9513B06B-2CB8-4996-B9D2-67DEDF431F42}"/>
               </a:ext>
             </a:extLst>
           </p:cNvPr>
@@ -1318,7 +1327,7 @@
           <p:cNvPr id="4" name="Inhaltsplatzhalter 3">
             <a:extLst>
               <a:ext uri="{FF2B5EF4-FFF2-40B4-BE49-F238E27FC236}">
-                <a16:creationId xmlns:a16="http://schemas.microsoft.com/office/drawing/2014/main" id="{44C44236-2BEE-43DD-9787-B797CB25406D}"/>
+                <a16:creationId xmlns:a16="http://schemas.microsoft.com/office/drawing/2014/main" id="{809A1161-7970-49E6-8130-C96BA3440EBF}"/>
               </a:ext>
             </a:extLst>
           </p:cNvPr>
@@ -1380,7 +1389,7 @@
           <p:cNvPr id="5" name="Datumsplatzhalter 4">
             <a:extLst>
               <a:ext uri="{FF2B5EF4-FFF2-40B4-BE49-F238E27FC236}">
-                <a16:creationId xmlns:a16="http://schemas.microsoft.com/office/drawing/2014/main" id="{D7EEDBF0-ED72-4195-88ED-7603187D860F}"/>
+                <a16:creationId xmlns:a16="http://schemas.microsoft.com/office/drawing/2014/main" id="{F24EA373-8803-4728-B2F8-D99DA5BA8EEA}"/>
               </a:ext>
             </a:extLst>
           </p:cNvPr>
@@ -1396,9 +1405,9 @@
           <a:bodyPr/>
           <a:lstStyle/>
           <a:p>
-            <a:fld id="{689468BB-9C24-4592-B29B-48FBCD37F686}" type="datetimeFigureOut">
+            <a:fld id="{39041757-FDB7-46D7-9EE9-C59A1940E3D7}" type="datetimeFigureOut">
               <a:rPr lang="de-DE" smtClean="0"/>
-              <a:t>05.10.2021</a:t>
+              <a:t>19.10.2021</a:t>
             </a:fld>
             <a:endParaRPr lang="de-DE"/>
           </a:p>
@@ -1409,7 +1418,7 @@
           <p:cNvPr id="6" name="Fußzeilenplatzhalter 5">
             <a:extLst>
               <a:ext uri="{FF2B5EF4-FFF2-40B4-BE49-F238E27FC236}">
-                <a16:creationId xmlns:a16="http://schemas.microsoft.com/office/drawing/2014/main" id="{50410851-1B7C-4E19-B71C-F0B6BF2ED6C4}"/>
+                <a16:creationId xmlns:a16="http://schemas.microsoft.com/office/drawing/2014/main" id="{DD8F5BD0-7FDD-41C9-BF4E-2F3B7DF19A5F}"/>
               </a:ext>
             </a:extLst>
           </p:cNvPr>
@@ -1434,7 +1443,7 @@
           <p:cNvPr id="7" name="Foliennummernplatzhalter 6">
             <a:extLst>
               <a:ext uri="{FF2B5EF4-FFF2-40B4-BE49-F238E27FC236}">
-                <a16:creationId xmlns:a16="http://schemas.microsoft.com/office/drawing/2014/main" id="{9E46C082-42E0-407A-ADCA-9490D6918551}"/>
+                <a16:creationId xmlns:a16="http://schemas.microsoft.com/office/drawing/2014/main" id="{172327FE-5732-4240-80BB-100A6127461D}"/>
               </a:ext>
             </a:extLst>
           </p:cNvPr>
@@ -1450,7 +1459,7 @@
           <a:bodyPr/>
           <a:lstStyle/>
           <a:p>
-            <a:fld id="{E3DC0A5B-6131-4A4A-B29C-903C5D6C4AE6}" type="slidenum">
+            <a:fld id="{D73D3150-BE4B-4679-9FB5-AB1AE4FBF833}" type="slidenum">
               <a:rPr lang="de-DE" smtClean="0"/>
               <a:t>‹Nr.›</a:t>
             </a:fld>
@@ -1461,7 +1470,7 @@
     </p:spTree>
     <p:extLst>
       <p:ext uri="{BB962C8B-B14F-4D97-AF65-F5344CB8AC3E}">
-        <p14:creationId xmlns:p14="http://schemas.microsoft.com/office/powerpoint/2010/main" val="473611880"/>
+        <p14:creationId xmlns:p14="http://schemas.microsoft.com/office/powerpoint/2010/main" val="3235463483"/>
       </p:ext>
     </p:extLst>
   </p:cSld>
@@ -1493,7 +1502,7 @@
           <p:cNvPr id="2" name="Titel 1">
             <a:extLst>
               <a:ext uri="{FF2B5EF4-FFF2-40B4-BE49-F238E27FC236}">
-                <a16:creationId xmlns:a16="http://schemas.microsoft.com/office/drawing/2014/main" id="{CA6F86C2-3CBE-40AA-8D49-2971C58555F4}"/>
+                <a16:creationId xmlns:a16="http://schemas.microsoft.com/office/drawing/2014/main" id="{1D4CBC08-8525-4EC8-82C4-D9382A8AF440}"/>
               </a:ext>
             </a:extLst>
           </p:cNvPr>
@@ -1526,7 +1535,7 @@
           <p:cNvPr id="3" name="Textplatzhalter 2">
             <a:extLst>
               <a:ext uri="{FF2B5EF4-FFF2-40B4-BE49-F238E27FC236}">
-                <a16:creationId xmlns:a16="http://schemas.microsoft.com/office/drawing/2014/main" id="{B1F3F0F5-DE34-4F7A-8905-2054084A935B}"/>
+                <a16:creationId xmlns:a16="http://schemas.microsoft.com/office/drawing/2014/main" id="{45945B22-A926-41AF-A45A-681D58817B5F}"/>
               </a:ext>
             </a:extLst>
           </p:cNvPr>
@@ -1597,7 +1606,7 @@
           <p:cNvPr id="4" name="Inhaltsplatzhalter 3">
             <a:extLst>
               <a:ext uri="{FF2B5EF4-FFF2-40B4-BE49-F238E27FC236}">
-                <a16:creationId xmlns:a16="http://schemas.microsoft.com/office/drawing/2014/main" id="{D59D4E21-FCBC-44D5-AE9D-389D2FD5B048}"/>
+                <a16:creationId xmlns:a16="http://schemas.microsoft.com/office/drawing/2014/main" id="{BDAE7A80-252C-4264-A920-1FA4C45B29BF}"/>
               </a:ext>
             </a:extLst>
           </p:cNvPr>
@@ -1659,7 +1668,7 @@
           <p:cNvPr id="5" name="Textplatzhalter 4">
             <a:extLst>
               <a:ext uri="{FF2B5EF4-FFF2-40B4-BE49-F238E27FC236}">
-                <a16:creationId xmlns:a16="http://schemas.microsoft.com/office/drawing/2014/main" id="{E6F30E4D-DFCA-4E25-BC3D-20CDF7788241}"/>
+                <a16:creationId xmlns:a16="http://schemas.microsoft.com/office/drawing/2014/main" id="{E4124830-71D7-4D24-BFCD-94A6F22FF4DC}"/>
               </a:ext>
             </a:extLst>
           </p:cNvPr>
@@ -1730,7 +1739,7 @@
           <p:cNvPr id="6" name="Inhaltsplatzhalter 5">
             <a:extLst>
               <a:ext uri="{FF2B5EF4-FFF2-40B4-BE49-F238E27FC236}">
-                <a16:creationId xmlns:a16="http://schemas.microsoft.com/office/drawing/2014/main" id="{2A2A165A-BE70-4DE4-B0C2-4586FBA34132}"/>
+                <a16:creationId xmlns:a16="http://schemas.microsoft.com/office/drawing/2014/main" id="{1609FB64-6B87-4A11-A048-28818EDB4107}"/>
               </a:ext>
             </a:extLst>
           </p:cNvPr>
@@ -1792,7 +1801,7 @@
           <p:cNvPr id="7" name="Datumsplatzhalter 6">
             <a:extLst>
               <a:ext uri="{FF2B5EF4-FFF2-40B4-BE49-F238E27FC236}">
-                <a16:creationId xmlns:a16="http://schemas.microsoft.com/office/drawing/2014/main" id="{A800958A-4AAE-4300-B67A-B99DB484358E}"/>
+                <a16:creationId xmlns:a16="http://schemas.microsoft.com/office/drawing/2014/main" id="{F3B58CA3-A6C5-4CDE-87CB-648DC6BDA616}"/>
               </a:ext>
             </a:extLst>
           </p:cNvPr>
@@ -1808,9 +1817,9 @@
           <a:bodyPr/>
           <a:lstStyle/>
           <a:p>
-            <a:fld id="{689468BB-9C24-4592-B29B-48FBCD37F686}" type="datetimeFigureOut">
+            <a:fld id="{39041757-FDB7-46D7-9EE9-C59A1940E3D7}" type="datetimeFigureOut">
               <a:rPr lang="de-DE" smtClean="0"/>
-              <a:t>05.10.2021</a:t>
+              <a:t>19.10.2021</a:t>
             </a:fld>
             <a:endParaRPr lang="de-DE"/>
           </a:p>
@@ -1821,7 +1830,7 @@
           <p:cNvPr id="8" name="Fußzeilenplatzhalter 7">
             <a:extLst>
               <a:ext uri="{FF2B5EF4-FFF2-40B4-BE49-F238E27FC236}">
-                <a16:creationId xmlns:a16="http://schemas.microsoft.com/office/drawing/2014/main" id="{5305E05F-6DC9-453B-8FCF-E922D2BDFBD4}"/>
+                <a16:creationId xmlns:a16="http://schemas.microsoft.com/office/drawing/2014/main" id="{134D62B3-9288-4096-9551-6EC88E519661}"/>
               </a:ext>
             </a:extLst>
           </p:cNvPr>
@@ -1846,7 +1855,7 @@
           <p:cNvPr id="9" name="Foliennummernplatzhalter 8">
             <a:extLst>
               <a:ext uri="{FF2B5EF4-FFF2-40B4-BE49-F238E27FC236}">
-                <a16:creationId xmlns:a16="http://schemas.microsoft.com/office/drawing/2014/main" id="{9E96EE9E-CD7A-4DD8-BD02-A5F695827FD8}"/>
+                <a16:creationId xmlns:a16="http://schemas.microsoft.com/office/drawing/2014/main" id="{34E7B10D-8F68-4A5E-B43E-AFE6C91C2489}"/>
               </a:ext>
             </a:extLst>
           </p:cNvPr>
@@ -1862,7 +1871,7 @@
           <a:bodyPr/>
           <a:lstStyle/>
           <a:p>
-            <a:fld id="{E3DC0A5B-6131-4A4A-B29C-903C5D6C4AE6}" type="slidenum">
+            <a:fld id="{D73D3150-BE4B-4679-9FB5-AB1AE4FBF833}" type="slidenum">
               <a:rPr lang="de-DE" smtClean="0"/>
               <a:t>‹Nr.›</a:t>
             </a:fld>
@@ -1873,7 +1882,7 @@
     </p:spTree>
     <p:extLst>
       <p:ext uri="{BB962C8B-B14F-4D97-AF65-F5344CB8AC3E}">
-        <p14:creationId xmlns:p14="http://schemas.microsoft.com/office/powerpoint/2010/main" val="126056077"/>
+        <p14:creationId xmlns:p14="http://schemas.microsoft.com/office/powerpoint/2010/main" val="3303728321"/>
       </p:ext>
     </p:extLst>
   </p:cSld>
@@ -1905,7 +1914,7 @@
           <p:cNvPr id="2" name="Titel 1">
             <a:extLst>
               <a:ext uri="{FF2B5EF4-FFF2-40B4-BE49-F238E27FC236}">
-                <a16:creationId xmlns:a16="http://schemas.microsoft.com/office/drawing/2014/main" id="{1F199910-4A57-4CFE-8CDE-016B008AF001}"/>
+                <a16:creationId xmlns:a16="http://schemas.microsoft.com/office/drawing/2014/main" id="{EBA252EF-CE4C-4D30-9881-DDED918A93E0}"/>
               </a:ext>
             </a:extLst>
           </p:cNvPr>
@@ -1933,7 +1942,7 @@
           <p:cNvPr id="3" name="Datumsplatzhalter 2">
             <a:extLst>
               <a:ext uri="{FF2B5EF4-FFF2-40B4-BE49-F238E27FC236}">
-                <a16:creationId xmlns:a16="http://schemas.microsoft.com/office/drawing/2014/main" id="{28EEF9D1-0DA1-4409-8226-669DA689FCC0}"/>
+                <a16:creationId xmlns:a16="http://schemas.microsoft.com/office/drawing/2014/main" id="{F5DD428E-1314-43C7-A880-1992E90465BE}"/>
               </a:ext>
             </a:extLst>
           </p:cNvPr>
@@ -1949,9 +1958,9 @@
           <a:bodyPr/>
           <a:lstStyle/>
           <a:p>
-            <a:fld id="{689468BB-9C24-4592-B29B-48FBCD37F686}" type="datetimeFigureOut">
+            <a:fld id="{39041757-FDB7-46D7-9EE9-C59A1940E3D7}" type="datetimeFigureOut">
               <a:rPr lang="de-DE" smtClean="0"/>
-              <a:t>05.10.2021</a:t>
+              <a:t>19.10.2021</a:t>
             </a:fld>
             <a:endParaRPr lang="de-DE"/>
           </a:p>
@@ -1962,7 +1971,7 @@
           <p:cNvPr id="4" name="Fußzeilenplatzhalter 3">
             <a:extLst>
               <a:ext uri="{FF2B5EF4-FFF2-40B4-BE49-F238E27FC236}">
-                <a16:creationId xmlns:a16="http://schemas.microsoft.com/office/drawing/2014/main" id="{B2E53A65-5FA7-4E36-A36D-984964972F6A}"/>
+                <a16:creationId xmlns:a16="http://schemas.microsoft.com/office/drawing/2014/main" id="{F82D07A2-2923-4DCA-B612-F16148A09213}"/>
               </a:ext>
             </a:extLst>
           </p:cNvPr>
@@ -1987,7 +1996,7 @@
           <p:cNvPr id="5" name="Foliennummernplatzhalter 4">
             <a:extLst>
               <a:ext uri="{FF2B5EF4-FFF2-40B4-BE49-F238E27FC236}">
-                <a16:creationId xmlns:a16="http://schemas.microsoft.com/office/drawing/2014/main" id="{7DBDFF80-1981-4055-95C3-C79895D9DD56}"/>
+                <a16:creationId xmlns:a16="http://schemas.microsoft.com/office/drawing/2014/main" id="{24F67B96-8558-4663-AD54-C0EBCACDE4C9}"/>
               </a:ext>
             </a:extLst>
           </p:cNvPr>
@@ -2003,7 +2012,7 @@
           <a:bodyPr/>
           <a:lstStyle/>
           <a:p>
-            <a:fld id="{E3DC0A5B-6131-4A4A-B29C-903C5D6C4AE6}" type="slidenum">
+            <a:fld id="{D73D3150-BE4B-4679-9FB5-AB1AE4FBF833}" type="slidenum">
               <a:rPr lang="de-DE" smtClean="0"/>
               <a:t>‹Nr.›</a:t>
             </a:fld>
@@ -2014,7 +2023,7 @@
     </p:spTree>
     <p:extLst>
       <p:ext uri="{BB962C8B-B14F-4D97-AF65-F5344CB8AC3E}">
-        <p14:creationId xmlns:p14="http://schemas.microsoft.com/office/powerpoint/2010/main" val="1319353855"/>
+        <p14:creationId xmlns:p14="http://schemas.microsoft.com/office/powerpoint/2010/main" val="1565654739"/>
       </p:ext>
     </p:extLst>
   </p:cSld>
@@ -2046,7 +2055,7 @@
           <p:cNvPr id="2" name="Datumsplatzhalter 1">
             <a:extLst>
               <a:ext uri="{FF2B5EF4-FFF2-40B4-BE49-F238E27FC236}">
-                <a16:creationId xmlns:a16="http://schemas.microsoft.com/office/drawing/2014/main" id="{178EC30C-89E9-4477-9E09-E495CF1B5391}"/>
+                <a16:creationId xmlns:a16="http://schemas.microsoft.com/office/drawing/2014/main" id="{F37F408C-89AD-4EE4-9A08-31352A26D2C3}"/>
               </a:ext>
             </a:extLst>
           </p:cNvPr>
@@ -2062,9 +2071,9 @@
           <a:bodyPr/>
           <a:lstStyle/>
           <a:p>
-            <a:fld id="{689468BB-9C24-4592-B29B-48FBCD37F686}" type="datetimeFigureOut">
+            <a:fld id="{39041757-FDB7-46D7-9EE9-C59A1940E3D7}" type="datetimeFigureOut">
               <a:rPr lang="de-DE" smtClean="0"/>
-              <a:t>05.10.2021</a:t>
+              <a:t>19.10.2021</a:t>
             </a:fld>
             <a:endParaRPr lang="de-DE"/>
           </a:p>
@@ -2075,7 +2084,7 @@
           <p:cNvPr id="3" name="Fußzeilenplatzhalter 2">
             <a:extLst>
               <a:ext uri="{FF2B5EF4-FFF2-40B4-BE49-F238E27FC236}">
-                <a16:creationId xmlns:a16="http://schemas.microsoft.com/office/drawing/2014/main" id="{1F05C3AA-0296-42C7-881B-94100089A729}"/>
+                <a16:creationId xmlns:a16="http://schemas.microsoft.com/office/drawing/2014/main" id="{6F67EA9E-DA80-462D-95B7-5182B032024F}"/>
               </a:ext>
             </a:extLst>
           </p:cNvPr>
@@ -2100,7 +2109,7 @@
           <p:cNvPr id="4" name="Foliennummernplatzhalter 3">
             <a:extLst>
               <a:ext uri="{FF2B5EF4-FFF2-40B4-BE49-F238E27FC236}">
-                <a16:creationId xmlns:a16="http://schemas.microsoft.com/office/drawing/2014/main" id="{E28309F2-419E-4F57-9446-D97076DCD669}"/>
+                <a16:creationId xmlns:a16="http://schemas.microsoft.com/office/drawing/2014/main" id="{3D66D5D7-BCD8-4CEB-AF34-94448EF7AB53}"/>
               </a:ext>
             </a:extLst>
           </p:cNvPr>
@@ -2116,7 +2125,7 @@
           <a:bodyPr/>
           <a:lstStyle/>
           <a:p>
-            <a:fld id="{E3DC0A5B-6131-4A4A-B29C-903C5D6C4AE6}" type="slidenum">
+            <a:fld id="{D73D3150-BE4B-4679-9FB5-AB1AE4FBF833}" type="slidenum">
               <a:rPr lang="de-DE" smtClean="0"/>
               <a:t>‹Nr.›</a:t>
             </a:fld>
@@ -2127,7 +2136,7 @@
     </p:spTree>
     <p:extLst>
       <p:ext uri="{BB962C8B-B14F-4D97-AF65-F5344CB8AC3E}">
-        <p14:creationId xmlns:p14="http://schemas.microsoft.com/office/powerpoint/2010/main" val="202314781"/>
+        <p14:creationId xmlns:p14="http://schemas.microsoft.com/office/powerpoint/2010/main" val="1355315122"/>
       </p:ext>
     </p:extLst>
   </p:cSld>
@@ -2159,7 +2168,7 @@
           <p:cNvPr id="2" name="Titel 1">
             <a:extLst>
               <a:ext uri="{FF2B5EF4-FFF2-40B4-BE49-F238E27FC236}">
-                <a16:creationId xmlns:a16="http://schemas.microsoft.com/office/drawing/2014/main" id="{F5856F0A-E31F-48DC-B07C-180426605CAA}"/>
+                <a16:creationId xmlns:a16="http://schemas.microsoft.com/office/drawing/2014/main" id="{9FC17CA4-0EDD-4E5C-9BA3-6F5249D50755}"/>
               </a:ext>
             </a:extLst>
           </p:cNvPr>
@@ -2196,7 +2205,7 @@
           <p:cNvPr id="3" name="Inhaltsplatzhalter 2">
             <a:extLst>
               <a:ext uri="{FF2B5EF4-FFF2-40B4-BE49-F238E27FC236}">
-                <a16:creationId xmlns:a16="http://schemas.microsoft.com/office/drawing/2014/main" id="{E89F1297-E107-415B-8E6C-EDC9B34AC8C5}"/>
+                <a16:creationId xmlns:a16="http://schemas.microsoft.com/office/drawing/2014/main" id="{A813A4E1-4F01-43B8-9DD8-8B97543AD3A4}"/>
               </a:ext>
             </a:extLst>
           </p:cNvPr>
@@ -2286,7 +2295,7 @@
           <p:cNvPr id="4" name="Textplatzhalter 3">
             <a:extLst>
               <a:ext uri="{FF2B5EF4-FFF2-40B4-BE49-F238E27FC236}">
-                <a16:creationId xmlns:a16="http://schemas.microsoft.com/office/drawing/2014/main" id="{6394D2E3-8333-4C99-AAED-95C1C1D291CC}"/>
+                <a16:creationId xmlns:a16="http://schemas.microsoft.com/office/drawing/2014/main" id="{C4D1E08B-8A47-4B94-B155-A147A494F42F}"/>
               </a:ext>
             </a:extLst>
           </p:cNvPr>
@@ -2357,7 +2366,7 @@
           <p:cNvPr id="5" name="Datumsplatzhalter 4">
             <a:extLst>
               <a:ext uri="{FF2B5EF4-FFF2-40B4-BE49-F238E27FC236}">
-                <a16:creationId xmlns:a16="http://schemas.microsoft.com/office/drawing/2014/main" id="{6B890134-865E-4A3D-9822-317C549B2FFF}"/>
+                <a16:creationId xmlns:a16="http://schemas.microsoft.com/office/drawing/2014/main" id="{A2FA8001-E3C1-46AE-9CA5-64EA2466FC01}"/>
               </a:ext>
             </a:extLst>
           </p:cNvPr>
@@ -2373,9 +2382,9 @@
           <a:bodyPr/>
           <a:lstStyle/>
           <a:p>
-            <a:fld id="{689468BB-9C24-4592-B29B-48FBCD37F686}" type="datetimeFigureOut">
+            <a:fld id="{39041757-FDB7-46D7-9EE9-C59A1940E3D7}" type="datetimeFigureOut">
               <a:rPr lang="de-DE" smtClean="0"/>
-              <a:t>05.10.2021</a:t>
+              <a:t>19.10.2021</a:t>
             </a:fld>
             <a:endParaRPr lang="de-DE"/>
           </a:p>
@@ -2386,7 +2395,7 @@
           <p:cNvPr id="6" name="Fußzeilenplatzhalter 5">
             <a:extLst>
               <a:ext uri="{FF2B5EF4-FFF2-40B4-BE49-F238E27FC236}">
-                <a16:creationId xmlns:a16="http://schemas.microsoft.com/office/drawing/2014/main" id="{08A59B9A-51CC-49A4-AF53-61E172F9809A}"/>
+                <a16:creationId xmlns:a16="http://schemas.microsoft.com/office/drawing/2014/main" id="{59F6938B-98E7-4517-A11E-1AFCB46723E4}"/>
               </a:ext>
             </a:extLst>
           </p:cNvPr>
@@ -2411,7 +2420,7 @@
           <p:cNvPr id="7" name="Foliennummernplatzhalter 6">
             <a:extLst>
               <a:ext uri="{FF2B5EF4-FFF2-40B4-BE49-F238E27FC236}">
-                <a16:creationId xmlns:a16="http://schemas.microsoft.com/office/drawing/2014/main" id="{F691C098-BDB1-469F-B270-A0F21AFC201E}"/>
+                <a16:creationId xmlns:a16="http://schemas.microsoft.com/office/drawing/2014/main" id="{61AB33F6-E055-40DA-8812-7D6FC13E190B}"/>
               </a:ext>
             </a:extLst>
           </p:cNvPr>
@@ -2427,7 +2436,7 @@
           <a:bodyPr/>
           <a:lstStyle/>
           <a:p>
-            <a:fld id="{E3DC0A5B-6131-4A4A-B29C-903C5D6C4AE6}" type="slidenum">
+            <a:fld id="{D73D3150-BE4B-4679-9FB5-AB1AE4FBF833}" type="slidenum">
               <a:rPr lang="de-DE" smtClean="0"/>
               <a:t>‹Nr.›</a:t>
             </a:fld>
@@ -2438,7 +2447,7 @@
     </p:spTree>
     <p:extLst>
       <p:ext uri="{BB962C8B-B14F-4D97-AF65-F5344CB8AC3E}">
-        <p14:creationId xmlns:p14="http://schemas.microsoft.com/office/powerpoint/2010/main" val="1080479095"/>
+        <p14:creationId xmlns:p14="http://schemas.microsoft.com/office/powerpoint/2010/main" val="4205579896"/>
       </p:ext>
     </p:extLst>
   </p:cSld>
@@ -2470,7 +2479,7 @@
           <p:cNvPr id="2" name="Titel 1">
             <a:extLst>
               <a:ext uri="{FF2B5EF4-FFF2-40B4-BE49-F238E27FC236}">
-                <a16:creationId xmlns:a16="http://schemas.microsoft.com/office/drawing/2014/main" id="{71AD507E-8F19-4E58-AC95-15A14194D7FA}"/>
+                <a16:creationId xmlns:a16="http://schemas.microsoft.com/office/drawing/2014/main" id="{BE4E50BD-A687-4D23-B766-465C73F5AE4D}"/>
               </a:ext>
             </a:extLst>
           </p:cNvPr>
@@ -2507,7 +2516,7 @@
           <p:cNvPr id="3" name="Bildplatzhalter 2">
             <a:extLst>
               <a:ext uri="{FF2B5EF4-FFF2-40B4-BE49-F238E27FC236}">
-                <a16:creationId xmlns:a16="http://schemas.microsoft.com/office/drawing/2014/main" id="{A3888CA8-2286-4A03-8CD9-FA1D36CD21E8}"/>
+                <a16:creationId xmlns:a16="http://schemas.microsoft.com/office/drawing/2014/main" id="{3B6458D5-2280-4C68-9D5B-1AC7DBD526E3}"/>
               </a:ext>
             </a:extLst>
           </p:cNvPr>
@@ -2574,7 +2583,7 @@
           <p:cNvPr id="4" name="Textplatzhalter 3">
             <a:extLst>
               <a:ext uri="{FF2B5EF4-FFF2-40B4-BE49-F238E27FC236}">
-                <a16:creationId xmlns:a16="http://schemas.microsoft.com/office/drawing/2014/main" id="{505FED6A-7786-4CC8-A1D3-61D16848FE38}"/>
+                <a16:creationId xmlns:a16="http://schemas.microsoft.com/office/drawing/2014/main" id="{11441D5E-B8BC-42B9-9C78-E363D5453C20}"/>
               </a:ext>
             </a:extLst>
           </p:cNvPr>
@@ -2645,7 +2654,7 @@
           <p:cNvPr id="5" name="Datumsplatzhalter 4">
             <a:extLst>
               <a:ext uri="{FF2B5EF4-FFF2-40B4-BE49-F238E27FC236}">
-                <a16:creationId xmlns:a16="http://schemas.microsoft.com/office/drawing/2014/main" id="{D3F54187-86D2-46D5-AF37-425E33040409}"/>
+                <a16:creationId xmlns:a16="http://schemas.microsoft.com/office/drawing/2014/main" id="{C65A0B80-7012-4EDC-BE2B-AD2D1B5341A5}"/>
               </a:ext>
             </a:extLst>
           </p:cNvPr>
@@ -2661,9 +2670,9 @@
           <a:bodyPr/>
           <a:lstStyle/>
           <a:p>
-            <a:fld id="{689468BB-9C24-4592-B29B-48FBCD37F686}" type="datetimeFigureOut">
+            <a:fld id="{39041757-FDB7-46D7-9EE9-C59A1940E3D7}" type="datetimeFigureOut">
               <a:rPr lang="de-DE" smtClean="0"/>
-              <a:t>05.10.2021</a:t>
+              <a:t>19.10.2021</a:t>
             </a:fld>
             <a:endParaRPr lang="de-DE"/>
           </a:p>
@@ -2674,7 +2683,7 @@
           <p:cNvPr id="6" name="Fußzeilenplatzhalter 5">
             <a:extLst>
               <a:ext uri="{FF2B5EF4-FFF2-40B4-BE49-F238E27FC236}">
-                <a16:creationId xmlns:a16="http://schemas.microsoft.com/office/drawing/2014/main" id="{4D8D486F-E7BF-4FA1-B0A2-18D59A3A8F5F}"/>
+                <a16:creationId xmlns:a16="http://schemas.microsoft.com/office/drawing/2014/main" id="{66543A8E-84CA-4662-B87A-FE2FD329C282}"/>
               </a:ext>
             </a:extLst>
           </p:cNvPr>
@@ -2699,7 +2708,7 @@
           <p:cNvPr id="7" name="Foliennummernplatzhalter 6">
             <a:extLst>
               <a:ext uri="{FF2B5EF4-FFF2-40B4-BE49-F238E27FC236}">
-                <a16:creationId xmlns:a16="http://schemas.microsoft.com/office/drawing/2014/main" id="{7F06F519-686F-4D4B-AB95-6F5B1886D5FE}"/>
+                <a16:creationId xmlns:a16="http://schemas.microsoft.com/office/drawing/2014/main" id="{CEDB6ACC-5EDC-4CFF-9610-C860C881EC34}"/>
               </a:ext>
             </a:extLst>
           </p:cNvPr>
@@ -2715,7 +2724,7 @@
           <a:bodyPr/>
           <a:lstStyle/>
           <a:p>
-            <a:fld id="{E3DC0A5B-6131-4A4A-B29C-903C5D6C4AE6}" type="slidenum">
+            <a:fld id="{D73D3150-BE4B-4679-9FB5-AB1AE4FBF833}" type="slidenum">
               <a:rPr lang="de-DE" smtClean="0"/>
               <a:t>‹Nr.›</a:t>
             </a:fld>
@@ -2726,7 +2735,7 @@
     </p:spTree>
     <p:extLst>
       <p:ext uri="{BB962C8B-B14F-4D97-AF65-F5344CB8AC3E}">
-        <p14:creationId xmlns:p14="http://schemas.microsoft.com/office/powerpoint/2010/main" val="2776582892"/>
+        <p14:creationId xmlns:p14="http://schemas.microsoft.com/office/powerpoint/2010/main" val="1284705694"/>
       </p:ext>
     </p:extLst>
   </p:cSld>
@@ -2763,7 +2772,7 @@
           <p:cNvPr id="2" name="Titelplatzhalter 1">
             <a:extLst>
               <a:ext uri="{FF2B5EF4-FFF2-40B4-BE49-F238E27FC236}">
-                <a16:creationId xmlns:a16="http://schemas.microsoft.com/office/drawing/2014/main" id="{1109EB39-D150-455E-B60C-94CA379AAB09}"/>
+                <a16:creationId xmlns:a16="http://schemas.microsoft.com/office/drawing/2014/main" id="{EADA5AC9-7586-4641-8E4F-FA9CD04552B6}"/>
               </a:ext>
             </a:extLst>
           </p:cNvPr>
@@ -2801,7 +2810,7 @@
           <p:cNvPr id="3" name="Textplatzhalter 2">
             <a:extLst>
               <a:ext uri="{FF2B5EF4-FFF2-40B4-BE49-F238E27FC236}">
-                <a16:creationId xmlns:a16="http://schemas.microsoft.com/office/drawing/2014/main" id="{FF90C9A1-8686-447D-BCB2-0A23758A40C3}"/>
+                <a16:creationId xmlns:a16="http://schemas.microsoft.com/office/drawing/2014/main" id="{0D5B4C19-2B35-4646-9F37-44965395F0EF}"/>
               </a:ext>
             </a:extLst>
           </p:cNvPr>
@@ -2868,7 +2877,7 @@
           <p:cNvPr id="4" name="Datumsplatzhalter 3">
             <a:extLst>
               <a:ext uri="{FF2B5EF4-FFF2-40B4-BE49-F238E27FC236}">
-                <a16:creationId xmlns:a16="http://schemas.microsoft.com/office/drawing/2014/main" id="{06F4E1D2-2AD0-4616-B7B7-99D80F5B0BB8}"/>
+                <a16:creationId xmlns:a16="http://schemas.microsoft.com/office/drawing/2014/main" id="{8B1F6646-1117-4967-A082-5A7FE04E0639}"/>
               </a:ext>
             </a:extLst>
           </p:cNvPr>
@@ -2902,9 +2911,9 @@
             </a:lvl1pPr>
           </a:lstStyle>
           <a:p>
-            <a:fld id="{689468BB-9C24-4592-B29B-48FBCD37F686}" type="datetimeFigureOut">
+            <a:fld id="{39041757-FDB7-46D7-9EE9-C59A1940E3D7}" type="datetimeFigureOut">
               <a:rPr lang="de-DE" smtClean="0"/>
-              <a:t>05.10.2021</a:t>
+              <a:t>19.10.2021</a:t>
             </a:fld>
             <a:endParaRPr lang="de-DE"/>
           </a:p>
@@ -2915,7 +2924,7 @@
           <p:cNvPr id="5" name="Fußzeilenplatzhalter 4">
             <a:extLst>
               <a:ext uri="{FF2B5EF4-FFF2-40B4-BE49-F238E27FC236}">
-                <a16:creationId xmlns:a16="http://schemas.microsoft.com/office/drawing/2014/main" id="{8365E76F-8293-43CB-B095-37B23FA008E7}"/>
+                <a16:creationId xmlns:a16="http://schemas.microsoft.com/office/drawing/2014/main" id="{78E48FFD-3A06-47EB-81F1-4270B2BDA6CA}"/>
               </a:ext>
             </a:extLst>
           </p:cNvPr>
@@ -2958,7 +2967,7 @@
           <p:cNvPr id="6" name="Foliennummernplatzhalter 5">
             <a:extLst>
               <a:ext uri="{FF2B5EF4-FFF2-40B4-BE49-F238E27FC236}">
-                <a16:creationId xmlns:a16="http://schemas.microsoft.com/office/drawing/2014/main" id="{1D6ABA84-3E60-4F36-B39C-FB8C3400F28B}"/>
+                <a16:creationId xmlns:a16="http://schemas.microsoft.com/office/drawing/2014/main" id="{63485E65-FBDD-4EB6-9615-6B36C7B88164}"/>
               </a:ext>
             </a:extLst>
           </p:cNvPr>
@@ -2992,7 +3001,7 @@
             </a:lvl1pPr>
           </a:lstStyle>
           <a:p>
-            <a:fld id="{E3DC0A5B-6131-4A4A-B29C-903C5D6C4AE6}" type="slidenum">
+            <a:fld id="{D73D3150-BE4B-4679-9FB5-AB1AE4FBF833}" type="slidenum">
               <a:rPr lang="de-DE" smtClean="0"/>
               <a:t>‹Nr.›</a:t>
             </a:fld>
@@ -3003,7 +3012,7 @@
     </p:spTree>
     <p:extLst>
       <p:ext uri="{BB962C8B-B14F-4D97-AF65-F5344CB8AC3E}">
-        <p14:creationId xmlns:p14="http://schemas.microsoft.com/office/powerpoint/2010/main" val="3441081406"/>
+        <p14:creationId xmlns:p14="http://schemas.microsoft.com/office/powerpoint/2010/main" val="2327525422"/>
       </p:ext>
     </p:extLst>
   </p:cSld>
@@ -3323,10 +3332,111 @@
       </p:grpSpPr>
       <p:sp>
         <p:nvSpPr>
-          <p:cNvPr id="4" name="Rechteck 3">
-            <a:extLst>
-              <a:ext uri="{FF2B5EF4-FFF2-40B4-BE49-F238E27FC236}">
-                <a16:creationId xmlns:a16="http://schemas.microsoft.com/office/drawing/2014/main" id="{5625704F-D2E3-493F-9CBE-87766FE52723}"/>
+          <p:cNvPr id="2" name="Titel 1">
+            <a:extLst>
+              <a:ext uri="{FF2B5EF4-FFF2-40B4-BE49-F238E27FC236}">
+                <a16:creationId xmlns:a16="http://schemas.microsoft.com/office/drawing/2014/main" id="{E30AF941-16DD-4E28-9DC8-B6DF75AE6288}"/>
+              </a:ext>
+            </a:extLst>
+          </p:cNvPr>
+          <p:cNvSpPr>
+            <a:spLocks noGrp="1"/>
+          </p:cNvSpPr>
+          <p:nvPr>
+            <p:ph type="title"/>
+          </p:nvPr>
+        </p:nvSpPr>
+        <p:spPr>
+          <a:xfrm>
+            <a:off x="838200" y="365126"/>
+            <a:ext cx="10515600" cy="474710"/>
+          </a:xfrm>
+        </p:spPr>
+        <p:txBody>
+          <a:bodyPr>
+            <a:normAutofit fontScale="90000"/>
+          </a:bodyPr>
+          <a:lstStyle/>
+          <a:p>
+            <a:r>
+              <a:rPr lang="de-DE" dirty="0"/>
+              <a:t>Original KBGAN</a:t>
+            </a:r>
+          </a:p>
+        </p:txBody>
+      </p:sp>
+      <p:pic>
+        <p:nvPicPr>
+          <p:cNvPr id="5" name="Grafik 4">
+            <a:extLst>
+              <a:ext uri="{FF2B5EF4-FFF2-40B4-BE49-F238E27FC236}">
+                <a16:creationId xmlns:a16="http://schemas.microsoft.com/office/drawing/2014/main" id="{C753985D-219F-4C93-B204-69D9A27D3F90}"/>
+              </a:ext>
+            </a:extLst>
+          </p:cNvPr>
+          <p:cNvPicPr>
+            <a:picLocks noChangeAspect="1"/>
+          </p:cNvPicPr>
+          <p:nvPr/>
+        </p:nvPicPr>
+        <p:blipFill>
+          <a:blip r:embed="rId2"/>
+          <a:stretch>
+            <a:fillRect/>
+          </a:stretch>
+        </p:blipFill>
+        <p:spPr>
+          <a:xfrm>
+            <a:off x="1670282" y="867538"/>
+            <a:ext cx="8404895" cy="2959788"/>
+          </a:xfrm>
+          <a:prstGeom prst="rect">
+            <a:avLst/>
+          </a:prstGeom>
+        </p:spPr>
+      </p:pic>
+      <p:sp>
+        <p:nvSpPr>
+          <p:cNvPr id="6" name="Textfeld 5">
+            <a:extLst>
+              <a:ext uri="{FF2B5EF4-FFF2-40B4-BE49-F238E27FC236}">
+                <a16:creationId xmlns:a16="http://schemas.microsoft.com/office/drawing/2014/main" id="{8CC098A3-D83F-4004-845E-7EF4D89833F6}"/>
+              </a:ext>
+            </a:extLst>
+          </p:cNvPr>
+          <p:cNvSpPr txBox="1"/>
+          <p:nvPr/>
+        </p:nvSpPr>
+        <p:spPr>
+          <a:xfrm>
+            <a:off x="2014361" y="1142386"/>
+            <a:ext cx="749222" cy="369332"/>
+          </a:xfrm>
+          <a:prstGeom prst="rect">
+            <a:avLst/>
+          </a:prstGeom>
+          <a:noFill/>
+        </p:spPr>
+        <p:txBody>
+          <a:bodyPr wrap="square" rtlCol="0">
+            <a:spAutoFit/>
+          </a:bodyPr>
+          <a:lstStyle/>
+          <a:p>
+            <a:r>
+              <a:rPr lang="de-DE" dirty="0" err="1"/>
+              <a:t>Neg</a:t>
+            </a:r>
+            <a:endParaRPr lang="de-DE" dirty="0"/>
+          </a:p>
+        </p:txBody>
+      </p:sp>
+      <p:sp>
+        <p:nvSpPr>
+          <p:cNvPr id="7" name="Ellipse 6">
+            <a:extLst>
+              <a:ext uri="{FF2B5EF4-FFF2-40B4-BE49-F238E27FC236}">
+                <a16:creationId xmlns:a16="http://schemas.microsoft.com/office/drawing/2014/main" id="{27347968-3191-4C00-BD8A-C4590BBE9FD5}"/>
               </a:ext>
             </a:extLst>
           </p:cNvPr>
@@ -3335,14 +3445,14 @@
         </p:nvSpPr>
         <p:spPr>
           <a:xfrm>
-            <a:off x="3658802" y="1580225"/>
-            <a:ext cx="2422402" cy="1762125"/>
-          </a:xfrm>
-          <a:prstGeom prst="rect">
+            <a:off x="1640331" y="1458346"/>
+            <a:ext cx="1257475" cy="1886163"/>
+          </a:xfrm>
+          <a:prstGeom prst="ellipse">
             <a:avLst/>
           </a:prstGeom>
           <a:noFill/>
-          <a:ln w="28575">
+          <a:ln>
             <a:solidFill>
               <a:schemeClr val="tx1"/>
             </a:solidFill>
@@ -3369,36 +3479,840 @@
           <a:lstStyle/>
           <a:p>
             <a:pPr algn="ctr"/>
-            <a:r>
-              <a:rPr lang="de-DE" dirty="0">
-                <a:solidFill>
-                  <a:schemeClr val="tx1"/>
-                </a:solidFill>
-              </a:rPr>
-              <a:t>negative </a:t>
-            </a:r>
-            <a:r>
-              <a:rPr lang="de-DE" dirty="0" err="1">
-                <a:solidFill>
-                  <a:schemeClr val="tx1"/>
-                </a:solidFill>
-              </a:rPr>
-              <a:t>sampler</a:t>
-            </a:r>
-            <a:endParaRPr lang="de-DE" dirty="0">
-              <a:solidFill>
-                <a:schemeClr val="tx1"/>
-              </a:solidFill>
-            </a:endParaRPr>
-          </a:p>
-        </p:txBody>
-      </p:sp>
-      <p:sp>
-        <p:nvSpPr>
-          <p:cNvPr id="5" name="Rechteck 4">
-            <a:extLst>
-              <a:ext uri="{FF2B5EF4-FFF2-40B4-BE49-F238E27FC236}">
-                <a16:creationId xmlns:a16="http://schemas.microsoft.com/office/drawing/2014/main" id="{AF73923B-7A03-4624-B536-C0268F982D32}"/>
+            <a:endParaRPr lang="de-DE"/>
+          </a:p>
+        </p:txBody>
+      </p:sp>
+      <p:sp>
+        <p:nvSpPr>
+          <p:cNvPr id="8" name="Textfeld 7">
+            <a:extLst>
+              <a:ext uri="{FF2B5EF4-FFF2-40B4-BE49-F238E27FC236}">
+                <a16:creationId xmlns:a16="http://schemas.microsoft.com/office/drawing/2014/main" id="{2BD68EEA-EC18-45D3-8263-4EA2ABC24F3A}"/>
+              </a:ext>
+            </a:extLst>
+          </p:cNvPr>
+          <p:cNvSpPr txBox="1"/>
+          <p:nvPr/>
+        </p:nvSpPr>
+        <p:spPr>
+          <a:xfrm>
+            <a:off x="1804202" y="3862961"/>
+            <a:ext cx="5030730" cy="2254463"/>
+          </a:xfrm>
+          <a:prstGeom prst="rect">
+            <a:avLst/>
+          </a:prstGeom>
+          <a:noFill/>
+        </p:spPr>
+        <p:txBody>
+          <a:bodyPr wrap="square" rtlCol="0">
+            <a:spAutoFit/>
+          </a:bodyPr>
+          <a:lstStyle/>
+          <a:p>
+            <a:r>
+              <a:rPr lang="de-DE" sz="2000" b="1" dirty="0"/>
+              <a:t>Generator</a:t>
+            </a:r>
+            <a:endParaRPr lang="de-DE" sz="2400" b="1" dirty="0"/>
+          </a:p>
+          <a:p>
+            <a:r>
+              <a:rPr lang="de-DE" sz="1400" dirty="0"/>
+              <a:t>Scoring </a:t>
+            </a:r>
+            <a:r>
+              <a:rPr lang="de-DE" sz="1400" dirty="0" err="1"/>
+              <a:t>function</a:t>
+            </a:r>
+            <a:r>
+              <a:rPr lang="de-DE" sz="1400" dirty="0"/>
+              <a:t>:   </a:t>
+            </a:r>
+          </a:p>
+          <a:p>
+            <a:endParaRPr lang="de-DE" sz="1400" dirty="0"/>
+          </a:p>
+          <a:p>
+            <a:r>
+              <a:rPr lang="de-DE" sz="1400" dirty="0"/>
+              <a:t>Sampling:</a:t>
+            </a:r>
+            <a:br>
+              <a:rPr lang="de-DE" sz="1400" dirty="0"/>
+            </a:br>
+            <a:r>
+              <a:rPr lang="de-DE" sz="1050" dirty="0"/>
+              <a:t>(</a:t>
+            </a:r>
+            <a:r>
+              <a:rPr lang="de-DE" sz="1050" dirty="0" err="1"/>
+              <a:t>according</a:t>
+            </a:r>
+            <a:r>
+              <a:rPr lang="de-DE" sz="1050" dirty="0"/>
+              <a:t> </a:t>
+            </a:r>
+            <a:r>
+              <a:rPr lang="de-DE" sz="1050" dirty="0" err="1"/>
+              <a:t>to</a:t>
+            </a:r>
+            <a:r>
+              <a:rPr lang="de-DE" sz="1050" dirty="0"/>
+              <a:t> </a:t>
+            </a:r>
+            <a:r>
+              <a:rPr lang="de-DE" sz="1050" dirty="0" err="1"/>
+              <a:t>probability</a:t>
+            </a:r>
+            <a:r>
+              <a:rPr lang="de-DE" sz="1050" dirty="0"/>
+              <a:t> </a:t>
+            </a:r>
+            <a:r>
+              <a:rPr lang="de-DE" sz="1050" dirty="0" err="1"/>
+              <a:t>distribution</a:t>
+            </a:r>
+            <a:r>
+              <a:rPr lang="de-DE" sz="1050" dirty="0"/>
+              <a:t>)</a:t>
+            </a:r>
+            <a:endParaRPr lang="de-DE" dirty="0"/>
+          </a:p>
+          <a:p>
+            <a:endParaRPr lang="de-DE" dirty="0"/>
+          </a:p>
+          <a:p>
+            <a:r>
+              <a:rPr lang="de-DE" sz="1400" dirty="0"/>
+              <a:t>Gradient:</a:t>
+            </a:r>
+          </a:p>
+          <a:p>
+            <a:endParaRPr lang="de-DE" sz="1400" dirty="0"/>
+          </a:p>
+          <a:p>
+            <a:endParaRPr lang="de-DE" sz="800" dirty="0"/>
+          </a:p>
+          <a:p>
+            <a:r>
+              <a:rPr lang="de-DE" sz="1400" dirty="0" err="1"/>
+              <a:t>Objective</a:t>
+            </a:r>
+            <a:r>
+              <a:rPr lang="de-DE" sz="1400" dirty="0"/>
+              <a:t> (</a:t>
+            </a:r>
+            <a:r>
+              <a:rPr lang="de-DE" sz="1400" dirty="0" err="1"/>
+              <a:t>maximizing</a:t>
+            </a:r>
+            <a:r>
+              <a:rPr lang="de-DE" sz="1400" dirty="0"/>
+              <a:t> </a:t>
+            </a:r>
+            <a:r>
+              <a:rPr lang="de-DE" sz="1400" dirty="0" err="1"/>
+              <a:t>expectation</a:t>
+            </a:r>
+            <a:r>
+              <a:rPr lang="de-DE" sz="1400" dirty="0"/>
+              <a:t> </a:t>
+            </a:r>
+            <a:r>
+              <a:rPr lang="de-DE" sz="1400" dirty="0" err="1"/>
+              <a:t>of</a:t>
+            </a:r>
+            <a:r>
+              <a:rPr lang="de-DE" sz="1400" dirty="0"/>
+              <a:t> negative </a:t>
+            </a:r>
+            <a:r>
+              <a:rPr lang="de-DE" sz="1400" dirty="0" err="1"/>
+              <a:t>distances</a:t>
+            </a:r>
+            <a:r>
+              <a:rPr lang="de-DE" sz="1400" dirty="0"/>
+              <a:t>):</a:t>
+            </a:r>
+          </a:p>
+        </p:txBody>
+      </p:sp>
+      <p:sp>
+        <p:nvSpPr>
+          <p:cNvPr id="9" name="Textfeld 8">
+            <a:extLst>
+              <a:ext uri="{FF2B5EF4-FFF2-40B4-BE49-F238E27FC236}">
+                <a16:creationId xmlns:a16="http://schemas.microsoft.com/office/drawing/2014/main" id="{5F3752D7-A039-4AE5-9D61-40DB5CBE4F21}"/>
+              </a:ext>
+            </a:extLst>
+          </p:cNvPr>
+          <p:cNvSpPr txBox="1"/>
+          <p:nvPr/>
+        </p:nvSpPr>
+        <p:spPr>
+          <a:xfrm>
+            <a:off x="7476622" y="3908952"/>
+            <a:ext cx="4360243" cy="2154436"/>
+          </a:xfrm>
+          <a:prstGeom prst="rect">
+            <a:avLst/>
+          </a:prstGeom>
+          <a:noFill/>
+        </p:spPr>
+        <p:txBody>
+          <a:bodyPr wrap="square" rtlCol="0">
+            <a:spAutoFit/>
+          </a:bodyPr>
+          <a:lstStyle/>
+          <a:p>
+            <a:r>
+              <a:rPr lang="de-DE" sz="2000" b="1" dirty="0" err="1"/>
+              <a:t>Discriminator</a:t>
+            </a:r>
+            <a:endParaRPr lang="de-DE" sz="2400" b="1" dirty="0"/>
+          </a:p>
+          <a:p>
+            <a:r>
+              <a:rPr lang="de-DE" sz="1400" dirty="0"/>
+              <a:t>Scoring </a:t>
+            </a:r>
+            <a:r>
+              <a:rPr lang="de-DE" sz="1400" dirty="0" err="1"/>
+              <a:t>function</a:t>
+            </a:r>
+            <a:r>
+              <a:rPr lang="de-DE" sz="1400" dirty="0"/>
+              <a:t>:</a:t>
+            </a:r>
+          </a:p>
+          <a:p>
+            <a:endParaRPr lang="de-DE" sz="1400" dirty="0"/>
+          </a:p>
+          <a:p>
+            <a:r>
+              <a:rPr lang="de-DE" sz="1400" dirty="0" err="1"/>
+              <a:t>gradient</a:t>
+            </a:r>
+            <a:r>
+              <a:rPr lang="de-DE" dirty="0"/>
+              <a:t>:</a:t>
+            </a:r>
+          </a:p>
+          <a:p>
+            <a:endParaRPr lang="de-DE" dirty="0"/>
+          </a:p>
+          <a:p>
+            <a:r>
+              <a:rPr lang="de-DE" sz="1400" dirty="0" err="1"/>
+              <a:t>objective</a:t>
+            </a:r>
+            <a:r>
+              <a:rPr lang="de-DE" sz="1400" dirty="0"/>
+              <a:t> (</a:t>
+            </a:r>
+            <a:r>
+              <a:rPr lang="de-DE" sz="1400" dirty="0" err="1"/>
+              <a:t>minimizing</a:t>
+            </a:r>
+            <a:r>
+              <a:rPr lang="de-DE" sz="1400" dirty="0"/>
+              <a:t> marginal </a:t>
+            </a:r>
+            <a:r>
+              <a:rPr lang="de-DE" sz="1400" dirty="0" err="1"/>
+              <a:t>loss</a:t>
+            </a:r>
+            <a:r>
+              <a:rPr lang="de-DE" sz="1400" dirty="0"/>
+              <a:t> </a:t>
+            </a:r>
+            <a:r>
+              <a:rPr lang="de-DE" sz="1400" dirty="0" err="1"/>
+              <a:t>function</a:t>
+            </a:r>
+            <a:r>
+              <a:rPr lang="de-DE" sz="1400" dirty="0"/>
+              <a:t>):</a:t>
+            </a:r>
+          </a:p>
+          <a:p>
+            <a:endParaRPr lang="de-DE" dirty="0"/>
+          </a:p>
+          <a:p>
+            <a:endParaRPr lang="de-DE" dirty="0"/>
+          </a:p>
+        </p:txBody>
+      </p:sp>
+      <p:pic>
+        <p:nvPicPr>
+          <p:cNvPr id="4" name="Grafik 3">
+            <a:extLst>
+              <a:ext uri="{FF2B5EF4-FFF2-40B4-BE49-F238E27FC236}">
+                <a16:creationId xmlns:a16="http://schemas.microsoft.com/office/drawing/2014/main" id="{AF1F00A0-2061-4C35-9011-919D392ECBBE}"/>
+              </a:ext>
+            </a:extLst>
+          </p:cNvPr>
+          <p:cNvPicPr>
+            <a:picLocks noChangeAspect="1"/>
+          </p:cNvPicPr>
+          <p:nvPr/>
+        </p:nvPicPr>
+        <p:blipFill>
+          <a:blip r:embed="rId3"/>
+          <a:stretch>
+            <a:fillRect/>
+          </a:stretch>
+        </p:blipFill>
+        <p:spPr>
+          <a:xfrm>
+            <a:off x="4038337" y="4440264"/>
+            <a:ext cx="2327334" cy="599368"/>
+          </a:xfrm>
+          <a:prstGeom prst="rect">
+            <a:avLst/>
+          </a:prstGeom>
+        </p:spPr>
+      </p:pic>
+      <p:pic>
+        <p:nvPicPr>
+          <p:cNvPr id="15" name="Grafik 14">
+            <a:extLst>
+              <a:ext uri="{FF2B5EF4-FFF2-40B4-BE49-F238E27FC236}">
+                <a16:creationId xmlns:a16="http://schemas.microsoft.com/office/drawing/2014/main" id="{FBF4A971-A445-49BB-90BA-BE676606B0BC}"/>
+              </a:ext>
+            </a:extLst>
+          </p:cNvPr>
+          <p:cNvPicPr>
+            <a:picLocks noChangeAspect="1"/>
+          </p:cNvPicPr>
+          <p:nvPr/>
+        </p:nvPicPr>
+        <p:blipFill>
+          <a:blip r:embed="rId4"/>
+          <a:stretch>
+            <a:fillRect/>
+          </a:stretch>
+        </p:blipFill>
+        <p:spPr>
+          <a:xfrm>
+            <a:off x="5714126" y="3383872"/>
+            <a:ext cx="1303090" cy="238064"/>
+          </a:xfrm>
+          <a:prstGeom prst="rect">
+            <a:avLst/>
+          </a:prstGeom>
+        </p:spPr>
+      </p:pic>
+      <p:pic>
+        <p:nvPicPr>
+          <p:cNvPr id="17" name="Grafik 16">
+            <a:extLst>
+              <a:ext uri="{FF2B5EF4-FFF2-40B4-BE49-F238E27FC236}">
+                <a16:creationId xmlns:a16="http://schemas.microsoft.com/office/drawing/2014/main" id="{547B0AB0-1911-4672-A5CE-75727343B093}"/>
+              </a:ext>
+            </a:extLst>
+          </p:cNvPr>
+          <p:cNvPicPr>
+            <a:picLocks noChangeAspect="1"/>
+          </p:cNvPicPr>
+          <p:nvPr/>
+        </p:nvPicPr>
+        <p:blipFill>
+          <a:blip r:embed="rId5"/>
+          <a:stretch>
+            <a:fillRect/>
+          </a:stretch>
+        </p:blipFill>
+        <p:spPr>
+          <a:xfrm>
+            <a:off x="8940568" y="4287994"/>
+            <a:ext cx="790661" cy="243634"/>
+          </a:xfrm>
+          <a:prstGeom prst="rect">
+            <a:avLst/>
+          </a:prstGeom>
+        </p:spPr>
+      </p:pic>
+      <p:pic>
+        <p:nvPicPr>
+          <p:cNvPr id="19" name="Grafik 18">
+            <a:extLst>
+              <a:ext uri="{FF2B5EF4-FFF2-40B4-BE49-F238E27FC236}">
+                <a16:creationId xmlns:a16="http://schemas.microsoft.com/office/drawing/2014/main" id="{8058DE4A-46FF-4678-A1EA-5FB09F355564}"/>
+              </a:ext>
+            </a:extLst>
+          </p:cNvPr>
+          <p:cNvPicPr>
+            <a:picLocks noChangeAspect="1"/>
+          </p:cNvPicPr>
+          <p:nvPr/>
+        </p:nvPicPr>
+        <p:blipFill>
+          <a:blip r:embed="rId6"/>
+          <a:stretch>
+            <a:fillRect/>
+          </a:stretch>
+        </p:blipFill>
+        <p:spPr>
+          <a:xfrm>
+            <a:off x="3293992" y="4241014"/>
+            <a:ext cx="783058" cy="239998"/>
+          </a:xfrm>
+          <a:prstGeom prst="rect">
+            <a:avLst/>
+          </a:prstGeom>
+        </p:spPr>
+      </p:pic>
+      <p:pic>
+        <p:nvPicPr>
+          <p:cNvPr id="21" name="Grafik 20">
+            <a:extLst>
+              <a:ext uri="{FF2B5EF4-FFF2-40B4-BE49-F238E27FC236}">
+                <a16:creationId xmlns:a16="http://schemas.microsoft.com/office/drawing/2014/main" id="{91AE4661-24AC-4537-B9D0-30E77891AF5C}"/>
+              </a:ext>
+            </a:extLst>
+          </p:cNvPr>
+          <p:cNvPicPr>
+            <a:picLocks noChangeAspect="1"/>
+          </p:cNvPicPr>
+          <p:nvPr/>
+        </p:nvPicPr>
+        <p:blipFill>
+          <a:blip r:embed="rId7"/>
+          <a:stretch>
+            <a:fillRect/>
+          </a:stretch>
+        </p:blipFill>
+        <p:spPr>
+          <a:xfrm>
+            <a:off x="694288" y="3426135"/>
+            <a:ext cx="2320495" cy="276798"/>
+          </a:xfrm>
+          <a:prstGeom prst="rect">
+            <a:avLst/>
+          </a:prstGeom>
+        </p:spPr>
+      </p:pic>
+      <p:pic>
+        <p:nvPicPr>
+          <p:cNvPr id="23" name="Grafik 22">
+            <a:extLst>
+              <a:ext uri="{FF2B5EF4-FFF2-40B4-BE49-F238E27FC236}">
+                <a16:creationId xmlns:a16="http://schemas.microsoft.com/office/drawing/2014/main" id="{6692D567-6BE2-48A5-BA87-B7868E82B850}"/>
+              </a:ext>
+            </a:extLst>
+          </p:cNvPr>
+          <p:cNvPicPr>
+            <a:picLocks noChangeAspect="1"/>
+          </p:cNvPicPr>
+          <p:nvPr/>
+        </p:nvPicPr>
+        <p:blipFill>
+          <a:blip r:embed="rId8"/>
+          <a:stretch>
+            <a:fillRect/>
+          </a:stretch>
+        </p:blipFill>
+        <p:spPr>
+          <a:xfrm>
+            <a:off x="7784196" y="5023605"/>
+            <a:ext cx="3194326" cy="172666"/>
+          </a:xfrm>
+          <a:prstGeom prst="rect">
+            <a:avLst/>
+          </a:prstGeom>
+        </p:spPr>
+      </p:pic>
+      <p:pic>
+        <p:nvPicPr>
+          <p:cNvPr id="25" name="Grafik 24">
+            <a:extLst>
+              <a:ext uri="{FF2B5EF4-FFF2-40B4-BE49-F238E27FC236}">
+                <a16:creationId xmlns:a16="http://schemas.microsoft.com/office/drawing/2014/main" id="{F80BD64D-F74A-4334-935A-05EF64869608}"/>
+              </a:ext>
+            </a:extLst>
+          </p:cNvPr>
+          <p:cNvPicPr>
+            <a:picLocks noChangeAspect="1"/>
+          </p:cNvPicPr>
+          <p:nvPr/>
+        </p:nvPicPr>
+        <p:blipFill>
+          <a:blip r:embed="rId9"/>
+          <a:stretch>
+            <a:fillRect/>
+          </a:stretch>
+        </p:blipFill>
+        <p:spPr>
+          <a:xfrm>
+            <a:off x="2713249" y="5197081"/>
+            <a:ext cx="2333625" cy="200025"/>
+          </a:xfrm>
+          <a:prstGeom prst="rect">
+            <a:avLst/>
+          </a:prstGeom>
+        </p:spPr>
+      </p:pic>
+      <p:pic>
+        <p:nvPicPr>
+          <p:cNvPr id="27" name="Grafik 26">
+            <a:extLst>
+              <a:ext uri="{FF2B5EF4-FFF2-40B4-BE49-F238E27FC236}">
+                <a16:creationId xmlns:a16="http://schemas.microsoft.com/office/drawing/2014/main" id="{A9ED3637-8BD3-4600-B263-CF0F367CBB67}"/>
+              </a:ext>
+            </a:extLst>
+          </p:cNvPr>
+          <p:cNvPicPr>
+            <a:picLocks noChangeAspect="1"/>
+          </p:cNvPicPr>
+          <p:nvPr/>
+        </p:nvPicPr>
+        <p:blipFill>
+          <a:blip r:embed="rId10"/>
+          <a:stretch>
+            <a:fillRect/>
+          </a:stretch>
+        </p:blipFill>
+        <p:spPr>
+          <a:xfrm>
+            <a:off x="2713249" y="5464516"/>
+            <a:ext cx="1348092" cy="212857"/>
+          </a:xfrm>
+          <a:prstGeom prst="rect">
+            <a:avLst/>
+          </a:prstGeom>
+        </p:spPr>
+      </p:pic>
+      <p:pic>
+        <p:nvPicPr>
+          <p:cNvPr id="29" name="Grafik 28">
+            <a:extLst>
+              <a:ext uri="{FF2B5EF4-FFF2-40B4-BE49-F238E27FC236}">
+                <a16:creationId xmlns:a16="http://schemas.microsoft.com/office/drawing/2014/main" id="{61D37608-B506-49EA-A8F9-51916B8FF69C}"/>
+              </a:ext>
+            </a:extLst>
+          </p:cNvPr>
+          <p:cNvPicPr>
+            <a:picLocks noChangeAspect="1"/>
+          </p:cNvPicPr>
+          <p:nvPr/>
+        </p:nvPicPr>
+        <p:blipFill>
+          <a:blip r:embed="rId11"/>
+          <a:stretch>
+            <a:fillRect/>
+          </a:stretch>
+        </p:blipFill>
+        <p:spPr>
+          <a:xfrm>
+            <a:off x="2452961" y="6113175"/>
+            <a:ext cx="2412654" cy="634909"/>
+          </a:xfrm>
+          <a:prstGeom prst="rect">
+            <a:avLst/>
+          </a:prstGeom>
+        </p:spPr>
+      </p:pic>
+      <p:pic>
+        <p:nvPicPr>
+          <p:cNvPr id="10" name="Grafik 9">
+            <a:extLst>
+              <a:ext uri="{FF2B5EF4-FFF2-40B4-BE49-F238E27FC236}">
+                <a16:creationId xmlns:a16="http://schemas.microsoft.com/office/drawing/2014/main" id="{12022E8E-512F-4B02-B0F7-DB42F7583FBC}"/>
+              </a:ext>
+            </a:extLst>
+          </p:cNvPr>
+          <p:cNvPicPr>
+            <a:picLocks noChangeAspect="1"/>
+          </p:cNvPicPr>
+          <p:nvPr/>
+        </p:nvPicPr>
+        <p:blipFill>
+          <a:blip r:embed="rId12"/>
+          <a:stretch>
+            <a:fillRect/>
+          </a:stretch>
+        </p:blipFill>
+        <p:spPr>
+          <a:xfrm>
+            <a:off x="8090373" y="5570740"/>
+            <a:ext cx="2575420" cy="630978"/>
+          </a:xfrm>
+          <a:prstGeom prst="rect">
+            <a:avLst/>
+          </a:prstGeom>
+        </p:spPr>
+      </p:pic>
+      <p:sp>
+        <p:nvSpPr>
+          <p:cNvPr id="11" name="Textfeld 10">
+            <a:extLst>
+              <a:ext uri="{FF2B5EF4-FFF2-40B4-BE49-F238E27FC236}">
+                <a16:creationId xmlns:a16="http://schemas.microsoft.com/office/drawing/2014/main" id="{9544C1A1-EAEF-458C-AA9F-FFF8102E4447}"/>
+              </a:ext>
+            </a:extLst>
+          </p:cNvPr>
+          <p:cNvSpPr txBox="1"/>
+          <p:nvPr/>
+        </p:nvSpPr>
+        <p:spPr>
+          <a:xfrm>
+            <a:off x="548761" y="3668813"/>
+            <a:ext cx="5393552" cy="246221"/>
+          </a:xfrm>
+          <a:prstGeom prst="rect">
+            <a:avLst/>
+          </a:prstGeom>
+          <a:noFill/>
+        </p:spPr>
+        <p:txBody>
+          <a:bodyPr wrap="square" rtlCol="0">
+            <a:spAutoFit/>
+          </a:bodyPr>
+          <a:lstStyle/>
+          <a:p>
+            <a:pPr algn="l"/>
+            <a:r>
+              <a:rPr lang="en-US" sz="1000" b="0" i="0" u="none" strike="noStrike" baseline="0" dirty="0">
+                <a:latin typeface="NimbusRomNo9L-Regu"/>
+                <a:sym typeface="Wingdings" panose="05000000000000000000" pitchFamily="2" charset="2"/>
+              </a:rPr>
+              <a:t> </a:t>
+            </a:r>
+            <a:r>
+              <a:rPr lang="en-US" sz="1000" b="0" i="0" u="none" strike="noStrike" baseline="0" dirty="0">
+                <a:latin typeface="NimbusRomNo9L-Regu"/>
+              </a:rPr>
+              <a:t>uniformly sampling of N</a:t>
+            </a:r>
+            <a:r>
+              <a:rPr lang="en-US" sz="1000" b="0" i="0" u="none" strike="noStrike" baseline="-25000" dirty="0">
+                <a:latin typeface="CMMI10"/>
+              </a:rPr>
+              <a:t>s</a:t>
+            </a:r>
+            <a:r>
+              <a:rPr lang="en-US" sz="1000" b="0" i="0" u="none" strike="noStrike" baseline="0" dirty="0">
+                <a:latin typeface="CMMI8"/>
+              </a:rPr>
+              <a:t> </a:t>
+            </a:r>
+            <a:r>
+              <a:rPr lang="en-US" sz="1000" b="0" i="0" u="none" strike="noStrike" baseline="0" dirty="0">
+                <a:latin typeface="NimbusRomNo9L-Regu"/>
+              </a:rPr>
+              <a:t>entities (small number) from </a:t>
+            </a:r>
+            <a:r>
+              <a:rPr lang="en-US" sz="1000" b="0" i="0" u="none" strike="noStrike" baseline="0" dirty="0">
+                <a:latin typeface="CMSY10"/>
+              </a:rPr>
+              <a:t>E </a:t>
+            </a:r>
+            <a:r>
+              <a:rPr lang="en-US" sz="1000" b="0" i="0" u="none" strike="noStrike" baseline="0" dirty="0">
+                <a:latin typeface="NimbusRomNo9L-Regu"/>
+              </a:rPr>
+              <a:t>to replace </a:t>
+            </a:r>
+            <a:r>
+              <a:rPr lang="en-US" sz="1000" b="0" i="0" u="none" strike="noStrike" baseline="0" dirty="0">
+                <a:latin typeface="CMMI10"/>
+              </a:rPr>
+              <a:t>h </a:t>
+            </a:r>
+            <a:r>
+              <a:rPr lang="en-US" sz="1000" b="0" i="0" u="none" strike="noStrike" baseline="0" dirty="0">
+                <a:latin typeface="NimbusRomNo9L-Regu"/>
+              </a:rPr>
+              <a:t>or </a:t>
+            </a:r>
+            <a:r>
+              <a:rPr lang="en-US" sz="1000" b="0" i="0" u="none" strike="noStrike" baseline="0" dirty="0">
+                <a:latin typeface="CMMI10"/>
+              </a:rPr>
+              <a:t>t</a:t>
+            </a:r>
+            <a:r>
+              <a:rPr lang="en-US" sz="1000" b="0" i="0" u="none" strike="noStrike" baseline="0" dirty="0">
+                <a:latin typeface="NimbusRomNo9L-Regu"/>
+              </a:rPr>
+              <a:t>.</a:t>
+            </a:r>
+            <a:endParaRPr lang="de-DE" sz="1000" dirty="0"/>
+          </a:p>
+        </p:txBody>
+      </p:sp>
+      <p:pic>
+        <p:nvPicPr>
+          <p:cNvPr id="13" name="Grafik 12">
+            <a:extLst>
+              <a:ext uri="{FF2B5EF4-FFF2-40B4-BE49-F238E27FC236}">
+                <a16:creationId xmlns:a16="http://schemas.microsoft.com/office/drawing/2014/main" id="{CCFB2CD7-7F04-49C7-AB1F-514EACB84B44}"/>
+              </a:ext>
+            </a:extLst>
+          </p:cNvPr>
+          <p:cNvPicPr>
+            <a:picLocks noChangeAspect="1"/>
+          </p:cNvPicPr>
+          <p:nvPr/>
+        </p:nvPicPr>
+        <p:blipFill>
+          <a:blip r:embed="rId13"/>
+          <a:stretch>
+            <a:fillRect/>
+          </a:stretch>
+        </p:blipFill>
+        <p:spPr>
+          <a:xfrm>
+            <a:off x="7130337" y="1511718"/>
+            <a:ext cx="530844" cy="248623"/>
+          </a:xfrm>
+          <a:prstGeom prst="rect">
+            <a:avLst/>
+          </a:prstGeom>
+        </p:spPr>
+      </p:pic>
+      <p:pic>
+        <p:nvPicPr>
+          <p:cNvPr id="16" name="Grafik 15">
+            <a:extLst>
+              <a:ext uri="{FF2B5EF4-FFF2-40B4-BE49-F238E27FC236}">
+                <a16:creationId xmlns:a16="http://schemas.microsoft.com/office/drawing/2014/main" id="{2D95E382-1AC1-4683-94CD-36CACBD8778B}"/>
+              </a:ext>
+            </a:extLst>
+          </p:cNvPr>
+          <p:cNvPicPr>
+            <a:picLocks noChangeAspect="1"/>
+          </p:cNvPicPr>
+          <p:nvPr/>
+        </p:nvPicPr>
+        <p:blipFill>
+          <a:blip r:embed="rId14"/>
+          <a:stretch>
+            <a:fillRect/>
+          </a:stretch>
+        </p:blipFill>
+        <p:spPr>
+          <a:xfrm>
+            <a:off x="7017216" y="2940418"/>
+            <a:ext cx="586951" cy="238064"/>
+          </a:xfrm>
+          <a:prstGeom prst="rect">
+            <a:avLst/>
+          </a:prstGeom>
+        </p:spPr>
+      </p:pic>
+    </p:spTree>
+    <p:extLst>
+      <p:ext uri="{BB962C8B-B14F-4D97-AF65-F5344CB8AC3E}">
+        <p14:creationId xmlns:p14="http://schemas.microsoft.com/office/powerpoint/2010/main" val="465427551"/>
+      </p:ext>
+    </p:extLst>
+  </p:cSld>
+  <p:clrMapOvr>
+    <a:masterClrMapping/>
+  </p:clrMapOvr>
+</p:sld>
+</file>
+
+<file path=ppt/slides/slide2.xml><?xml version="1.0" encoding="utf-8"?>
+<p:sld xmlns:a="http://schemas.openxmlformats.org/drawingml/2006/main" xmlns:r="http://schemas.openxmlformats.org/officeDocument/2006/relationships" xmlns:p="http://schemas.openxmlformats.org/presentationml/2006/main">
+  <p:cSld>
+    <p:spTree>
+      <p:nvGrpSpPr>
+        <p:cNvPr id="1" name=""/>
+        <p:cNvGrpSpPr/>
+        <p:nvPr/>
+      </p:nvGrpSpPr>
+      <p:grpSpPr>
+        <a:xfrm>
+          <a:off x="0" y="0"/>
+          <a:ext cx="0" cy="0"/>
+          <a:chOff x="0" y="0"/>
+          <a:chExt cx="0" cy="0"/>
+        </a:xfrm>
+      </p:grpSpPr>
+      <p:sp>
+        <p:nvSpPr>
+          <p:cNvPr id="2" name="Titel 1">
+            <a:extLst>
+              <a:ext uri="{FF2B5EF4-FFF2-40B4-BE49-F238E27FC236}">
+                <a16:creationId xmlns:a16="http://schemas.microsoft.com/office/drawing/2014/main" id="{6866A68E-9A9C-4E30-8C24-E9BD681DD63A}"/>
+              </a:ext>
+            </a:extLst>
+          </p:cNvPr>
+          <p:cNvSpPr>
+            <a:spLocks noGrp="1"/>
+          </p:cNvSpPr>
+          <p:nvPr>
+            <p:ph type="title"/>
+          </p:nvPr>
+        </p:nvSpPr>
+        <p:spPr>
+          <a:xfrm>
+            <a:off x="838199" y="365126"/>
+            <a:ext cx="10851573" cy="662780"/>
+          </a:xfrm>
+        </p:spPr>
+        <p:txBody>
+          <a:bodyPr>
+            <a:normAutofit/>
+          </a:bodyPr>
+          <a:lstStyle/>
+          <a:p>
+            <a:r>
+              <a:rPr lang="de-DE" sz="3200" dirty="0"/>
+              <a:t>1) </a:t>
+            </a:r>
+            <a:r>
+              <a:rPr lang="de-DE" sz="3200" dirty="0" err="1"/>
+              <a:t>Improve</a:t>
+            </a:r>
+            <a:r>
+              <a:rPr lang="de-DE" sz="3200" dirty="0"/>
+              <a:t> </a:t>
+            </a:r>
+            <a:r>
+              <a:rPr lang="de-DE" sz="3200" dirty="0" err="1"/>
+              <a:t>quality</a:t>
+            </a:r>
+            <a:r>
+              <a:rPr lang="de-DE" sz="3200" dirty="0"/>
+              <a:t> </a:t>
+            </a:r>
+            <a:r>
+              <a:rPr lang="de-DE" sz="3200" dirty="0" err="1"/>
+              <a:t>of</a:t>
+            </a:r>
+            <a:r>
+              <a:rPr lang="de-DE" sz="3200" dirty="0"/>
+              <a:t> negatives in Negative Sample </a:t>
+            </a:r>
+            <a:r>
+              <a:rPr lang="de-DE" sz="3200" dirty="0" err="1"/>
+              <a:t>set</a:t>
+            </a:r>
+            <a:r>
+              <a:rPr lang="de-DE" sz="3200" dirty="0"/>
+              <a:t> </a:t>
+            </a:r>
+            <a:r>
+              <a:rPr lang="de-DE" sz="3200" dirty="0" err="1"/>
+              <a:t>Neg</a:t>
+            </a:r>
+            <a:endParaRPr lang="de-DE" sz="3200" dirty="0"/>
+          </a:p>
+        </p:txBody>
+      </p:sp>
+      <p:sp>
+        <p:nvSpPr>
+          <p:cNvPr id="7" name="Rechteck 6">
+            <a:extLst>
+              <a:ext uri="{FF2B5EF4-FFF2-40B4-BE49-F238E27FC236}">
+                <a16:creationId xmlns:a16="http://schemas.microsoft.com/office/drawing/2014/main" id="{E55C6047-720B-41B8-9062-6F039192DE13}"/>
               </a:ext>
             </a:extLst>
           </p:cNvPr>
@@ -3407,14 +4321,14 @@
         </p:nvSpPr>
         <p:spPr>
           <a:xfrm>
-            <a:off x="7886330" y="1580226"/>
-            <a:ext cx="2422402" cy="1762125"/>
+            <a:off x="1698009" y="1515866"/>
+            <a:ext cx="861135" cy="1962277"/>
           </a:xfrm>
           <a:prstGeom prst="rect">
             <a:avLst/>
           </a:prstGeom>
           <a:noFill/>
-          <a:ln w="28575">
+          <a:ln w="19050">
             <a:solidFill>
               <a:schemeClr val="tx1"/>
             </a:solidFill>
@@ -3447,7 +4361,22 @@
                   <a:schemeClr val="tx1"/>
                 </a:solidFill>
               </a:rPr>
-              <a:t>oracle</a:t>
+              <a:t>Neg</a:t>
+            </a:r>
+            <a:br>
+              <a:rPr lang="de-DE" dirty="0">
+                <a:solidFill>
+                  <a:schemeClr val="tx1"/>
+                </a:solidFill>
+              </a:rPr>
+            </a:br>
+            <a:r>
+              <a:rPr lang="de-DE" dirty="0" err="1">
+                <a:solidFill>
+                  <a:schemeClr val="tx1"/>
+                </a:solidFill>
+              </a:rPr>
+              <a:t>creator</a:t>
             </a:r>
             <a:endParaRPr lang="de-DE" dirty="0">
               <a:solidFill>
@@ -3457,56 +4386,130 @@
           </a:p>
         </p:txBody>
       </p:sp>
-      <p:cxnSp>
-        <p:nvCxnSpPr>
-          <p:cNvPr id="7" name="Gerade Verbindung mit Pfeil 6">
-            <a:extLst>
-              <a:ext uri="{FF2B5EF4-FFF2-40B4-BE49-F238E27FC236}">
-                <a16:creationId xmlns:a16="http://schemas.microsoft.com/office/drawing/2014/main" id="{C286CDDE-E2B3-49DD-954A-3AF625DF12EC}"/>
-              </a:ext>
-            </a:extLst>
-          </p:cNvPr>
-          <p:cNvCxnSpPr>
-            <a:cxnSpLocks/>
-          </p:cNvCxnSpPr>
-          <p:nvPr/>
-        </p:nvCxnSpPr>
-        <p:spPr>
-          <a:xfrm flipV="1">
-            <a:off x="1297106" y="1828801"/>
-            <a:ext cx="2361696" cy="408372"/>
-          </a:xfrm>
-          <a:prstGeom prst="straightConnector1">
-            <a:avLst/>
-          </a:prstGeom>
-          <a:ln w="19050">
+      <p:pic>
+        <p:nvPicPr>
+          <p:cNvPr id="11" name="Grafik 10">
+            <a:extLst>
+              <a:ext uri="{FF2B5EF4-FFF2-40B4-BE49-F238E27FC236}">
+                <a16:creationId xmlns:a16="http://schemas.microsoft.com/office/drawing/2014/main" id="{655F41FB-D16B-4B9F-9C1B-887BE3A21485}"/>
+              </a:ext>
+            </a:extLst>
+          </p:cNvPr>
+          <p:cNvPicPr>
+            <a:picLocks noChangeAspect="1"/>
+          </p:cNvPicPr>
+          <p:nvPr/>
+        </p:nvPicPr>
+        <p:blipFill>
+          <a:blip r:embed="rId2"/>
+          <a:stretch>
+            <a:fillRect/>
+          </a:stretch>
+        </p:blipFill>
+        <p:spPr>
+          <a:xfrm>
+            <a:off x="3184189" y="1027906"/>
+            <a:ext cx="7666053" cy="2699605"/>
+          </a:xfrm>
+          <a:prstGeom prst="rect">
+            <a:avLst/>
+          </a:prstGeom>
+        </p:spPr>
+      </p:pic>
+      <p:sp>
+        <p:nvSpPr>
+          <p:cNvPr id="12" name="Textfeld 11">
+            <a:extLst>
+              <a:ext uri="{FF2B5EF4-FFF2-40B4-BE49-F238E27FC236}">
+                <a16:creationId xmlns:a16="http://schemas.microsoft.com/office/drawing/2014/main" id="{9547CBED-3D17-4A78-A0AA-C94BF9B11870}"/>
+              </a:ext>
+            </a:extLst>
+          </p:cNvPr>
+          <p:cNvSpPr txBox="1"/>
+          <p:nvPr/>
+        </p:nvSpPr>
+        <p:spPr>
+          <a:xfrm>
+            <a:off x="3488861" y="1146534"/>
+            <a:ext cx="558166" cy="369332"/>
+          </a:xfrm>
+          <a:prstGeom prst="rect">
+            <a:avLst/>
+          </a:prstGeom>
+          <a:noFill/>
+        </p:spPr>
+        <p:txBody>
+          <a:bodyPr wrap="none" rtlCol="0">
+            <a:spAutoFit/>
+          </a:bodyPr>
+          <a:lstStyle/>
+          <a:p>
+            <a:r>
+              <a:rPr lang="de-DE" dirty="0" err="1"/>
+              <a:t>Neg</a:t>
+            </a:r>
+            <a:endParaRPr lang="de-DE" dirty="0"/>
+          </a:p>
+        </p:txBody>
+      </p:sp>
+      <p:sp>
+        <p:nvSpPr>
+          <p:cNvPr id="13" name="Ellipse 12">
+            <a:extLst>
+              <a:ext uri="{FF2B5EF4-FFF2-40B4-BE49-F238E27FC236}">
+                <a16:creationId xmlns:a16="http://schemas.microsoft.com/office/drawing/2014/main" id="{06AC56BA-F08C-4676-9D12-1A2BA014A21A}"/>
+              </a:ext>
+            </a:extLst>
+          </p:cNvPr>
+          <p:cNvSpPr/>
+          <p:nvPr/>
+        </p:nvSpPr>
+        <p:spPr>
+          <a:xfrm>
+            <a:off x="3223767" y="1534152"/>
+            <a:ext cx="1013258" cy="1850277"/>
+          </a:xfrm>
+          <a:prstGeom prst="ellipse">
+            <a:avLst/>
+          </a:prstGeom>
+          <a:noFill/>
+          <a:ln>
             <a:solidFill>
               <a:schemeClr val="tx1"/>
             </a:solidFill>
-            <a:tailEnd type="triangle"/>
           </a:ln>
         </p:spPr>
         <p:style>
-          <a:lnRef idx="1">
-            <a:schemeClr val="accent1"/>
+          <a:lnRef idx="2">
+            <a:schemeClr val="accent1">
+              <a:shade val="50000"/>
+            </a:schemeClr>
           </a:lnRef>
-          <a:fillRef idx="0">
+          <a:fillRef idx="1">
             <a:schemeClr val="accent1"/>
           </a:fillRef>
           <a:effectRef idx="0">
             <a:schemeClr val="accent1"/>
           </a:effectRef>
           <a:fontRef idx="minor">
-            <a:schemeClr val="tx1"/>
+            <a:schemeClr val="lt1"/>
           </a:fontRef>
         </p:style>
-      </p:cxnSp>
-      <p:sp>
-        <p:nvSpPr>
-          <p:cNvPr id="8" name="Textfeld 7">
-            <a:extLst>
-              <a:ext uri="{FF2B5EF4-FFF2-40B4-BE49-F238E27FC236}">
-                <a16:creationId xmlns:a16="http://schemas.microsoft.com/office/drawing/2014/main" id="{01D1D0AB-4BAA-4532-97B0-1FB17821EBF8}"/>
+        <p:txBody>
+          <a:bodyPr rtlCol="0" anchor="ctr"/>
+          <a:lstStyle/>
+          <a:p>
+            <a:pPr algn="ctr"/>
+            <a:endParaRPr lang="de-DE"/>
+          </a:p>
+        </p:txBody>
+      </p:sp>
+      <p:sp>
+        <p:nvSpPr>
+          <p:cNvPr id="14" name="Textfeld 13">
+            <a:extLst>
+              <a:ext uri="{FF2B5EF4-FFF2-40B4-BE49-F238E27FC236}">
+                <a16:creationId xmlns:a16="http://schemas.microsoft.com/office/drawing/2014/main" id="{65321446-F057-4075-80BD-7BABD591D6AE}"/>
               </a:ext>
             </a:extLst>
           </p:cNvPr>
@@ -3514,9 +4517,9 @@
           <p:nvPr/>
         </p:nvSpPr>
         <p:spPr>
-          <a:xfrm rot="21061171">
-            <a:off x="1528018" y="1694967"/>
-            <a:ext cx="1553182" cy="369332"/>
+          <a:xfrm>
+            <a:off x="506510" y="2284457"/>
+            <a:ext cx="526876" cy="461665"/>
           </a:xfrm>
           <a:prstGeom prst="rect">
             <a:avLst/>
@@ -3530,76 +4533,35 @@
           <a:lstStyle/>
           <a:p>
             <a:r>
-              <a:rPr lang="de-DE" dirty="0"/>
-              <a:t>Positive </a:t>
-            </a:r>
-            <a:r>
-              <a:rPr lang="de-DE" dirty="0" err="1"/>
-              <a:t>triples</a:t>
-            </a:r>
-            <a:endParaRPr lang="de-DE" dirty="0"/>
-          </a:p>
-        </p:txBody>
-      </p:sp>
-      <p:sp>
-        <p:nvSpPr>
-          <p:cNvPr id="12" name="Textfeld 11">
-            <a:extLst>
-              <a:ext uri="{FF2B5EF4-FFF2-40B4-BE49-F238E27FC236}">
-                <a16:creationId xmlns:a16="http://schemas.microsoft.com/office/drawing/2014/main" id="{9756881D-30F5-49DA-AEA4-E4B24E72A6DA}"/>
-              </a:ext>
-            </a:extLst>
-          </p:cNvPr>
-          <p:cNvSpPr txBox="1"/>
-          <p:nvPr/>
-        </p:nvSpPr>
-        <p:spPr>
-          <a:xfrm>
-            <a:off x="598260" y="2077378"/>
-            <a:ext cx="698846" cy="646331"/>
-          </a:xfrm>
-          <a:prstGeom prst="rect">
-            <a:avLst/>
-          </a:prstGeom>
-          <a:noFill/>
-        </p:spPr>
-        <p:txBody>
-          <a:bodyPr wrap="none" rtlCol="0">
-            <a:spAutoFit/>
-          </a:bodyPr>
-          <a:lstStyle/>
-          <a:p>
-            <a:r>
-              <a:rPr lang="de-DE" sz="3600" dirty="0"/>
+              <a:rPr lang="de-DE" sz="2400" dirty="0"/>
               <a:t>KG</a:t>
             </a:r>
-            <a:endParaRPr lang="de-DE" dirty="0"/>
           </a:p>
         </p:txBody>
       </p:sp>
       <p:cxnSp>
         <p:nvCxnSpPr>
-          <p:cNvPr id="14" name="Gerade Verbindung mit Pfeil 13">
-            <a:extLst>
-              <a:ext uri="{FF2B5EF4-FFF2-40B4-BE49-F238E27FC236}">
-                <a16:creationId xmlns:a16="http://schemas.microsoft.com/office/drawing/2014/main" id="{84D274DD-BA44-4723-9481-32328A930F3C}"/>
+          <p:cNvPr id="16" name="Gerade Verbindung mit Pfeil 15">
+            <a:extLst>
+              <a:ext uri="{FF2B5EF4-FFF2-40B4-BE49-F238E27FC236}">
+                <a16:creationId xmlns:a16="http://schemas.microsoft.com/office/drawing/2014/main" id="{7F8DA6F9-6F59-4460-BCA5-5EEB7BD518BC}"/>
               </a:ext>
             </a:extLst>
           </p:cNvPr>
           <p:cNvCxnSpPr>
-            <a:cxnSpLocks/>
+            <a:stCxn id="14" idx="3"/>
           </p:cNvCxnSpPr>
           <p:nvPr/>
         </p:nvCxnSpPr>
         <p:spPr>
-          <a:xfrm>
-            <a:off x="6110798" y="1888514"/>
-            <a:ext cx="1775532" cy="0"/>
+          <a:xfrm flipV="1">
+            <a:off x="1033386" y="2515289"/>
+            <a:ext cx="664623" cy="1"/>
           </a:xfrm>
           <a:prstGeom prst="straightConnector1">
             <a:avLst/>
           </a:prstGeom>
-          <a:ln w="19050">
+          <a:ln w="28575">
             <a:solidFill>
               <a:schemeClr val="tx1"/>
             </a:solidFill>
@@ -3623,27 +4585,25 @@
       </p:cxnSp>
       <p:cxnSp>
         <p:nvCxnSpPr>
-          <p:cNvPr id="16" name="Gerade Verbindung mit Pfeil 15">
-            <a:extLst>
-              <a:ext uri="{FF2B5EF4-FFF2-40B4-BE49-F238E27FC236}">
-                <a16:creationId xmlns:a16="http://schemas.microsoft.com/office/drawing/2014/main" id="{D170F53A-F20F-4D92-81EB-4AC5194CC95D}"/>
-              </a:ext>
-            </a:extLst>
-          </p:cNvPr>
-          <p:cNvCxnSpPr>
-            <a:cxnSpLocks/>
-          </p:cNvCxnSpPr>
+          <p:cNvPr id="17" name="Gerade Verbindung mit Pfeil 16">
+            <a:extLst>
+              <a:ext uri="{FF2B5EF4-FFF2-40B4-BE49-F238E27FC236}">
+                <a16:creationId xmlns:a16="http://schemas.microsoft.com/office/drawing/2014/main" id="{6DCD3E73-51FF-4AB5-9EC8-17F0CFB6462D}"/>
+              </a:ext>
+            </a:extLst>
+          </p:cNvPr>
+          <p:cNvCxnSpPr/>
           <p:nvPr/>
         </p:nvCxnSpPr>
         <p:spPr>
-          <a:xfrm flipH="1">
-            <a:off x="6096000" y="2805344"/>
-            <a:ext cx="1790330" cy="0"/>
+          <a:xfrm flipV="1">
+            <a:off x="2559144" y="2515289"/>
+            <a:ext cx="664623" cy="1"/>
           </a:xfrm>
           <a:prstGeom prst="straightConnector1">
             <a:avLst/>
           </a:prstGeom>
-          <a:ln w="19050">
+          <a:ln w="28575">
             <a:solidFill>
               <a:schemeClr val="tx1"/>
             </a:solidFill>
@@ -3667,10 +4627,10 @@
       </p:cxnSp>
       <p:sp>
         <p:nvSpPr>
-          <p:cNvPr id="20" name="Textfeld 19">
-            <a:extLst>
-              <a:ext uri="{FF2B5EF4-FFF2-40B4-BE49-F238E27FC236}">
-                <a16:creationId xmlns:a16="http://schemas.microsoft.com/office/drawing/2014/main" id="{8B726C68-B6FC-42EE-A70A-CAA8BD70F9C7}"/>
+          <p:cNvPr id="19" name="Textfeld 18">
+            <a:extLst>
+              <a:ext uri="{FF2B5EF4-FFF2-40B4-BE49-F238E27FC236}">
+                <a16:creationId xmlns:a16="http://schemas.microsoft.com/office/drawing/2014/main" id="{2B30D49D-5A62-428A-BFAD-D291A2C44927}"/>
               </a:ext>
             </a:extLst>
           </p:cNvPr>
@@ -3679,8 +4639,3702 @@
         </p:nvSpPr>
         <p:spPr>
           <a:xfrm>
-            <a:off x="6081203" y="1549396"/>
-            <a:ext cx="1652375" cy="369332"/>
+            <a:off x="1203460" y="3892836"/>
+            <a:ext cx="9853229" cy="1661993"/>
+          </a:xfrm>
+          <a:prstGeom prst="rect">
+            <a:avLst/>
+          </a:prstGeom>
+          <a:noFill/>
+        </p:spPr>
+        <p:txBody>
+          <a:bodyPr wrap="square" rtlCol="0">
+            <a:spAutoFit/>
+          </a:bodyPr>
+          <a:lstStyle/>
+          <a:p>
+            <a:pPr algn="l"/>
+            <a:r>
+              <a:rPr lang="en-US" dirty="0">
+                <a:solidFill>
+                  <a:srgbClr val="000000"/>
+                </a:solidFill>
+                <a:latin typeface="CMR10"/>
+              </a:rPr>
+              <a:t>C</a:t>
+            </a:r>
+            <a:r>
+              <a:rPr lang="en-US" sz="1800" b="0" i="0" u="none" strike="noStrike" baseline="0" dirty="0">
+                <a:solidFill>
+                  <a:srgbClr val="000000"/>
+                </a:solidFill>
+                <a:latin typeface="CMR10"/>
+              </a:rPr>
+              <a:t>ollect entities that set expectations for statements that </a:t>
+            </a:r>
+            <a:r>
+              <a:rPr lang="en-US" sz="1800" b="0" i="0" u="none" strike="noStrike" baseline="0" dirty="0">
+                <a:solidFill>
+                  <a:srgbClr val="000000"/>
+                </a:solidFill>
+                <a:latin typeface="CMMI10"/>
+              </a:rPr>
+              <a:t>e </a:t>
+            </a:r>
+            <a:r>
+              <a:rPr lang="en-US" sz="1800" b="0" i="0" u="none" strike="noStrike" baseline="0" dirty="0">
+                <a:solidFill>
+                  <a:srgbClr val="000000"/>
+                </a:solidFill>
+                <a:latin typeface="CMR10"/>
+              </a:rPr>
+              <a:t>could have, the so-called </a:t>
+            </a:r>
+            <a:r>
+              <a:rPr lang="en-US" sz="1800" b="0" i="0" u="none" strike="noStrike" baseline="0" dirty="0">
+                <a:solidFill>
+                  <a:srgbClr val="000000"/>
+                </a:solidFill>
+                <a:latin typeface="CMTI10"/>
+              </a:rPr>
+              <a:t>peer groups </a:t>
+            </a:r>
+            <a:r>
+              <a:rPr lang="en-US" sz="1800" b="0" i="0" u="none" strike="noStrike" baseline="0" dirty="0">
+                <a:solidFill>
+                  <a:srgbClr val="000000"/>
+                </a:solidFill>
+                <a:latin typeface="CMR10"/>
+              </a:rPr>
+              <a:t>of </a:t>
+            </a:r>
+            <a:r>
+              <a:rPr lang="en-US" sz="1800" b="0" i="0" u="none" strike="noStrike" baseline="0" dirty="0">
+                <a:solidFill>
+                  <a:srgbClr val="000000"/>
+                </a:solidFill>
+                <a:latin typeface="CMMI10"/>
+              </a:rPr>
+              <a:t>e</a:t>
+            </a:r>
+            <a:r>
+              <a:rPr lang="en-US" sz="1800" b="0" i="0" u="none" strike="noStrike" baseline="0" dirty="0">
+                <a:solidFill>
+                  <a:srgbClr val="000000"/>
+                </a:solidFill>
+                <a:latin typeface="CMR10"/>
+              </a:rPr>
+              <a:t>. </a:t>
+            </a:r>
+          </a:p>
+          <a:p>
+            <a:pPr algn="l"/>
+            <a:r>
+              <a:rPr lang="en-US" sz="1800" b="0" i="0" u="none" strike="noStrike" baseline="0" dirty="0">
+                <a:solidFill>
+                  <a:srgbClr val="000000"/>
+                </a:solidFill>
+                <a:latin typeface="CMR10"/>
+              </a:rPr>
+              <a:t>Peer groups can be based </a:t>
+            </a:r>
+          </a:p>
+          <a:p>
+            <a:pPr marL="342900" indent="-342900" algn="l">
+              <a:buFont typeface="+mj-lt"/>
+              <a:buAutoNum type="arabicParenR"/>
+            </a:pPr>
+            <a:r>
+              <a:rPr lang="en-US" sz="1800" b="0" i="0" u="none" strike="noStrike" baseline="0" dirty="0">
+                <a:solidFill>
+                  <a:srgbClr val="000000"/>
+                </a:solidFill>
+                <a:latin typeface="CMR10"/>
+              </a:rPr>
+              <a:t>on structured facets of the subject </a:t>
+            </a:r>
+            <a:br>
+              <a:rPr lang="en-US" sz="1800" b="0" i="0" u="none" strike="noStrike" baseline="0" dirty="0">
+                <a:solidFill>
+                  <a:srgbClr val="000000"/>
+                </a:solidFill>
+                <a:latin typeface="CMR10"/>
+              </a:rPr>
+            </a:br>
+            <a:r>
+              <a:rPr lang="en-US" sz="1200" b="0" i="0" u="none" strike="noStrike" baseline="0" dirty="0">
+                <a:solidFill>
+                  <a:srgbClr val="000000"/>
+                </a:solidFill>
+                <a:latin typeface="CMR10"/>
+              </a:rPr>
+              <a:t>(such as </a:t>
+            </a:r>
+            <a:r>
+              <a:rPr lang="en-US" sz="1200" b="0" i="0" u="none" strike="noStrike" baseline="0" dirty="0">
+                <a:solidFill>
+                  <a:srgbClr val="000000"/>
+                </a:solidFill>
+                <a:latin typeface="CMTI10"/>
+              </a:rPr>
+              <a:t>occupation, nationality</a:t>
+            </a:r>
+            <a:r>
+              <a:rPr lang="en-US" sz="1200" b="0" i="0" u="none" strike="noStrike" baseline="0" dirty="0">
+                <a:solidFill>
+                  <a:srgbClr val="000000"/>
+                </a:solidFill>
+                <a:latin typeface="CMR10"/>
+              </a:rPr>
+              <a:t>, or </a:t>
+            </a:r>
+            <a:r>
+              <a:rPr lang="en-US" sz="1200" b="0" i="0" u="none" strike="noStrike" baseline="0" dirty="0">
+                <a:solidFill>
+                  <a:srgbClr val="000000"/>
+                </a:solidFill>
+                <a:latin typeface="CMTI10"/>
+              </a:rPr>
+              <a:t>eld of work </a:t>
+            </a:r>
+            <a:r>
+              <a:rPr lang="en-US" sz="1200" b="0" i="0" u="none" strike="noStrike" baseline="0" dirty="0">
+                <a:solidFill>
+                  <a:srgbClr val="000000"/>
+                </a:solidFill>
+                <a:latin typeface="CMR10"/>
+              </a:rPr>
+              <a:t>for humans, or classes/types for other entities)</a:t>
+            </a:r>
+          </a:p>
+          <a:p>
+            <a:pPr marL="342900" indent="-342900" algn="l">
+              <a:buFont typeface="+mj-lt"/>
+              <a:buAutoNum type="arabicParenR"/>
+            </a:pPr>
+            <a:r>
+              <a:rPr lang="en-US" sz="1800" b="0" i="0" u="none" strike="noStrike" baseline="0" dirty="0">
+                <a:solidFill>
+                  <a:srgbClr val="000000"/>
+                </a:solidFill>
+                <a:latin typeface="CMR10"/>
+              </a:rPr>
+              <a:t>graph-based measures such as distance or connectivity or </a:t>
+            </a:r>
+          </a:p>
+          <a:p>
+            <a:pPr marL="342900" indent="-342900" algn="l">
+              <a:buFont typeface="+mj-lt"/>
+              <a:buAutoNum type="arabicParenR"/>
+            </a:pPr>
+            <a:r>
+              <a:rPr lang="en-US" sz="1800" b="0" i="0" u="none" strike="noStrike" baseline="0" dirty="0">
+                <a:solidFill>
+                  <a:srgbClr val="000000"/>
+                </a:solidFill>
+                <a:latin typeface="CMR10"/>
+              </a:rPr>
+              <a:t>entity embeddings</a:t>
+            </a:r>
+          </a:p>
+        </p:txBody>
+      </p:sp>
+      <p:pic>
+        <p:nvPicPr>
+          <p:cNvPr id="15" name="Grafik 14">
+            <a:extLst>
+              <a:ext uri="{FF2B5EF4-FFF2-40B4-BE49-F238E27FC236}">
+                <a16:creationId xmlns:a16="http://schemas.microsoft.com/office/drawing/2014/main" id="{793F3A92-817E-41B5-8557-E7FF196E5207}"/>
+              </a:ext>
+            </a:extLst>
+          </p:cNvPr>
+          <p:cNvPicPr>
+            <a:picLocks noChangeAspect="1"/>
+          </p:cNvPicPr>
+          <p:nvPr/>
+        </p:nvPicPr>
+        <p:blipFill>
+          <a:blip r:embed="rId3"/>
+          <a:stretch>
+            <a:fillRect/>
+          </a:stretch>
+        </p:blipFill>
+        <p:spPr>
+          <a:xfrm>
+            <a:off x="8120238" y="1629164"/>
+            <a:ext cx="530844" cy="248623"/>
+          </a:xfrm>
+          <a:prstGeom prst="rect">
+            <a:avLst/>
+          </a:prstGeom>
+        </p:spPr>
+      </p:pic>
+      <p:pic>
+        <p:nvPicPr>
+          <p:cNvPr id="18" name="Grafik 17">
+            <a:extLst>
+              <a:ext uri="{FF2B5EF4-FFF2-40B4-BE49-F238E27FC236}">
+                <a16:creationId xmlns:a16="http://schemas.microsoft.com/office/drawing/2014/main" id="{6C9B8B36-E27A-4E3B-9497-EF82C38A0BE3}"/>
+              </a:ext>
+            </a:extLst>
+          </p:cNvPr>
+          <p:cNvPicPr>
+            <a:picLocks noChangeAspect="1"/>
+          </p:cNvPicPr>
+          <p:nvPr/>
+        </p:nvPicPr>
+        <p:blipFill>
+          <a:blip r:embed="rId4"/>
+          <a:stretch>
+            <a:fillRect/>
+          </a:stretch>
+        </p:blipFill>
+        <p:spPr>
+          <a:xfrm>
+            <a:off x="8007117" y="3057864"/>
+            <a:ext cx="586951" cy="238064"/>
+          </a:xfrm>
+          <a:prstGeom prst="rect">
+            <a:avLst/>
+          </a:prstGeom>
+        </p:spPr>
+      </p:pic>
+      <p:pic>
+        <p:nvPicPr>
+          <p:cNvPr id="20" name="Grafik 19">
+            <a:extLst>
+              <a:ext uri="{FF2B5EF4-FFF2-40B4-BE49-F238E27FC236}">
+                <a16:creationId xmlns:a16="http://schemas.microsoft.com/office/drawing/2014/main" id="{CE92ADDF-3888-49F2-AB9C-0C756B9BA12F}"/>
+              </a:ext>
+            </a:extLst>
+          </p:cNvPr>
+          <p:cNvPicPr>
+            <a:picLocks noChangeAspect="1"/>
+          </p:cNvPicPr>
+          <p:nvPr/>
+        </p:nvPicPr>
+        <p:blipFill>
+          <a:blip r:embed="rId5"/>
+          <a:stretch>
+            <a:fillRect/>
+          </a:stretch>
+        </p:blipFill>
+        <p:spPr>
+          <a:xfrm>
+            <a:off x="2886779" y="3473571"/>
+            <a:ext cx="2320495" cy="276798"/>
+          </a:xfrm>
+          <a:prstGeom prst="rect">
+            <a:avLst/>
+          </a:prstGeom>
+        </p:spPr>
+      </p:pic>
+      <p:sp>
+        <p:nvSpPr>
+          <p:cNvPr id="21" name="Textfeld 20">
+            <a:extLst>
+              <a:ext uri="{FF2B5EF4-FFF2-40B4-BE49-F238E27FC236}">
+                <a16:creationId xmlns:a16="http://schemas.microsoft.com/office/drawing/2014/main" id="{4A64D3C5-648D-4141-BC45-3765E274FDCE}"/>
+              </a:ext>
+            </a:extLst>
+          </p:cNvPr>
+          <p:cNvSpPr txBox="1"/>
+          <p:nvPr/>
+        </p:nvSpPr>
+        <p:spPr>
+          <a:xfrm>
+            <a:off x="3184189" y="3714186"/>
+            <a:ext cx="1498488" cy="246221"/>
+          </a:xfrm>
+          <a:prstGeom prst="rect">
+            <a:avLst/>
+          </a:prstGeom>
+          <a:noFill/>
+        </p:spPr>
+        <p:txBody>
+          <a:bodyPr wrap="square" rtlCol="0">
+            <a:spAutoFit/>
+          </a:bodyPr>
+          <a:lstStyle/>
+          <a:p>
+            <a:pPr algn="l"/>
+            <a:r>
+              <a:rPr lang="en-US" sz="1000" b="0" i="0" u="none" strike="noStrike" baseline="0" dirty="0">
+                <a:latin typeface="NimbusRomNo9L-Regu"/>
+                <a:sym typeface="Wingdings" panose="05000000000000000000" pitchFamily="2" charset="2"/>
+              </a:rPr>
+              <a:t> </a:t>
+            </a:r>
+            <a:r>
+              <a:rPr lang="en-US" sz="1000" b="0" i="0" u="none" strike="noStrike" baseline="0" dirty="0">
+                <a:latin typeface="NimbusRomNo9L-Regu"/>
+              </a:rPr>
+              <a:t>Based on peer groups</a:t>
+            </a:r>
+            <a:endParaRPr lang="de-DE" sz="1000" dirty="0"/>
+          </a:p>
+        </p:txBody>
+      </p:sp>
+      <p:sp>
+        <p:nvSpPr>
+          <p:cNvPr id="22" name="Rechteck 21">
+            <a:extLst>
+              <a:ext uri="{FF2B5EF4-FFF2-40B4-BE49-F238E27FC236}">
+                <a16:creationId xmlns:a16="http://schemas.microsoft.com/office/drawing/2014/main" id="{D867C1FB-D77B-4B67-BF2B-1FB082CAA4D6}"/>
+              </a:ext>
+            </a:extLst>
+          </p:cNvPr>
+          <p:cNvSpPr/>
+          <p:nvPr/>
+        </p:nvSpPr>
+        <p:spPr>
+          <a:xfrm>
+            <a:off x="3152378" y="3745797"/>
+            <a:ext cx="1682921" cy="221044"/>
+          </a:xfrm>
+          <a:prstGeom prst="rect">
+            <a:avLst/>
+          </a:prstGeom>
+          <a:solidFill>
+            <a:schemeClr val="accent6">
+              <a:alpha val="30000"/>
+            </a:schemeClr>
+          </a:solidFill>
+          <a:ln>
+            <a:noFill/>
+          </a:ln>
+        </p:spPr>
+        <p:style>
+          <a:lnRef idx="2">
+            <a:schemeClr val="accent1">
+              <a:shade val="50000"/>
+            </a:schemeClr>
+          </a:lnRef>
+          <a:fillRef idx="1">
+            <a:schemeClr val="accent1"/>
+          </a:fillRef>
+          <a:effectRef idx="0">
+            <a:schemeClr val="accent1"/>
+          </a:effectRef>
+          <a:fontRef idx="minor">
+            <a:schemeClr val="lt1"/>
+          </a:fontRef>
+        </p:style>
+        <p:txBody>
+          <a:bodyPr rtlCol="0" anchor="ctr"/>
+          <a:lstStyle/>
+          <a:p>
+            <a:pPr algn="ctr"/>
+            <a:endParaRPr lang="de-DE" dirty="0"/>
+          </a:p>
+        </p:txBody>
+      </p:sp>
+    </p:spTree>
+    <p:extLst>
+      <p:ext uri="{BB962C8B-B14F-4D97-AF65-F5344CB8AC3E}">
+        <p14:creationId xmlns:p14="http://schemas.microsoft.com/office/powerpoint/2010/main" val="1861570959"/>
+      </p:ext>
+    </p:extLst>
+  </p:cSld>
+  <p:clrMapOvr>
+    <a:masterClrMapping/>
+  </p:clrMapOvr>
+</p:sld>
+</file>
+
+<file path=ppt/slides/slide3.xml><?xml version="1.0" encoding="utf-8"?>
+<p:sld xmlns:a="http://schemas.openxmlformats.org/drawingml/2006/main" xmlns:r="http://schemas.openxmlformats.org/officeDocument/2006/relationships" xmlns:p="http://schemas.openxmlformats.org/presentationml/2006/main">
+  <p:cSld>
+    <p:spTree>
+      <p:nvGrpSpPr>
+        <p:cNvPr id="1" name=""/>
+        <p:cNvGrpSpPr/>
+        <p:nvPr/>
+      </p:nvGrpSpPr>
+      <p:grpSpPr>
+        <a:xfrm>
+          <a:off x="0" y="0"/>
+          <a:ext cx="0" cy="0"/>
+          <a:chOff x="0" y="0"/>
+          <a:chExt cx="0" cy="0"/>
+        </a:xfrm>
+      </p:grpSpPr>
+      <p:pic>
+        <p:nvPicPr>
+          <p:cNvPr id="13" name="Grafik 12">
+            <a:extLst>
+              <a:ext uri="{FF2B5EF4-FFF2-40B4-BE49-F238E27FC236}">
+                <a16:creationId xmlns:a16="http://schemas.microsoft.com/office/drawing/2014/main" id="{71D0A83C-ED49-4F71-BC11-73611F7C1771}"/>
+              </a:ext>
+            </a:extLst>
+          </p:cNvPr>
+          <p:cNvPicPr>
+            <a:picLocks noChangeAspect="1"/>
+          </p:cNvPicPr>
+          <p:nvPr/>
+        </p:nvPicPr>
+        <p:blipFill>
+          <a:blip r:embed="rId2"/>
+          <a:stretch>
+            <a:fillRect/>
+          </a:stretch>
+        </p:blipFill>
+        <p:spPr>
+          <a:xfrm>
+            <a:off x="1670282" y="946781"/>
+            <a:ext cx="8404895" cy="2959788"/>
+          </a:xfrm>
+          <a:prstGeom prst="rect">
+            <a:avLst/>
+          </a:prstGeom>
+        </p:spPr>
+      </p:pic>
+      <p:sp>
+        <p:nvSpPr>
+          <p:cNvPr id="49" name="Rechteck 48">
+            <a:extLst>
+              <a:ext uri="{FF2B5EF4-FFF2-40B4-BE49-F238E27FC236}">
+                <a16:creationId xmlns:a16="http://schemas.microsoft.com/office/drawing/2014/main" id="{5CDAD6A8-DF2A-43DE-BFC0-26F2582239CC}"/>
+              </a:ext>
+            </a:extLst>
+          </p:cNvPr>
+          <p:cNvSpPr/>
+          <p:nvPr/>
+        </p:nvSpPr>
+        <p:spPr>
+          <a:xfrm>
+            <a:off x="4208132" y="1462210"/>
+            <a:ext cx="3190958" cy="2217349"/>
+          </a:xfrm>
+          <a:prstGeom prst="rect">
+            <a:avLst/>
+          </a:prstGeom>
+          <a:solidFill>
+            <a:schemeClr val="bg1"/>
+          </a:solidFill>
+          <a:ln>
+            <a:solidFill>
+              <a:schemeClr val="bg1"/>
+            </a:solidFill>
+          </a:ln>
+        </p:spPr>
+        <p:style>
+          <a:lnRef idx="2">
+            <a:schemeClr val="accent1">
+              <a:shade val="50000"/>
+            </a:schemeClr>
+          </a:lnRef>
+          <a:fillRef idx="1">
+            <a:schemeClr val="accent1"/>
+          </a:fillRef>
+          <a:effectRef idx="0">
+            <a:schemeClr val="accent1"/>
+          </a:effectRef>
+          <a:fontRef idx="minor">
+            <a:schemeClr val="lt1"/>
+          </a:fontRef>
+        </p:style>
+        <p:txBody>
+          <a:bodyPr rtlCol="0" anchor="ctr"/>
+          <a:lstStyle/>
+          <a:p>
+            <a:pPr algn="ctr"/>
+            <a:endParaRPr lang="de-DE"/>
+          </a:p>
+        </p:txBody>
+      </p:sp>
+      <p:sp>
+        <p:nvSpPr>
+          <p:cNvPr id="2" name="Titel 1">
+            <a:extLst>
+              <a:ext uri="{FF2B5EF4-FFF2-40B4-BE49-F238E27FC236}">
+                <a16:creationId xmlns:a16="http://schemas.microsoft.com/office/drawing/2014/main" id="{6C74326F-CAFD-4E3C-A7E1-A8B930F2B498}"/>
+              </a:ext>
+            </a:extLst>
+          </p:cNvPr>
+          <p:cNvSpPr>
+            <a:spLocks noGrp="1"/>
+          </p:cNvSpPr>
+          <p:nvPr>
+            <p:ph type="title"/>
+          </p:nvPr>
+        </p:nvSpPr>
+        <p:spPr>
+          <a:xfrm>
+            <a:off x="838200" y="365125"/>
+            <a:ext cx="10515600" cy="646911"/>
+          </a:xfrm>
+        </p:spPr>
+        <p:txBody>
+          <a:bodyPr>
+            <a:normAutofit/>
+          </a:bodyPr>
+          <a:lstStyle/>
+          <a:p>
+            <a:r>
+              <a:rPr lang="de-DE" sz="4000" dirty="0"/>
+              <a:t>2.1) </a:t>
+            </a:r>
+            <a:r>
+              <a:rPr lang="de-DE" sz="4000" dirty="0" err="1"/>
+              <a:t>Improve</a:t>
+            </a:r>
+            <a:r>
+              <a:rPr lang="de-DE" sz="4000" dirty="0"/>
+              <a:t> Sampling </a:t>
+            </a:r>
+            <a:r>
+              <a:rPr lang="de-DE" sz="4000" dirty="0" err="1"/>
+              <a:t>of</a:t>
+            </a:r>
+            <a:r>
+              <a:rPr lang="de-DE" sz="4000" dirty="0"/>
+              <a:t> </a:t>
+            </a:r>
+            <a:r>
+              <a:rPr lang="de-DE" sz="4000" dirty="0" err="1"/>
+              <a:t>generator</a:t>
+            </a:r>
+            <a:r>
+              <a:rPr lang="de-DE" sz="4000" dirty="0"/>
+              <a:t> </a:t>
+            </a:r>
+            <a:r>
+              <a:rPr lang="de-DE" sz="2000" dirty="0"/>
+              <a:t>(</a:t>
+            </a:r>
+            <a:r>
+              <a:rPr lang="de-DE" sz="2000" dirty="0" err="1"/>
+              <a:t>by</a:t>
+            </a:r>
+            <a:r>
+              <a:rPr lang="de-DE" sz="2000" dirty="0"/>
+              <a:t> </a:t>
+            </a:r>
+            <a:r>
+              <a:rPr lang="de-DE" sz="2000" dirty="0" err="1"/>
+              <a:t>new</a:t>
+            </a:r>
+            <a:r>
+              <a:rPr lang="de-DE" sz="2000" dirty="0"/>
+              <a:t> </a:t>
+            </a:r>
+            <a:r>
+              <a:rPr lang="de-DE" sz="2000" dirty="0" err="1"/>
+              <a:t>scoring</a:t>
+            </a:r>
+            <a:r>
+              <a:rPr lang="de-DE" sz="2000" dirty="0"/>
+              <a:t> </a:t>
+            </a:r>
+            <a:r>
+              <a:rPr lang="de-DE" sz="2000" dirty="0" err="1"/>
+              <a:t>function</a:t>
+            </a:r>
+            <a:r>
+              <a:rPr lang="de-DE" sz="2000" dirty="0"/>
+              <a:t>)</a:t>
+            </a:r>
+            <a:endParaRPr lang="de-DE" dirty="0"/>
+          </a:p>
+        </p:txBody>
+      </p:sp>
+      <p:sp>
+        <p:nvSpPr>
+          <p:cNvPr id="15" name="Textfeld 14">
+            <a:extLst>
+              <a:ext uri="{FF2B5EF4-FFF2-40B4-BE49-F238E27FC236}">
+                <a16:creationId xmlns:a16="http://schemas.microsoft.com/office/drawing/2014/main" id="{F5C5E36A-799E-4BC2-82AC-7ED8158A4402}"/>
+              </a:ext>
+            </a:extLst>
+          </p:cNvPr>
+          <p:cNvSpPr txBox="1"/>
+          <p:nvPr/>
+        </p:nvSpPr>
+        <p:spPr>
+          <a:xfrm>
+            <a:off x="2044312" y="1278611"/>
+            <a:ext cx="749222" cy="369332"/>
+          </a:xfrm>
+          <a:prstGeom prst="rect">
+            <a:avLst/>
+          </a:prstGeom>
+          <a:noFill/>
+        </p:spPr>
+        <p:txBody>
+          <a:bodyPr wrap="square" rtlCol="0">
+            <a:spAutoFit/>
+          </a:bodyPr>
+          <a:lstStyle/>
+          <a:p>
+            <a:r>
+              <a:rPr lang="de-DE" dirty="0" err="1"/>
+              <a:t>Neg</a:t>
+            </a:r>
+            <a:endParaRPr lang="de-DE" dirty="0"/>
+          </a:p>
+        </p:txBody>
+      </p:sp>
+      <p:sp>
+        <p:nvSpPr>
+          <p:cNvPr id="16" name="Ellipse 15">
+            <a:extLst>
+              <a:ext uri="{FF2B5EF4-FFF2-40B4-BE49-F238E27FC236}">
+                <a16:creationId xmlns:a16="http://schemas.microsoft.com/office/drawing/2014/main" id="{D1D29BBC-0FAC-4649-BDE5-ECA1A4C5B8C0}"/>
+              </a:ext>
+            </a:extLst>
+          </p:cNvPr>
+          <p:cNvSpPr/>
+          <p:nvPr/>
+        </p:nvSpPr>
+        <p:spPr>
+          <a:xfrm>
+            <a:off x="1670282" y="1594908"/>
+            <a:ext cx="1123252" cy="1886163"/>
+          </a:xfrm>
+          <a:prstGeom prst="ellipse">
+            <a:avLst/>
+          </a:prstGeom>
+          <a:noFill/>
+          <a:ln>
+            <a:solidFill>
+              <a:schemeClr val="tx1"/>
+            </a:solidFill>
+          </a:ln>
+        </p:spPr>
+        <p:style>
+          <a:lnRef idx="2">
+            <a:schemeClr val="accent1">
+              <a:shade val="50000"/>
+            </a:schemeClr>
+          </a:lnRef>
+          <a:fillRef idx="1">
+            <a:schemeClr val="accent1"/>
+          </a:fillRef>
+          <a:effectRef idx="0">
+            <a:schemeClr val="accent1"/>
+          </a:effectRef>
+          <a:fontRef idx="minor">
+            <a:schemeClr val="lt1"/>
+          </a:fontRef>
+        </p:style>
+        <p:txBody>
+          <a:bodyPr rtlCol="0" anchor="ctr"/>
+          <a:lstStyle/>
+          <a:p>
+            <a:pPr algn="ctr"/>
+            <a:endParaRPr lang="de-DE"/>
+          </a:p>
+        </p:txBody>
+      </p:sp>
+      <p:sp>
+        <p:nvSpPr>
+          <p:cNvPr id="17" name="Textfeld 16">
+            <a:extLst>
+              <a:ext uri="{FF2B5EF4-FFF2-40B4-BE49-F238E27FC236}">
+                <a16:creationId xmlns:a16="http://schemas.microsoft.com/office/drawing/2014/main" id="{ABB7B22C-EEBE-4BD4-AC63-A0EC016A2318}"/>
+              </a:ext>
+            </a:extLst>
+          </p:cNvPr>
+          <p:cNvSpPr txBox="1"/>
+          <p:nvPr/>
+        </p:nvSpPr>
+        <p:spPr>
+          <a:xfrm>
+            <a:off x="513676" y="4063269"/>
+            <a:ext cx="4704276" cy="2408352"/>
+          </a:xfrm>
+          <a:prstGeom prst="rect">
+            <a:avLst/>
+          </a:prstGeom>
+          <a:noFill/>
+        </p:spPr>
+        <p:txBody>
+          <a:bodyPr wrap="square" rtlCol="0">
+            <a:spAutoFit/>
+          </a:bodyPr>
+          <a:lstStyle/>
+          <a:p>
+            <a:r>
+              <a:rPr lang="de-DE" sz="2000" b="1" dirty="0"/>
+              <a:t>Generator</a:t>
+            </a:r>
+            <a:endParaRPr lang="de-DE" sz="2400" b="1" dirty="0"/>
+          </a:p>
+          <a:p>
+            <a:r>
+              <a:rPr lang="de-DE" sz="1400" dirty="0"/>
+              <a:t>Scoring </a:t>
+            </a:r>
+            <a:r>
+              <a:rPr lang="de-DE" sz="1400" dirty="0" err="1"/>
+              <a:t>function</a:t>
+            </a:r>
+            <a:r>
+              <a:rPr lang="de-DE" sz="1400" dirty="0"/>
+              <a:t>:       </a:t>
+            </a:r>
+          </a:p>
+          <a:p>
+            <a:endParaRPr lang="de-DE" sz="1400" dirty="0"/>
+          </a:p>
+          <a:p>
+            <a:r>
+              <a:rPr lang="de-DE" sz="1400" dirty="0"/>
+              <a:t>Sampling:</a:t>
+            </a:r>
+          </a:p>
+          <a:p>
+            <a:r>
+              <a:rPr lang="de-DE" sz="1050" dirty="0"/>
+              <a:t>(</a:t>
+            </a:r>
+            <a:r>
+              <a:rPr lang="de-DE" sz="1050" dirty="0" err="1"/>
+              <a:t>according</a:t>
+            </a:r>
+            <a:r>
+              <a:rPr lang="de-DE" sz="1050" dirty="0"/>
+              <a:t> </a:t>
+            </a:r>
+            <a:r>
+              <a:rPr lang="de-DE" sz="1050" dirty="0" err="1"/>
+              <a:t>to</a:t>
+            </a:r>
+            <a:r>
+              <a:rPr lang="de-DE" sz="1050" dirty="0"/>
+              <a:t> </a:t>
+            </a:r>
+            <a:r>
+              <a:rPr lang="de-DE" sz="1050" dirty="0" err="1"/>
+              <a:t>probability</a:t>
+            </a:r>
+            <a:r>
+              <a:rPr lang="de-DE" sz="1050" dirty="0"/>
+              <a:t> </a:t>
+            </a:r>
+            <a:r>
+              <a:rPr lang="de-DE" sz="1050" dirty="0" err="1"/>
+              <a:t>distribution</a:t>
+            </a:r>
+            <a:r>
+              <a:rPr lang="de-DE" sz="1050" dirty="0"/>
+              <a:t> </a:t>
+            </a:r>
+            <a:r>
+              <a:rPr lang="de-DE" sz="1050" dirty="0" err="1"/>
+              <a:t>with</a:t>
+            </a:r>
+            <a:r>
+              <a:rPr lang="de-DE" sz="1050" dirty="0"/>
+              <a:t>  </a:t>
+            </a:r>
+            <a:r>
+              <a:rPr lang="de-DE" sz="1050" dirty="0" err="1"/>
+              <a:t>new</a:t>
+            </a:r>
+            <a:r>
+              <a:rPr lang="de-DE" sz="1050" dirty="0"/>
+              <a:t> </a:t>
+            </a:r>
+            <a:r>
+              <a:rPr lang="de-DE" sz="1050" dirty="0" err="1"/>
+              <a:t>scoring</a:t>
+            </a:r>
+            <a:r>
+              <a:rPr lang="de-DE" sz="1050" dirty="0"/>
+              <a:t> </a:t>
+            </a:r>
+            <a:r>
+              <a:rPr lang="de-DE" sz="1050" dirty="0" err="1"/>
+              <a:t>function</a:t>
+            </a:r>
+            <a:r>
+              <a:rPr lang="de-DE" sz="1050" dirty="0"/>
+              <a:t>)</a:t>
+            </a:r>
+          </a:p>
+          <a:p>
+            <a:br>
+              <a:rPr lang="de-DE" sz="1400" dirty="0"/>
+            </a:br>
+            <a:endParaRPr lang="de-DE" sz="1400" dirty="0"/>
+          </a:p>
+          <a:p>
+            <a:br>
+              <a:rPr lang="de-DE" sz="1400" dirty="0"/>
+            </a:br>
+            <a:r>
+              <a:rPr lang="de-DE" sz="1400" dirty="0"/>
+              <a:t>Gradient:</a:t>
+            </a:r>
+          </a:p>
+          <a:p>
+            <a:endParaRPr lang="de-DE" sz="800" dirty="0"/>
+          </a:p>
+          <a:p>
+            <a:r>
+              <a:rPr lang="de-DE" sz="1400" dirty="0" err="1"/>
+              <a:t>Objective</a:t>
+            </a:r>
+            <a:r>
+              <a:rPr lang="de-DE" sz="1400" dirty="0"/>
+              <a:t>:</a:t>
+            </a:r>
+          </a:p>
+        </p:txBody>
+      </p:sp>
+      <p:pic>
+        <p:nvPicPr>
+          <p:cNvPr id="24" name="Grafik 23">
+            <a:extLst>
+              <a:ext uri="{FF2B5EF4-FFF2-40B4-BE49-F238E27FC236}">
+                <a16:creationId xmlns:a16="http://schemas.microsoft.com/office/drawing/2014/main" id="{B685D5B4-DAC1-4F3E-99CD-96B82F231445}"/>
+              </a:ext>
+            </a:extLst>
+          </p:cNvPr>
+          <p:cNvPicPr>
+            <a:picLocks noChangeAspect="1"/>
+          </p:cNvPicPr>
+          <p:nvPr/>
+        </p:nvPicPr>
+        <p:blipFill>
+          <a:blip r:embed="rId3"/>
+          <a:stretch>
+            <a:fillRect/>
+          </a:stretch>
+        </p:blipFill>
+        <p:spPr>
+          <a:xfrm>
+            <a:off x="5675239" y="3416757"/>
+            <a:ext cx="1303090" cy="238064"/>
+          </a:xfrm>
+          <a:prstGeom prst="rect">
+            <a:avLst/>
+          </a:prstGeom>
+        </p:spPr>
+      </p:pic>
+      <p:pic>
+        <p:nvPicPr>
+          <p:cNvPr id="29" name="Grafik 28">
+            <a:extLst>
+              <a:ext uri="{FF2B5EF4-FFF2-40B4-BE49-F238E27FC236}">
+                <a16:creationId xmlns:a16="http://schemas.microsoft.com/office/drawing/2014/main" id="{2CCE2DD3-C638-42B2-AE0B-D1556698CB86}"/>
+              </a:ext>
+            </a:extLst>
+          </p:cNvPr>
+          <p:cNvPicPr>
+            <a:picLocks noChangeAspect="1"/>
+          </p:cNvPicPr>
+          <p:nvPr/>
+        </p:nvPicPr>
+        <p:blipFill>
+          <a:blip r:embed="rId4"/>
+          <a:stretch>
+            <a:fillRect/>
+          </a:stretch>
+        </p:blipFill>
+        <p:spPr>
+          <a:xfrm>
+            <a:off x="607262" y="3512421"/>
+            <a:ext cx="2320495" cy="276798"/>
+          </a:xfrm>
+          <a:prstGeom prst="rect">
+            <a:avLst/>
+          </a:prstGeom>
+        </p:spPr>
+      </p:pic>
+      <p:pic>
+        <p:nvPicPr>
+          <p:cNvPr id="31" name="Grafik 30">
+            <a:extLst>
+              <a:ext uri="{FF2B5EF4-FFF2-40B4-BE49-F238E27FC236}">
+                <a16:creationId xmlns:a16="http://schemas.microsoft.com/office/drawing/2014/main" id="{183746DE-CF27-41C1-AFFB-181C5BCA1BD2}"/>
+              </a:ext>
+            </a:extLst>
+          </p:cNvPr>
+          <p:cNvPicPr>
+            <a:picLocks noChangeAspect="1"/>
+          </p:cNvPicPr>
+          <p:nvPr/>
+        </p:nvPicPr>
+        <p:blipFill>
+          <a:blip r:embed="rId5"/>
+          <a:stretch>
+            <a:fillRect/>
+          </a:stretch>
+        </p:blipFill>
+        <p:spPr>
+          <a:xfrm>
+            <a:off x="1387798" y="5895810"/>
+            <a:ext cx="2333625" cy="200025"/>
+          </a:xfrm>
+          <a:prstGeom prst="rect">
+            <a:avLst/>
+          </a:prstGeom>
+        </p:spPr>
+      </p:pic>
+      <p:pic>
+        <p:nvPicPr>
+          <p:cNvPr id="32" name="Grafik 31">
+            <a:extLst>
+              <a:ext uri="{FF2B5EF4-FFF2-40B4-BE49-F238E27FC236}">
+                <a16:creationId xmlns:a16="http://schemas.microsoft.com/office/drawing/2014/main" id="{92360B07-35F6-4F83-8451-B44F6ABCF241}"/>
+              </a:ext>
+            </a:extLst>
+          </p:cNvPr>
+          <p:cNvPicPr>
+            <a:picLocks noChangeAspect="1"/>
+          </p:cNvPicPr>
+          <p:nvPr/>
+        </p:nvPicPr>
+        <p:blipFill>
+          <a:blip r:embed="rId6"/>
+          <a:stretch>
+            <a:fillRect/>
+          </a:stretch>
+        </p:blipFill>
+        <p:spPr>
+          <a:xfrm>
+            <a:off x="4062756" y="5911219"/>
+            <a:ext cx="1348092" cy="212857"/>
+          </a:xfrm>
+          <a:prstGeom prst="rect">
+            <a:avLst/>
+          </a:prstGeom>
+        </p:spPr>
+      </p:pic>
+      <p:pic>
+        <p:nvPicPr>
+          <p:cNvPr id="33" name="Grafik 32">
+            <a:extLst>
+              <a:ext uri="{FF2B5EF4-FFF2-40B4-BE49-F238E27FC236}">
+                <a16:creationId xmlns:a16="http://schemas.microsoft.com/office/drawing/2014/main" id="{B573D92A-B025-4E22-AD97-15CF5E936F1C}"/>
+              </a:ext>
+            </a:extLst>
+          </p:cNvPr>
+          <p:cNvPicPr>
+            <a:picLocks noChangeAspect="1"/>
+          </p:cNvPicPr>
+          <p:nvPr/>
+        </p:nvPicPr>
+        <p:blipFill>
+          <a:blip r:embed="rId7"/>
+          <a:stretch>
+            <a:fillRect/>
+          </a:stretch>
+        </p:blipFill>
+        <p:spPr>
+          <a:xfrm>
+            <a:off x="1450132" y="6233102"/>
+            <a:ext cx="2164821" cy="569690"/>
+          </a:xfrm>
+          <a:prstGeom prst="rect">
+            <a:avLst/>
+          </a:prstGeom>
+        </p:spPr>
+      </p:pic>
+      <p:sp>
+        <p:nvSpPr>
+          <p:cNvPr id="25" name="Textfeld 24">
+            <a:extLst>
+              <a:ext uri="{FF2B5EF4-FFF2-40B4-BE49-F238E27FC236}">
+                <a16:creationId xmlns:a16="http://schemas.microsoft.com/office/drawing/2014/main" id="{B04D67EA-A6C0-4068-9D17-4878F196B0B7}"/>
+              </a:ext>
+            </a:extLst>
+          </p:cNvPr>
+          <p:cNvSpPr txBox="1"/>
+          <p:nvPr/>
+        </p:nvSpPr>
+        <p:spPr>
+          <a:xfrm>
+            <a:off x="513676" y="3742539"/>
+            <a:ext cx="5393552" cy="246221"/>
+          </a:xfrm>
+          <a:prstGeom prst="rect">
+            <a:avLst/>
+          </a:prstGeom>
+          <a:noFill/>
+        </p:spPr>
+        <p:txBody>
+          <a:bodyPr wrap="square" rtlCol="0">
+            <a:spAutoFit/>
+          </a:bodyPr>
+          <a:lstStyle/>
+          <a:p>
+            <a:pPr algn="l"/>
+            <a:r>
+              <a:rPr lang="en-US" sz="1000" b="0" i="0" u="none" strike="noStrike" baseline="0" dirty="0">
+                <a:latin typeface="NimbusRomNo9L-Regu"/>
+                <a:sym typeface="Wingdings" panose="05000000000000000000" pitchFamily="2" charset="2"/>
+              </a:rPr>
+              <a:t> </a:t>
+            </a:r>
+            <a:r>
+              <a:rPr lang="en-US" sz="1000" b="0" i="0" u="none" strike="noStrike" baseline="0" dirty="0">
+                <a:latin typeface="NimbusRomNo9L-Regu"/>
+              </a:rPr>
+              <a:t>uniformly sampling of N</a:t>
+            </a:r>
+            <a:r>
+              <a:rPr lang="en-US" sz="1000" b="0" i="0" u="none" strike="noStrike" baseline="-25000" dirty="0">
+                <a:latin typeface="CMMI10"/>
+              </a:rPr>
+              <a:t>s</a:t>
+            </a:r>
+            <a:r>
+              <a:rPr lang="en-US" sz="1000" b="0" i="0" u="none" strike="noStrike" baseline="0" dirty="0">
+                <a:latin typeface="CMMI8"/>
+              </a:rPr>
+              <a:t> </a:t>
+            </a:r>
+            <a:r>
+              <a:rPr lang="en-US" sz="1000" b="0" i="0" u="none" strike="noStrike" baseline="0" dirty="0">
+                <a:latin typeface="NimbusRomNo9L-Regu"/>
+              </a:rPr>
+              <a:t>entities (small number) from </a:t>
+            </a:r>
+            <a:r>
+              <a:rPr lang="en-US" sz="1000" b="0" i="0" u="none" strike="noStrike" baseline="0" dirty="0">
+                <a:latin typeface="CMSY10"/>
+              </a:rPr>
+              <a:t>E </a:t>
+            </a:r>
+            <a:r>
+              <a:rPr lang="en-US" sz="1000" b="0" i="0" u="none" strike="noStrike" baseline="0" dirty="0">
+                <a:latin typeface="NimbusRomNo9L-Regu"/>
+              </a:rPr>
+              <a:t>to replace </a:t>
+            </a:r>
+            <a:r>
+              <a:rPr lang="en-US" sz="1000" b="0" i="0" u="none" strike="noStrike" baseline="0" dirty="0">
+                <a:latin typeface="CMMI10"/>
+              </a:rPr>
+              <a:t>h </a:t>
+            </a:r>
+            <a:r>
+              <a:rPr lang="en-US" sz="1000" b="0" i="0" u="none" strike="noStrike" baseline="0" dirty="0">
+                <a:latin typeface="NimbusRomNo9L-Regu"/>
+              </a:rPr>
+              <a:t>or </a:t>
+            </a:r>
+            <a:r>
+              <a:rPr lang="en-US" sz="1000" b="0" i="0" u="none" strike="noStrike" baseline="0" dirty="0">
+                <a:latin typeface="CMMI10"/>
+              </a:rPr>
+              <a:t>t</a:t>
+            </a:r>
+            <a:r>
+              <a:rPr lang="en-US" sz="1000" b="0" i="0" u="none" strike="noStrike" baseline="0" dirty="0">
+                <a:latin typeface="NimbusRomNo9L-Regu"/>
+              </a:rPr>
+              <a:t>.</a:t>
+            </a:r>
+            <a:endParaRPr lang="de-DE" sz="1000" dirty="0"/>
+          </a:p>
+        </p:txBody>
+      </p:sp>
+      <p:pic>
+        <p:nvPicPr>
+          <p:cNvPr id="27" name="Grafik 26">
+            <a:extLst>
+              <a:ext uri="{FF2B5EF4-FFF2-40B4-BE49-F238E27FC236}">
+                <a16:creationId xmlns:a16="http://schemas.microsoft.com/office/drawing/2014/main" id="{C9D73CA4-79B6-4914-B041-BEB8ED84E83A}"/>
+              </a:ext>
+            </a:extLst>
+          </p:cNvPr>
+          <p:cNvPicPr>
+            <a:picLocks noChangeAspect="1"/>
+          </p:cNvPicPr>
+          <p:nvPr/>
+        </p:nvPicPr>
+        <p:blipFill>
+          <a:blip r:embed="rId8"/>
+          <a:stretch>
+            <a:fillRect/>
+          </a:stretch>
+        </p:blipFill>
+        <p:spPr>
+          <a:xfrm>
+            <a:off x="7091450" y="1626111"/>
+            <a:ext cx="530844" cy="248623"/>
+          </a:xfrm>
+          <a:prstGeom prst="rect">
+            <a:avLst/>
+          </a:prstGeom>
+        </p:spPr>
+      </p:pic>
+      <p:pic>
+        <p:nvPicPr>
+          <p:cNvPr id="28" name="Grafik 27">
+            <a:extLst>
+              <a:ext uri="{FF2B5EF4-FFF2-40B4-BE49-F238E27FC236}">
+                <a16:creationId xmlns:a16="http://schemas.microsoft.com/office/drawing/2014/main" id="{CA3D0F98-9703-4294-A706-30F5EBA48624}"/>
+              </a:ext>
+            </a:extLst>
+          </p:cNvPr>
+          <p:cNvPicPr>
+            <a:picLocks noChangeAspect="1"/>
+          </p:cNvPicPr>
+          <p:nvPr/>
+        </p:nvPicPr>
+        <p:blipFill>
+          <a:blip r:embed="rId9"/>
+          <a:stretch>
+            <a:fillRect/>
+          </a:stretch>
+        </p:blipFill>
+        <p:spPr>
+          <a:xfrm>
+            <a:off x="6978329" y="3054811"/>
+            <a:ext cx="586951" cy="238064"/>
+          </a:xfrm>
+          <a:prstGeom prst="rect">
+            <a:avLst/>
+          </a:prstGeom>
+        </p:spPr>
+      </p:pic>
+      <p:pic>
+        <p:nvPicPr>
+          <p:cNvPr id="34" name="Grafik 33">
+            <a:extLst>
+              <a:ext uri="{FF2B5EF4-FFF2-40B4-BE49-F238E27FC236}">
+                <a16:creationId xmlns:a16="http://schemas.microsoft.com/office/drawing/2014/main" id="{183962E0-66CF-4A82-9BB3-66108606DFA8}"/>
+              </a:ext>
+            </a:extLst>
+          </p:cNvPr>
+          <p:cNvPicPr>
+            <a:picLocks noChangeAspect="1"/>
+          </p:cNvPicPr>
+          <p:nvPr/>
+        </p:nvPicPr>
+        <p:blipFill>
+          <a:blip r:embed="rId8"/>
+          <a:stretch>
+            <a:fillRect/>
+          </a:stretch>
+        </p:blipFill>
+        <p:spPr>
+          <a:xfrm>
+            <a:off x="7091450" y="1594571"/>
+            <a:ext cx="530844" cy="248623"/>
+          </a:xfrm>
+          <a:prstGeom prst="rect">
+            <a:avLst/>
+          </a:prstGeom>
+        </p:spPr>
+      </p:pic>
+      <p:pic>
+        <p:nvPicPr>
+          <p:cNvPr id="35" name="Grafik 34">
+            <a:extLst>
+              <a:ext uri="{FF2B5EF4-FFF2-40B4-BE49-F238E27FC236}">
+                <a16:creationId xmlns:a16="http://schemas.microsoft.com/office/drawing/2014/main" id="{AB610665-2C83-4E8C-899B-DA5B150E32A4}"/>
+              </a:ext>
+            </a:extLst>
+          </p:cNvPr>
+          <p:cNvPicPr>
+            <a:picLocks noChangeAspect="1"/>
+          </p:cNvPicPr>
+          <p:nvPr/>
+        </p:nvPicPr>
+        <p:blipFill>
+          <a:blip r:embed="rId9"/>
+          <a:stretch>
+            <a:fillRect/>
+          </a:stretch>
+        </p:blipFill>
+        <p:spPr>
+          <a:xfrm>
+            <a:off x="6978329" y="3023271"/>
+            <a:ext cx="586951" cy="238064"/>
+          </a:xfrm>
+          <a:prstGeom prst="rect">
+            <a:avLst/>
+          </a:prstGeom>
+        </p:spPr>
+      </p:pic>
+      <p:pic>
+        <p:nvPicPr>
+          <p:cNvPr id="5" name="Grafik 4">
+            <a:extLst>
+              <a:ext uri="{FF2B5EF4-FFF2-40B4-BE49-F238E27FC236}">
+                <a16:creationId xmlns:a16="http://schemas.microsoft.com/office/drawing/2014/main" id="{40F78979-B701-4C4F-9867-6050C4B3A56F}"/>
+              </a:ext>
+            </a:extLst>
+          </p:cNvPr>
+          <p:cNvPicPr>
+            <a:picLocks noChangeAspect="1"/>
+          </p:cNvPicPr>
+          <p:nvPr/>
+        </p:nvPicPr>
+        <p:blipFill>
+          <a:blip r:embed="rId10"/>
+          <a:stretch>
+            <a:fillRect/>
+          </a:stretch>
+        </p:blipFill>
+        <p:spPr>
+          <a:xfrm>
+            <a:off x="1958652" y="4084029"/>
+            <a:ext cx="2915763" cy="878106"/>
+          </a:xfrm>
+          <a:prstGeom prst="rect">
+            <a:avLst/>
+          </a:prstGeom>
+        </p:spPr>
+      </p:pic>
+      <p:sp>
+        <p:nvSpPr>
+          <p:cNvPr id="36" name="Textfeld 35">
+            <a:extLst>
+              <a:ext uri="{FF2B5EF4-FFF2-40B4-BE49-F238E27FC236}">
+                <a16:creationId xmlns:a16="http://schemas.microsoft.com/office/drawing/2014/main" id="{D0B4F90A-D3CF-4DCC-8A84-CD9790BE3A0A}"/>
+              </a:ext>
+            </a:extLst>
+          </p:cNvPr>
+          <p:cNvSpPr txBox="1"/>
+          <p:nvPr/>
+        </p:nvSpPr>
+        <p:spPr>
+          <a:xfrm>
+            <a:off x="5603744" y="4342556"/>
+            <a:ext cx="5750055" cy="1815882"/>
+          </a:xfrm>
+          <a:prstGeom prst="rect">
+            <a:avLst/>
+          </a:prstGeom>
+          <a:noFill/>
+        </p:spPr>
+        <p:txBody>
+          <a:bodyPr wrap="square" rtlCol="0">
+            <a:spAutoFit/>
+          </a:bodyPr>
+          <a:lstStyle/>
+          <a:p>
+            <a:pPr marL="285750" indent="-285750">
+              <a:buFont typeface="Arial" panose="020B0604020202020204" pitchFamily="34" charset="0"/>
+              <a:buChar char="•"/>
+            </a:pPr>
+            <a:r>
+              <a:rPr lang="de-DE" sz="1400" dirty="0"/>
+              <a:t>PEER (</a:t>
+            </a:r>
+            <a:r>
+              <a:rPr lang="de-DE" sz="1400" dirty="0" err="1"/>
+              <a:t>peer</a:t>
+            </a:r>
+            <a:r>
+              <a:rPr lang="de-DE" sz="1400" dirty="0"/>
+              <a:t> </a:t>
+            </a:r>
+            <a:r>
+              <a:rPr lang="de-DE" sz="1400" dirty="0" err="1"/>
+              <a:t>frequency</a:t>
+            </a:r>
+            <a:r>
+              <a:rPr lang="de-DE" sz="1400" dirty="0"/>
+              <a:t>): relative </a:t>
+            </a:r>
+            <a:r>
+              <a:rPr lang="de-DE" sz="1400" dirty="0" err="1"/>
+              <a:t>frequency</a:t>
+            </a:r>
+            <a:r>
+              <a:rPr lang="de-DE" sz="1400" dirty="0"/>
+              <a:t> </a:t>
+            </a:r>
+            <a:r>
+              <a:rPr lang="de-DE" sz="1400" dirty="0" err="1"/>
+              <a:t>of</a:t>
+            </a:r>
+            <a:r>
+              <a:rPr lang="de-DE" sz="1400" dirty="0"/>
+              <a:t> </a:t>
+            </a:r>
+            <a:r>
+              <a:rPr lang="de-DE" sz="1400" dirty="0" err="1"/>
+              <a:t>relations</a:t>
+            </a:r>
+            <a:r>
+              <a:rPr lang="de-DE" sz="1400" dirty="0"/>
+              <a:t> </a:t>
+            </a:r>
+            <a:r>
+              <a:rPr lang="de-DE" sz="1400" dirty="0" err="1"/>
+              <a:t>to</a:t>
+            </a:r>
+            <a:r>
+              <a:rPr lang="de-DE" sz="1400" dirty="0"/>
+              <a:t> </a:t>
+            </a:r>
+            <a:r>
+              <a:rPr lang="de-DE" sz="1400" dirty="0" err="1"/>
+              <a:t>tails</a:t>
+            </a:r>
+            <a:r>
+              <a:rPr lang="de-DE" sz="1400" dirty="0"/>
+              <a:t> </a:t>
+            </a:r>
+            <a:r>
+              <a:rPr lang="de-DE" sz="1400" dirty="0" err="1"/>
+              <a:t>peers</a:t>
+            </a:r>
+            <a:r>
+              <a:rPr lang="de-DE" sz="1400" dirty="0"/>
+              <a:t> </a:t>
+            </a:r>
+            <a:r>
+              <a:rPr lang="de-DE" sz="1400" dirty="0" err="1"/>
+              <a:t>have</a:t>
+            </a:r>
+            <a:endParaRPr lang="de-DE" sz="1400" dirty="0"/>
+          </a:p>
+          <a:p>
+            <a:pPr marL="285750" indent="-285750">
+              <a:buFont typeface="Arial" panose="020B0604020202020204" pitchFamily="34" charset="0"/>
+              <a:buChar char="•"/>
+            </a:pPr>
+            <a:r>
+              <a:rPr lang="de-DE" sz="1400" dirty="0"/>
+              <a:t>POP (</a:t>
+            </a:r>
+            <a:r>
+              <a:rPr lang="de-DE" sz="1400" dirty="0" err="1"/>
+              <a:t>Object</a:t>
+            </a:r>
+            <a:r>
+              <a:rPr lang="de-DE" sz="1400" dirty="0"/>
+              <a:t> </a:t>
+            </a:r>
+            <a:r>
+              <a:rPr lang="de-DE" sz="1400" dirty="0" err="1"/>
+              <a:t>popularity</a:t>
+            </a:r>
+            <a:r>
+              <a:rPr lang="de-DE" sz="1400" dirty="0"/>
+              <a:t>): </a:t>
+            </a:r>
+            <a:r>
+              <a:rPr lang="de-DE" sz="1400" dirty="0" err="1"/>
+              <a:t>tail</a:t>
+            </a:r>
+            <a:r>
+              <a:rPr lang="de-DE" sz="1400" dirty="0"/>
+              <a:t> </a:t>
+            </a:r>
+            <a:r>
+              <a:rPr lang="de-DE" sz="1400" dirty="0" err="1"/>
+              <a:t>appears</a:t>
+            </a:r>
+            <a:r>
+              <a:rPr lang="de-DE" sz="1400" dirty="0"/>
+              <a:t> </a:t>
+            </a:r>
+            <a:r>
+              <a:rPr lang="de-DE" sz="1400" dirty="0" err="1"/>
+              <a:t>more</a:t>
+            </a:r>
+            <a:r>
+              <a:rPr lang="de-DE" sz="1400" dirty="0"/>
+              <a:t> </a:t>
+            </a:r>
+            <a:r>
+              <a:rPr lang="de-DE" sz="1400" dirty="0" err="1"/>
+              <a:t>frequently</a:t>
+            </a:r>
+            <a:r>
+              <a:rPr lang="de-DE" sz="1400" dirty="0"/>
+              <a:t> in KG</a:t>
+            </a:r>
+          </a:p>
+          <a:p>
+            <a:pPr marL="285750" indent="-285750">
+              <a:buFont typeface="Arial" panose="020B0604020202020204" pitchFamily="34" charset="0"/>
+              <a:buChar char="•"/>
+            </a:pPr>
+            <a:r>
+              <a:rPr lang="de-DE" sz="1400" dirty="0"/>
+              <a:t>FRQ (</a:t>
+            </a:r>
+            <a:r>
+              <a:rPr lang="de-DE" sz="1400" dirty="0" err="1"/>
+              <a:t>Frequency</a:t>
+            </a:r>
+            <a:r>
+              <a:rPr lang="de-DE" sz="1400" dirty="0"/>
+              <a:t> </a:t>
+            </a:r>
+            <a:r>
+              <a:rPr lang="de-DE" sz="1400" dirty="0" err="1"/>
+              <a:t>of</a:t>
+            </a:r>
+            <a:r>
+              <a:rPr lang="de-DE" sz="1400" dirty="0"/>
+              <a:t> </a:t>
+            </a:r>
+            <a:r>
+              <a:rPr lang="de-DE" sz="1400" dirty="0" err="1"/>
+              <a:t>the</a:t>
+            </a:r>
+            <a:r>
+              <a:rPr lang="de-DE" sz="1400" dirty="0"/>
+              <a:t> </a:t>
+            </a:r>
+            <a:r>
+              <a:rPr lang="de-DE" sz="1400" dirty="0" err="1"/>
+              <a:t>property</a:t>
+            </a:r>
+            <a:r>
+              <a:rPr lang="de-DE" sz="1400" dirty="0"/>
+              <a:t>): </a:t>
+            </a:r>
+            <a:r>
+              <a:rPr lang="de-DE" sz="1400" dirty="0" err="1"/>
+              <a:t>frequency</a:t>
+            </a:r>
+            <a:r>
+              <a:rPr lang="de-DE" sz="1400" dirty="0"/>
+              <a:t> </a:t>
+            </a:r>
+            <a:r>
+              <a:rPr lang="de-DE" sz="1400" dirty="0" err="1"/>
+              <a:t>of</a:t>
+            </a:r>
+            <a:r>
+              <a:rPr lang="de-DE" sz="1400" dirty="0"/>
+              <a:t> </a:t>
+            </a:r>
+            <a:r>
+              <a:rPr lang="de-DE" sz="1400" dirty="0" err="1"/>
+              <a:t>the</a:t>
+            </a:r>
+            <a:r>
+              <a:rPr lang="de-DE" sz="1400" dirty="0"/>
+              <a:t> </a:t>
+            </a:r>
+            <a:r>
+              <a:rPr lang="de-DE" sz="1400" dirty="0" err="1"/>
+              <a:t>relation</a:t>
+            </a:r>
+            <a:r>
+              <a:rPr lang="de-DE" sz="1400" dirty="0"/>
+              <a:t> r in KG</a:t>
+            </a:r>
+          </a:p>
+          <a:p>
+            <a:pPr marL="285750" indent="-285750">
+              <a:buFont typeface="Arial" panose="020B0604020202020204" pitchFamily="34" charset="0"/>
+              <a:buChar char="•"/>
+            </a:pPr>
+            <a:r>
+              <a:rPr lang="de-DE" sz="1400" dirty="0"/>
+              <a:t>PIVO (</a:t>
+            </a:r>
+            <a:r>
+              <a:rPr lang="de-DE" sz="1400" dirty="0" err="1"/>
+              <a:t>Pivoting</a:t>
+            </a:r>
+            <a:r>
+              <a:rPr lang="de-DE" sz="1400" dirty="0"/>
+              <a:t> </a:t>
+            </a:r>
+            <a:r>
+              <a:rPr lang="de-DE" sz="1400" dirty="0" err="1"/>
+              <a:t>likelihood</a:t>
+            </a:r>
+            <a:r>
+              <a:rPr lang="de-DE" sz="1400" dirty="0"/>
+              <a:t>): </a:t>
+            </a:r>
+            <a:r>
+              <a:rPr lang="de-DE" sz="1400" dirty="0" err="1"/>
+              <a:t>textual</a:t>
+            </a:r>
+            <a:r>
+              <a:rPr lang="de-DE" sz="1400" dirty="0"/>
+              <a:t> </a:t>
+            </a:r>
+            <a:r>
+              <a:rPr lang="de-DE" sz="1400" dirty="0" err="1"/>
+              <a:t>background</a:t>
+            </a:r>
+            <a:r>
+              <a:rPr lang="de-DE" sz="1400" dirty="0"/>
+              <a:t> </a:t>
+            </a:r>
+            <a:r>
+              <a:rPr lang="de-DE" sz="1400" dirty="0" err="1"/>
+              <a:t>information</a:t>
+            </a:r>
+            <a:r>
+              <a:rPr lang="de-DE" sz="1400" dirty="0"/>
+              <a:t> </a:t>
+            </a:r>
+            <a:r>
+              <a:rPr lang="de-DE" sz="1400" dirty="0" err="1"/>
+              <a:t>about</a:t>
+            </a:r>
+            <a:r>
+              <a:rPr lang="de-DE" sz="1400" dirty="0"/>
+              <a:t> </a:t>
+            </a:r>
+            <a:r>
+              <a:rPr lang="de-DE" sz="1400" dirty="0" err="1"/>
+              <a:t>entities</a:t>
+            </a:r>
+            <a:endParaRPr lang="de-DE" sz="1400" dirty="0"/>
+          </a:p>
+          <a:p>
+            <a:pPr marL="285750" indent="-285750">
+              <a:buFont typeface="Arial" panose="020B0604020202020204" pitchFamily="34" charset="0"/>
+              <a:buChar char="•"/>
+            </a:pPr>
+            <a:r>
+              <a:rPr lang="de-DE" sz="1400" dirty="0"/>
+              <a:t>       : Embedding </a:t>
+            </a:r>
+            <a:r>
+              <a:rPr lang="de-DE" sz="1400" dirty="0" err="1"/>
+              <a:t>with</a:t>
+            </a:r>
+            <a:r>
+              <a:rPr lang="de-DE" sz="1400" dirty="0"/>
+              <a:t> </a:t>
+            </a:r>
+            <a:r>
+              <a:rPr lang="de-DE" sz="1400" dirty="0" err="1"/>
+              <a:t>softmax</a:t>
+            </a:r>
+            <a:r>
+              <a:rPr lang="de-DE" sz="1400" dirty="0"/>
+              <a:t> </a:t>
+            </a:r>
+            <a:r>
+              <a:rPr lang="de-DE" sz="1400" dirty="0" err="1"/>
+              <a:t>probabilities</a:t>
+            </a:r>
+            <a:r>
+              <a:rPr lang="de-DE" sz="1400" dirty="0"/>
+              <a:t> </a:t>
+            </a:r>
+          </a:p>
+          <a:p>
+            <a:pPr marL="285750" indent="-285750">
+              <a:buFont typeface="Arial" panose="020B0604020202020204" pitchFamily="34" charset="0"/>
+              <a:buChar char="•"/>
+            </a:pPr>
+            <a:endParaRPr lang="de-DE" sz="1400" dirty="0"/>
+          </a:p>
+          <a:p>
+            <a:pPr marL="285750" indent="-285750">
+              <a:buFont typeface="Arial" panose="020B0604020202020204" pitchFamily="34" charset="0"/>
+              <a:buChar char="•"/>
+            </a:pPr>
+            <a:endParaRPr lang="de-DE" sz="1400" dirty="0"/>
+          </a:p>
+          <a:p>
+            <a:endParaRPr lang="de-DE" sz="1400" dirty="0"/>
+          </a:p>
+        </p:txBody>
+      </p:sp>
+      <p:pic>
+        <p:nvPicPr>
+          <p:cNvPr id="11" name="Grafik 10">
+            <a:extLst>
+              <a:ext uri="{FF2B5EF4-FFF2-40B4-BE49-F238E27FC236}">
+                <a16:creationId xmlns:a16="http://schemas.microsoft.com/office/drawing/2014/main" id="{F3B0DC9F-0DF6-4F57-9725-5F5AB8707C4E}"/>
+              </a:ext>
+            </a:extLst>
+          </p:cNvPr>
+          <p:cNvPicPr>
+            <a:picLocks noChangeAspect="1"/>
+          </p:cNvPicPr>
+          <p:nvPr/>
+        </p:nvPicPr>
+        <p:blipFill>
+          <a:blip r:embed="rId11"/>
+          <a:stretch>
+            <a:fillRect/>
+          </a:stretch>
+        </p:blipFill>
+        <p:spPr>
+          <a:xfrm>
+            <a:off x="3667198" y="5377839"/>
+            <a:ext cx="1287365" cy="226026"/>
+          </a:xfrm>
+          <a:prstGeom prst="rect">
+            <a:avLst/>
+          </a:prstGeom>
+        </p:spPr>
+      </p:pic>
+      <p:pic>
+        <p:nvPicPr>
+          <p:cNvPr id="14" name="Grafik 13">
+            <a:extLst>
+              <a:ext uri="{FF2B5EF4-FFF2-40B4-BE49-F238E27FC236}">
+                <a16:creationId xmlns:a16="http://schemas.microsoft.com/office/drawing/2014/main" id="{FC073FCA-8CD6-4DB6-B4B1-7585506E37F6}"/>
+              </a:ext>
+            </a:extLst>
+          </p:cNvPr>
+          <p:cNvPicPr>
+            <a:picLocks noChangeAspect="1"/>
+          </p:cNvPicPr>
+          <p:nvPr/>
+        </p:nvPicPr>
+        <p:blipFill>
+          <a:blip r:embed="rId12"/>
+          <a:stretch>
+            <a:fillRect/>
+          </a:stretch>
+        </p:blipFill>
+        <p:spPr>
+          <a:xfrm>
+            <a:off x="5878385" y="5193882"/>
+            <a:ext cx="381000" cy="333375"/>
+          </a:xfrm>
+          <a:prstGeom prst="rect">
+            <a:avLst/>
+          </a:prstGeom>
+        </p:spPr>
+      </p:pic>
+      <p:pic>
+        <p:nvPicPr>
+          <p:cNvPr id="38" name="Grafik 37">
+            <a:extLst>
+              <a:ext uri="{FF2B5EF4-FFF2-40B4-BE49-F238E27FC236}">
+                <a16:creationId xmlns:a16="http://schemas.microsoft.com/office/drawing/2014/main" id="{E5BEA4DB-40A8-4F53-BED4-0BB5A07D2D1C}"/>
+              </a:ext>
+            </a:extLst>
+          </p:cNvPr>
+          <p:cNvPicPr>
+            <a:picLocks noChangeAspect="1"/>
+          </p:cNvPicPr>
+          <p:nvPr/>
+        </p:nvPicPr>
+        <p:blipFill>
+          <a:blip r:embed="rId13"/>
+          <a:stretch>
+            <a:fillRect/>
+          </a:stretch>
+        </p:blipFill>
+        <p:spPr>
+          <a:xfrm>
+            <a:off x="1007981" y="5264565"/>
+            <a:ext cx="2508318" cy="428528"/>
+          </a:xfrm>
+          <a:prstGeom prst="rect">
+            <a:avLst/>
+          </a:prstGeom>
+        </p:spPr>
+      </p:pic>
+      <p:sp>
+        <p:nvSpPr>
+          <p:cNvPr id="3" name="Rechteck 2">
+            <a:extLst>
+              <a:ext uri="{FF2B5EF4-FFF2-40B4-BE49-F238E27FC236}">
+                <a16:creationId xmlns:a16="http://schemas.microsoft.com/office/drawing/2014/main" id="{718995CE-E1D9-47EA-BDC4-33823B22FA73}"/>
+              </a:ext>
+            </a:extLst>
+          </p:cNvPr>
+          <p:cNvSpPr/>
+          <p:nvPr/>
+        </p:nvSpPr>
+        <p:spPr>
+          <a:xfrm>
+            <a:off x="509330" y="4135672"/>
+            <a:ext cx="11394648" cy="1576006"/>
+          </a:xfrm>
+          <a:prstGeom prst="rect">
+            <a:avLst/>
+          </a:prstGeom>
+          <a:solidFill>
+            <a:schemeClr val="accent6">
+              <a:alpha val="30000"/>
+            </a:schemeClr>
+          </a:solidFill>
+          <a:ln>
+            <a:noFill/>
+          </a:ln>
+        </p:spPr>
+        <p:style>
+          <a:lnRef idx="2">
+            <a:schemeClr val="accent1">
+              <a:shade val="50000"/>
+            </a:schemeClr>
+          </a:lnRef>
+          <a:fillRef idx="1">
+            <a:schemeClr val="accent1"/>
+          </a:fillRef>
+          <a:effectRef idx="0">
+            <a:schemeClr val="accent1"/>
+          </a:effectRef>
+          <a:fontRef idx="minor">
+            <a:schemeClr val="lt1"/>
+          </a:fontRef>
+        </p:style>
+        <p:txBody>
+          <a:bodyPr rtlCol="0" anchor="ctr"/>
+          <a:lstStyle/>
+          <a:p>
+            <a:pPr algn="ctr"/>
+            <a:endParaRPr lang="de-DE" dirty="0"/>
+          </a:p>
+        </p:txBody>
+      </p:sp>
+      <p:sp>
+        <p:nvSpPr>
+          <p:cNvPr id="43" name="Rechteck 42">
+            <a:extLst>
+              <a:ext uri="{FF2B5EF4-FFF2-40B4-BE49-F238E27FC236}">
+                <a16:creationId xmlns:a16="http://schemas.microsoft.com/office/drawing/2014/main" id="{DD196918-8791-4574-A01D-4726B4BE23C0}"/>
+              </a:ext>
+            </a:extLst>
+          </p:cNvPr>
+          <p:cNvSpPr/>
+          <p:nvPr/>
+        </p:nvSpPr>
+        <p:spPr>
+          <a:xfrm>
+            <a:off x="4220118" y="3032914"/>
+            <a:ext cx="813276" cy="286688"/>
+          </a:xfrm>
+          <a:prstGeom prst="rect">
+            <a:avLst/>
+          </a:prstGeom>
+          <a:solidFill>
+            <a:schemeClr val="bg1"/>
+          </a:solidFill>
+          <a:ln>
+            <a:solidFill>
+              <a:schemeClr val="bg1"/>
+            </a:solidFill>
+          </a:ln>
+        </p:spPr>
+        <p:style>
+          <a:lnRef idx="2">
+            <a:schemeClr val="accent1">
+              <a:shade val="50000"/>
+            </a:schemeClr>
+          </a:lnRef>
+          <a:fillRef idx="1">
+            <a:schemeClr val="accent1"/>
+          </a:fillRef>
+          <a:effectRef idx="0">
+            <a:schemeClr val="accent1"/>
+          </a:effectRef>
+          <a:fontRef idx="minor">
+            <a:schemeClr val="lt1"/>
+          </a:fontRef>
+        </p:style>
+        <p:txBody>
+          <a:bodyPr rtlCol="0" anchor="ctr"/>
+          <a:lstStyle/>
+          <a:p>
+            <a:r>
+              <a:rPr lang="de-DE" sz="1100" dirty="0">
+                <a:solidFill>
+                  <a:schemeClr val="tx1"/>
+                </a:solidFill>
+              </a:rPr>
+              <a:t>Score </a:t>
+            </a:r>
+            <a:r>
+              <a:rPr lang="de-DE" sz="1100" dirty="0">
+                <a:solidFill>
+                  <a:schemeClr val="tx1"/>
+                </a:solidFill>
+                <a:sym typeface="Wingdings" panose="05000000000000000000" pitchFamily="2" charset="2"/>
+              </a:rPr>
+              <a:t> </a:t>
+            </a:r>
+            <a:r>
+              <a:rPr lang="de-DE" sz="1100" dirty="0">
+                <a:solidFill>
+                  <a:schemeClr val="tx1"/>
+                </a:solidFill>
+              </a:rPr>
+              <a:t>p</a:t>
+            </a:r>
+          </a:p>
+        </p:txBody>
+      </p:sp>
+      <p:grpSp>
+        <p:nvGrpSpPr>
+          <p:cNvPr id="44" name="Gruppieren 43">
+            <a:extLst>
+              <a:ext uri="{FF2B5EF4-FFF2-40B4-BE49-F238E27FC236}">
+                <a16:creationId xmlns:a16="http://schemas.microsoft.com/office/drawing/2014/main" id="{F09BEA57-213E-40FD-9E72-50B4CA3FD123}"/>
+              </a:ext>
+            </a:extLst>
+          </p:cNvPr>
+          <p:cNvGrpSpPr/>
+          <p:nvPr/>
+        </p:nvGrpSpPr>
+        <p:grpSpPr>
+          <a:xfrm>
+            <a:off x="5064427" y="1464881"/>
+            <a:ext cx="884874" cy="2210777"/>
+            <a:chOff x="6096000" y="1914525"/>
+            <a:chExt cx="4110085" cy="4392759"/>
+          </a:xfrm>
+        </p:grpSpPr>
+        <p:pic>
+          <p:nvPicPr>
+            <p:cNvPr id="45" name="Grafik 44">
+              <a:extLst>
+                <a:ext uri="{FF2B5EF4-FFF2-40B4-BE49-F238E27FC236}">
+                  <a16:creationId xmlns:a16="http://schemas.microsoft.com/office/drawing/2014/main" id="{9929BDBD-39F5-4A35-AD95-F9041113A17E}"/>
+                </a:ext>
+              </a:extLst>
+            </p:cNvPr>
+            <p:cNvPicPr>
+              <a:picLocks noChangeAspect="1"/>
+            </p:cNvPicPr>
+            <p:nvPr/>
+          </p:nvPicPr>
+          <p:blipFill>
+            <a:blip r:embed="rId14"/>
+            <a:stretch>
+              <a:fillRect/>
+            </a:stretch>
+          </p:blipFill>
+          <p:spPr>
+            <a:xfrm>
+              <a:off x="6096000" y="1914525"/>
+              <a:ext cx="4110085" cy="4392759"/>
+            </a:xfrm>
+            <a:prstGeom prst="rect">
+              <a:avLst/>
+            </a:prstGeom>
+          </p:spPr>
+        </p:pic>
+        <p:sp>
+          <p:nvSpPr>
+            <p:cNvPr id="46" name="Textfeld 45">
+              <a:extLst>
+                <a:ext uri="{FF2B5EF4-FFF2-40B4-BE49-F238E27FC236}">
+                  <a16:creationId xmlns:a16="http://schemas.microsoft.com/office/drawing/2014/main" id="{C6C35E7B-0447-4B5E-BA95-11C1A90D373A}"/>
+                </a:ext>
+              </a:extLst>
+            </p:cNvPr>
+            <p:cNvSpPr txBox="1"/>
+            <p:nvPr/>
+          </p:nvSpPr>
+          <p:spPr>
+            <a:xfrm>
+              <a:off x="6418555" y="3500898"/>
+              <a:ext cx="1964417" cy="856162"/>
+            </a:xfrm>
+            <a:prstGeom prst="rect">
+              <a:avLst/>
+            </a:prstGeom>
+            <a:noFill/>
+          </p:spPr>
+          <p:txBody>
+            <a:bodyPr wrap="none" rtlCol="0">
+              <a:spAutoFit/>
+            </a:bodyPr>
+            <a:lstStyle/>
+            <a:p>
+              <a:br>
+                <a:rPr lang="de-DE" sz="1100" dirty="0"/>
+              </a:br>
+              <a:r>
+                <a:rPr lang="de-DE" sz="1100" dirty="0"/>
+                <a:t>Sampling</a:t>
+              </a:r>
+            </a:p>
+          </p:txBody>
+        </p:sp>
+      </p:grpSp>
+      <p:pic>
+        <p:nvPicPr>
+          <p:cNvPr id="48" name="Grafik 47">
+            <a:extLst>
+              <a:ext uri="{FF2B5EF4-FFF2-40B4-BE49-F238E27FC236}">
+                <a16:creationId xmlns:a16="http://schemas.microsoft.com/office/drawing/2014/main" id="{669B0331-0CAB-481A-9B31-1B46C02007E0}"/>
+              </a:ext>
+            </a:extLst>
+          </p:cNvPr>
+          <p:cNvPicPr>
+            <a:picLocks noChangeAspect="1"/>
+          </p:cNvPicPr>
+          <p:nvPr/>
+        </p:nvPicPr>
+        <p:blipFill>
+          <a:blip r:embed="rId15"/>
+          <a:stretch>
+            <a:fillRect/>
+          </a:stretch>
+        </p:blipFill>
+        <p:spPr>
+          <a:xfrm>
+            <a:off x="5914276" y="2249802"/>
+            <a:ext cx="1596416" cy="232206"/>
+          </a:xfrm>
+          <a:prstGeom prst="rect">
+            <a:avLst/>
+          </a:prstGeom>
+        </p:spPr>
+      </p:pic>
+      <p:sp>
+        <p:nvSpPr>
+          <p:cNvPr id="50" name="Rechteck 49">
+            <a:extLst>
+              <a:ext uri="{FF2B5EF4-FFF2-40B4-BE49-F238E27FC236}">
+                <a16:creationId xmlns:a16="http://schemas.microsoft.com/office/drawing/2014/main" id="{80D88B8A-2606-4E53-BCA6-BB0C0D8F5134}"/>
+              </a:ext>
+            </a:extLst>
+          </p:cNvPr>
+          <p:cNvSpPr/>
+          <p:nvPr/>
+        </p:nvSpPr>
+        <p:spPr>
+          <a:xfrm>
+            <a:off x="4204391" y="2662560"/>
+            <a:ext cx="813276" cy="286688"/>
+          </a:xfrm>
+          <a:prstGeom prst="rect">
+            <a:avLst/>
+          </a:prstGeom>
+          <a:solidFill>
+            <a:schemeClr val="bg1"/>
+          </a:solidFill>
+          <a:ln>
+            <a:solidFill>
+              <a:schemeClr val="bg1"/>
+            </a:solidFill>
+          </a:ln>
+        </p:spPr>
+        <p:style>
+          <a:lnRef idx="2">
+            <a:schemeClr val="accent1">
+              <a:shade val="50000"/>
+            </a:schemeClr>
+          </a:lnRef>
+          <a:fillRef idx="1">
+            <a:schemeClr val="accent1"/>
+          </a:fillRef>
+          <a:effectRef idx="0">
+            <a:schemeClr val="accent1"/>
+          </a:effectRef>
+          <a:fontRef idx="minor">
+            <a:schemeClr val="lt1"/>
+          </a:fontRef>
+        </p:style>
+        <p:txBody>
+          <a:bodyPr rtlCol="0" anchor="ctr"/>
+          <a:lstStyle/>
+          <a:p>
+            <a:r>
+              <a:rPr lang="de-DE" sz="1100" dirty="0">
+                <a:solidFill>
+                  <a:schemeClr val="tx1"/>
+                </a:solidFill>
+              </a:rPr>
+              <a:t>Score </a:t>
+            </a:r>
+            <a:r>
+              <a:rPr lang="de-DE" sz="1100" dirty="0">
+                <a:solidFill>
+                  <a:schemeClr val="tx1"/>
+                </a:solidFill>
+                <a:sym typeface="Wingdings" panose="05000000000000000000" pitchFamily="2" charset="2"/>
+              </a:rPr>
+              <a:t> </a:t>
+            </a:r>
+            <a:r>
+              <a:rPr lang="de-DE" sz="1100" dirty="0">
+                <a:solidFill>
+                  <a:schemeClr val="tx1"/>
+                </a:solidFill>
+              </a:rPr>
+              <a:t>p</a:t>
+            </a:r>
+          </a:p>
+        </p:txBody>
+      </p:sp>
+      <p:sp>
+        <p:nvSpPr>
+          <p:cNvPr id="51" name="Rechteck 50">
+            <a:extLst>
+              <a:ext uri="{FF2B5EF4-FFF2-40B4-BE49-F238E27FC236}">
+                <a16:creationId xmlns:a16="http://schemas.microsoft.com/office/drawing/2014/main" id="{185B9974-992B-4156-8A2F-F6C7EEF4465F}"/>
+              </a:ext>
+            </a:extLst>
+          </p:cNvPr>
+          <p:cNvSpPr/>
+          <p:nvPr/>
+        </p:nvSpPr>
+        <p:spPr>
+          <a:xfrm>
+            <a:off x="4220118" y="2344382"/>
+            <a:ext cx="813276" cy="286688"/>
+          </a:xfrm>
+          <a:prstGeom prst="rect">
+            <a:avLst/>
+          </a:prstGeom>
+          <a:solidFill>
+            <a:schemeClr val="bg1"/>
+          </a:solidFill>
+          <a:ln>
+            <a:solidFill>
+              <a:schemeClr val="bg1"/>
+            </a:solidFill>
+          </a:ln>
+        </p:spPr>
+        <p:style>
+          <a:lnRef idx="2">
+            <a:schemeClr val="accent1">
+              <a:shade val="50000"/>
+            </a:schemeClr>
+          </a:lnRef>
+          <a:fillRef idx="1">
+            <a:schemeClr val="accent1"/>
+          </a:fillRef>
+          <a:effectRef idx="0">
+            <a:schemeClr val="accent1"/>
+          </a:effectRef>
+          <a:fontRef idx="minor">
+            <a:schemeClr val="lt1"/>
+          </a:fontRef>
+        </p:style>
+        <p:txBody>
+          <a:bodyPr rtlCol="0" anchor="ctr"/>
+          <a:lstStyle/>
+          <a:p>
+            <a:r>
+              <a:rPr lang="de-DE" sz="1100" dirty="0">
+                <a:solidFill>
+                  <a:schemeClr val="tx1"/>
+                </a:solidFill>
+              </a:rPr>
+              <a:t>Score </a:t>
+            </a:r>
+            <a:r>
+              <a:rPr lang="de-DE" sz="1100" dirty="0">
+                <a:solidFill>
+                  <a:schemeClr val="tx1"/>
+                </a:solidFill>
+                <a:sym typeface="Wingdings" panose="05000000000000000000" pitchFamily="2" charset="2"/>
+              </a:rPr>
+              <a:t> </a:t>
+            </a:r>
+            <a:r>
+              <a:rPr lang="de-DE" sz="1100" dirty="0">
+                <a:solidFill>
+                  <a:schemeClr val="tx1"/>
+                </a:solidFill>
+              </a:rPr>
+              <a:t>p</a:t>
+            </a:r>
+          </a:p>
+        </p:txBody>
+      </p:sp>
+      <p:sp>
+        <p:nvSpPr>
+          <p:cNvPr id="52" name="Rechteck 51">
+            <a:extLst>
+              <a:ext uri="{FF2B5EF4-FFF2-40B4-BE49-F238E27FC236}">
+                <a16:creationId xmlns:a16="http://schemas.microsoft.com/office/drawing/2014/main" id="{7FFAED1C-94F3-4E1D-BF53-11785DD38169}"/>
+              </a:ext>
+            </a:extLst>
+          </p:cNvPr>
+          <p:cNvSpPr/>
+          <p:nvPr/>
+        </p:nvSpPr>
+        <p:spPr>
+          <a:xfrm>
+            <a:off x="4204391" y="1976574"/>
+            <a:ext cx="813276" cy="286688"/>
+          </a:xfrm>
+          <a:prstGeom prst="rect">
+            <a:avLst/>
+          </a:prstGeom>
+          <a:solidFill>
+            <a:schemeClr val="bg1"/>
+          </a:solidFill>
+          <a:ln>
+            <a:solidFill>
+              <a:schemeClr val="bg1"/>
+            </a:solidFill>
+          </a:ln>
+        </p:spPr>
+        <p:style>
+          <a:lnRef idx="2">
+            <a:schemeClr val="accent1">
+              <a:shade val="50000"/>
+            </a:schemeClr>
+          </a:lnRef>
+          <a:fillRef idx="1">
+            <a:schemeClr val="accent1"/>
+          </a:fillRef>
+          <a:effectRef idx="0">
+            <a:schemeClr val="accent1"/>
+          </a:effectRef>
+          <a:fontRef idx="minor">
+            <a:schemeClr val="lt1"/>
+          </a:fontRef>
+        </p:style>
+        <p:txBody>
+          <a:bodyPr rtlCol="0" anchor="ctr"/>
+          <a:lstStyle/>
+          <a:p>
+            <a:r>
+              <a:rPr lang="de-DE" sz="1100" dirty="0">
+                <a:solidFill>
+                  <a:schemeClr val="tx1"/>
+                </a:solidFill>
+              </a:rPr>
+              <a:t>Score </a:t>
+            </a:r>
+            <a:r>
+              <a:rPr lang="de-DE" sz="1100" dirty="0">
+                <a:solidFill>
+                  <a:schemeClr val="tx1"/>
+                </a:solidFill>
+                <a:sym typeface="Wingdings" panose="05000000000000000000" pitchFamily="2" charset="2"/>
+              </a:rPr>
+              <a:t> </a:t>
+            </a:r>
+            <a:r>
+              <a:rPr lang="de-DE" sz="1100" dirty="0">
+                <a:solidFill>
+                  <a:schemeClr val="tx1"/>
+                </a:solidFill>
+              </a:rPr>
+              <a:t>p</a:t>
+            </a:r>
+          </a:p>
+        </p:txBody>
+      </p:sp>
+      <p:sp>
+        <p:nvSpPr>
+          <p:cNvPr id="53" name="Rechteck 52">
+            <a:extLst>
+              <a:ext uri="{FF2B5EF4-FFF2-40B4-BE49-F238E27FC236}">
+                <a16:creationId xmlns:a16="http://schemas.microsoft.com/office/drawing/2014/main" id="{A9C81800-494A-4B7F-B97B-492330BED01F}"/>
+              </a:ext>
+            </a:extLst>
+          </p:cNvPr>
+          <p:cNvSpPr/>
+          <p:nvPr/>
+        </p:nvSpPr>
+        <p:spPr>
+          <a:xfrm>
+            <a:off x="4220118" y="1594315"/>
+            <a:ext cx="813276" cy="286688"/>
+          </a:xfrm>
+          <a:prstGeom prst="rect">
+            <a:avLst/>
+          </a:prstGeom>
+          <a:solidFill>
+            <a:schemeClr val="bg1"/>
+          </a:solidFill>
+          <a:ln>
+            <a:solidFill>
+              <a:schemeClr val="bg1"/>
+            </a:solidFill>
+          </a:ln>
+        </p:spPr>
+        <p:style>
+          <a:lnRef idx="2">
+            <a:schemeClr val="accent1">
+              <a:shade val="50000"/>
+            </a:schemeClr>
+          </a:lnRef>
+          <a:fillRef idx="1">
+            <a:schemeClr val="accent1"/>
+          </a:fillRef>
+          <a:effectRef idx="0">
+            <a:schemeClr val="accent1"/>
+          </a:effectRef>
+          <a:fontRef idx="minor">
+            <a:schemeClr val="lt1"/>
+          </a:fontRef>
+        </p:style>
+        <p:txBody>
+          <a:bodyPr rtlCol="0" anchor="ctr"/>
+          <a:lstStyle/>
+          <a:p>
+            <a:r>
+              <a:rPr lang="de-DE" sz="1100" dirty="0">
+                <a:solidFill>
+                  <a:schemeClr val="tx1"/>
+                </a:solidFill>
+              </a:rPr>
+              <a:t>Score </a:t>
+            </a:r>
+            <a:r>
+              <a:rPr lang="de-DE" sz="1100" dirty="0">
+                <a:solidFill>
+                  <a:schemeClr val="tx1"/>
+                </a:solidFill>
+                <a:sym typeface="Wingdings" panose="05000000000000000000" pitchFamily="2" charset="2"/>
+              </a:rPr>
+              <a:t> </a:t>
+            </a:r>
+            <a:r>
+              <a:rPr lang="de-DE" sz="1100" dirty="0">
+                <a:solidFill>
+                  <a:schemeClr val="tx1"/>
+                </a:solidFill>
+              </a:rPr>
+              <a:t>p</a:t>
+            </a:r>
+          </a:p>
+        </p:txBody>
+      </p:sp>
+    </p:spTree>
+    <p:extLst>
+      <p:ext uri="{BB962C8B-B14F-4D97-AF65-F5344CB8AC3E}">
+        <p14:creationId xmlns:p14="http://schemas.microsoft.com/office/powerpoint/2010/main" val="2582429145"/>
+      </p:ext>
+    </p:extLst>
+  </p:cSld>
+  <p:clrMapOvr>
+    <a:masterClrMapping/>
+  </p:clrMapOvr>
+</p:sld>
+</file>
+
+<file path=ppt/slides/slide4.xml><?xml version="1.0" encoding="utf-8"?>
+<p:sld xmlns:a="http://schemas.openxmlformats.org/drawingml/2006/main" xmlns:r="http://schemas.openxmlformats.org/officeDocument/2006/relationships" xmlns:p="http://schemas.openxmlformats.org/presentationml/2006/main">
+  <p:cSld>
+    <p:spTree>
+      <p:nvGrpSpPr>
+        <p:cNvPr id="1" name=""/>
+        <p:cNvGrpSpPr/>
+        <p:nvPr/>
+      </p:nvGrpSpPr>
+      <p:grpSpPr>
+        <a:xfrm>
+          <a:off x="0" y="0"/>
+          <a:ext cx="0" cy="0"/>
+          <a:chOff x="0" y="0"/>
+          <a:chExt cx="0" cy="0"/>
+        </a:xfrm>
+      </p:grpSpPr>
+      <p:sp>
+        <p:nvSpPr>
+          <p:cNvPr id="2" name="Titel 1">
+            <a:extLst>
+              <a:ext uri="{FF2B5EF4-FFF2-40B4-BE49-F238E27FC236}">
+                <a16:creationId xmlns:a16="http://schemas.microsoft.com/office/drawing/2014/main" id="{6C74326F-CAFD-4E3C-A7E1-A8B930F2B498}"/>
+              </a:ext>
+            </a:extLst>
+          </p:cNvPr>
+          <p:cNvSpPr>
+            <a:spLocks noGrp="1"/>
+          </p:cNvSpPr>
+          <p:nvPr>
+            <p:ph type="title"/>
+          </p:nvPr>
+        </p:nvSpPr>
+        <p:spPr>
+          <a:xfrm>
+            <a:off x="838200" y="365125"/>
+            <a:ext cx="10515600" cy="597199"/>
+          </a:xfrm>
+        </p:spPr>
+        <p:txBody>
+          <a:bodyPr>
+            <a:normAutofit fontScale="90000"/>
+          </a:bodyPr>
+          <a:lstStyle/>
+          <a:p>
+            <a:r>
+              <a:rPr lang="de-DE" sz="4000" dirty="0"/>
+              <a:t>2.2) </a:t>
+            </a:r>
+            <a:r>
+              <a:rPr lang="de-DE" sz="4000" dirty="0" err="1"/>
+              <a:t>Improve</a:t>
+            </a:r>
+            <a:r>
+              <a:rPr lang="de-DE" sz="4000" dirty="0"/>
+              <a:t> Sampling </a:t>
+            </a:r>
+            <a:r>
+              <a:rPr lang="de-DE" sz="4000" dirty="0" err="1"/>
+              <a:t>of</a:t>
+            </a:r>
+            <a:r>
+              <a:rPr lang="de-DE" sz="4000" dirty="0"/>
+              <a:t> </a:t>
+            </a:r>
+            <a:r>
+              <a:rPr lang="de-DE" sz="4000" dirty="0" err="1"/>
+              <a:t>generator</a:t>
+            </a:r>
+            <a:r>
+              <a:rPr lang="de-DE" sz="4000" dirty="0"/>
+              <a:t> </a:t>
+            </a:r>
+            <a:r>
+              <a:rPr lang="de-DE" sz="2000" dirty="0"/>
+              <a:t>(</a:t>
+            </a:r>
+            <a:r>
+              <a:rPr lang="de-DE" sz="2000" dirty="0" err="1"/>
+              <a:t>by</a:t>
+            </a:r>
+            <a:r>
+              <a:rPr lang="de-DE" sz="2000" dirty="0"/>
+              <a:t> </a:t>
+            </a:r>
+            <a:r>
+              <a:rPr lang="de-DE" sz="2000" dirty="0" err="1"/>
+              <a:t>Uncertainty</a:t>
+            </a:r>
+            <a:r>
+              <a:rPr lang="de-DE" sz="2000" dirty="0"/>
+              <a:t> Sampling)</a:t>
+            </a:r>
+            <a:endParaRPr lang="de-DE" dirty="0"/>
+          </a:p>
+        </p:txBody>
+      </p:sp>
+      <p:pic>
+        <p:nvPicPr>
+          <p:cNvPr id="13" name="Grafik 12">
+            <a:extLst>
+              <a:ext uri="{FF2B5EF4-FFF2-40B4-BE49-F238E27FC236}">
+                <a16:creationId xmlns:a16="http://schemas.microsoft.com/office/drawing/2014/main" id="{71D0A83C-ED49-4F71-BC11-73611F7C1771}"/>
+              </a:ext>
+            </a:extLst>
+          </p:cNvPr>
+          <p:cNvPicPr>
+            <a:picLocks noChangeAspect="1"/>
+          </p:cNvPicPr>
+          <p:nvPr/>
+        </p:nvPicPr>
+        <p:blipFill>
+          <a:blip r:embed="rId2"/>
+          <a:stretch>
+            <a:fillRect/>
+          </a:stretch>
+        </p:blipFill>
+        <p:spPr>
+          <a:xfrm>
+            <a:off x="1712228" y="862028"/>
+            <a:ext cx="8404895" cy="2959788"/>
+          </a:xfrm>
+          <a:prstGeom prst="rect">
+            <a:avLst/>
+          </a:prstGeom>
+        </p:spPr>
+      </p:pic>
+      <p:sp>
+        <p:nvSpPr>
+          <p:cNvPr id="15" name="Textfeld 14">
+            <a:extLst>
+              <a:ext uri="{FF2B5EF4-FFF2-40B4-BE49-F238E27FC236}">
+                <a16:creationId xmlns:a16="http://schemas.microsoft.com/office/drawing/2014/main" id="{F5C5E36A-799E-4BC2-82AC-7ED8158A4402}"/>
+              </a:ext>
+            </a:extLst>
+          </p:cNvPr>
+          <p:cNvSpPr txBox="1"/>
+          <p:nvPr/>
+        </p:nvSpPr>
+        <p:spPr>
+          <a:xfrm>
+            <a:off x="2086257" y="1170250"/>
+            <a:ext cx="749222" cy="369332"/>
+          </a:xfrm>
+          <a:prstGeom prst="rect">
+            <a:avLst/>
+          </a:prstGeom>
+          <a:noFill/>
+        </p:spPr>
+        <p:txBody>
+          <a:bodyPr wrap="square" rtlCol="0">
+            <a:spAutoFit/>
+          </a:bodyPr>
+          <a:lstStyle/>
+          <a:p>
+            <a:r>
+              <a:rPr lang="de-DE" dirty="0" err="1"/>
+              <a:t>Neg</a:t>
+            </a:r>
+            <a:endParaRPr lang="de-DE" dirty="0"/>
+          </a:p>
+        </p:txBody>
+      </p:sp>
+      <p:sp>
+        <p:nvSpPr>
+          <p:cNvPr id="16" name="Ellipse 15">
+            <a:extLst>
+              <a:ext uri="{FF2B5EF4-FFF2-40B4-BE49-F238E27FC236}">
+                <a16:creationId xmlns:a16="http://schemas.microsoft.com/office/drawing/2014/main" id="{D1D29BBC-0FAC-4649-BDE5-ECA1A4C5B8C0}"/>
+              </a:ext>
+            </a:extLst>
+          </p:cNvPr>
+          <p:cNvSpPr/>
+          <p:nvPr/>
+        </p:nvSpPr>
+        <p:spPr>
+          <a:xfrm>
+            <a:off x="1712227" y="1486210"/>
+            <a:ext cx="1257475" cy="1886163"/>
+          </a:xfrm>
+          <a:prstGeom prst="ellipse">
+            <a:avLst/>
+          </a:prstGeom>
+          <a:noFill/>
+          <a:ln>
+            <a:solidFill>
+              <a:schemeClr val="tx1"/>
+            </a:solidFill>
+          </a:ln>
+        </p:spPr>
+        <p:style>
+          <a:lnRef idx="2">
+            <a:schemeClr val="accent1">
+              <a:shade val="50000"/>
+            </a:schemeClr>
+          </a:lnRef>
+          <a:fillRef idx="1">
+            <a:schemeClr val="accent1"/>
+          </a:fillRef>
+          <a:effectRef idx="0">
+            <a:schemeClr val="accent1"/>
+          </a:effectRef>
+          <a:fontRef idx="minor">
+            <a:schemeClr val="lt1"/>
+          </a:fontRef>
+        </p:style>
+        <p:txBody>
+          <a:bodyPr rtlCol="0" anchor="ctr"/>
+          <a:lstStyle/>
+          <a:p>
+            <a:pPr algn="ctr"/>
+            <a:endParaRPr lang="de-DE"/>
+          </a:p>
+        </p:txBody>
+      </p:sp>
+      <p:sp>
+        <p:nvSpPr>
+          <p:cNvPr id="17" name="Textfeld 16">
+            <a:extLst>
+              <a:ext uri="{FF2B5EF4-FFF2-40B4-BE49-F238E27FC236}">
+                <a16:creationId xmlns:a16="http://schemas.microsoft.com/office/drawing/2014/main" id="{ABB7B22C-EEBE-4BD4-AC63-A0EC016A2318}"/>
+              </a:ext>
+            </a:extLst>
+          </p:cNvPr>
+          <p:cNvSpPr txBox="1"/>
+          <p:nvPr/>
+        </p:nvSpPr>
+        <p:spPr>
+          <a:xfrm>
+            <a:off x="629537" y="3821816"/>
+            <a:ext cx="2575420" cy="2839239"/>
+          </a:xfrm>
+          <a:prstGeom prst="rect">
+            <a:avLst/>
+          </a:prstGeom>
+          <a:noFill/>
+        </p:spPr>
+        <p:txBody>
+          <a:bodyPr wrap="square" rtlCol="0">
+            <a:spAutoFit/>
+          </a:bodyPr>
+          <a:lstStyle/>
+          <a:p>
+            <a:r>
+              <a:rPr lang="de-DE" sz="2000" b="1" dirty="0"/>
+              <a:t>Generator</a:t>
+            </a:r>
+            <a:endParaRPr lang="de-DE" sz="2400" b="1" dirty="0"/>
+          </a:p>
+          <a:p>
+            <a:r>
+              <a:rPr lang="de-DE" sz="1400" dirty="0"/>
+              <a:t>Scoring </a:t>
+            </a:r>
+            <a:r>
+              <a:rPr lang="de-DE" sz="1400" dirty="0" err="1"/>
+              <a:t>function</a:t>
+            </a:r>
+            <a:r>
+              <a:rPr lang="de-DE" sz="1400" dirty="0"/>
+              <a:t>:       </a:t>
+            </a:r>
+          </a:p>
+          <a:p>
+            <a:endParaRPr lang="de-DE" sz="1400" dirty="0"/>
+          </a:p>
+          <a:p>
+            <a:endParaRPr lang="de-DE" sz="1400" dirty="0"/>
+          </a:p>
+          <a:p>
+            <a:endParaRPr lang="de-DE" sz="1400" dirty="0"/>
+          </a:p>
+          <a:p>
+            <a:endParaRPr lang="de-DE" sz="1400" dirty="0"/>
+          </a:p>
+          <a:p>
+            <a:r>
+              <a:rPr lang="de-DE" sz="1400" dirty="0"/>
+              <a:t>Sampling:</a:t>
+            </a:r>
+          </a:p>
+          <a:p>
+            <a:r>
+              <a:rPr lang="de-DE" sz="1050" dirty="0"/>
+              <a:t>(</a:t>
+            </a:r>
+            <a:r>
+              <a:rPr lang="de-DE" sz="1050" dirty="0" err="1"/>
+              <a:t>uncertainty</a:t>
+            </a:r>
+            <a:r>
+              <a:rPr lang="de-DE" sz="1050" dirty="0"/>
+              <a:t>)</a:t>
+            </a:r>
+          </a:p>
+          <a:p>
+            <a:br>
+              <a:rPr lang="de-DE" sz="1400" dirty="0"/>
+            </a:br>
+            <a:br>
+              <a:rPr lang="de-DE" sz="1400" dirty="0"/>
+            </a:br>
+            <a:endParaRPr lang="de-DE" sz="800" dirty="0"/>
+          </a:p>
+          <a:p>
+            <a:br>
+              <a:rPr lang="de-DE" sz="1400" dirty="0"/>
+            </a:br>
+            <a:endParaRPr lang="de-DE" sz="1400" dirty="0"/>
+          </a:p>
+        </p:txBody>
+      </p:sp>
+      <p:pic>
+        <p:nvPicPr>
+          <p:cNvPr id="29" name="Grafik 28">
+            <a:extLst>
+              <a:ext uri="{FF2B5EF4-FFF2-40B4-BE49-F238E27FC236}">
+                <a16:creationId xmlns:a16="http://schemas.microsoft.com/office/drawing/2014/main" id="{2CCE2DD3-C638-42B2-AE0B-D1556698CB86}"/>
+              </a:ext>
+            </a:extLst>
+          </p:cNvPr>
+          <p:cNvPicPr>
+            <a:picLocks noChangeAspect="1"/>
+          </p:cNvPicPr>
+          <p:nvPr/>
+        </p:nvPicPr>
+        <p:blipFill>
+          <a:blip r:embed="rId3"/>
+          <a:stretch>
+            <a:fillRect/>
+          </a:stretch>
+        </p:blipFill>
+        <p:spPr>
+          <a:xfrm>
+            <a:off x="629537" y="3397344"/>
+            <a:ext cx="2320495" cy="276798"/>
+          </a:xfrm>
+          <a:prstGeom prst="rect">
+            <a:avLst/>
+          </a:prstGeom>
+        </p:spPr>
+      </p:pic>
+      <p:pic>
+        <p:nvPicPr>
+          <p:cNvPr id="4" name="Grafik 3">
+            <a:extLst>
+              <a:ext uri="{FF2B5EF4-FFF2-40B4-BE49-F238E27FC236}">
+                <a16:creationId xmlns:a16="http://schemas.microsoft.com/office/drawing/2014/main" id="{A3BA76B9-3B9E-4D34-AF8E-B003E66DA944}"/>
+              </a:ext>
+            </a:extLst>
+          </p:cNvPr>
+          <p:cNvPicPr>
+            <a:picLocks noChangeAspect="1"/>
+          </p:cNvPicPr>
+          <p:nvPr/>
+        </p:nvPicPr>
+        <p:blipFill>
+          <a:blip r:embed="rId4"/>
+          <a:stretch>
+            <a:fillRect/>
+          </a:stretch>
+        </p:blipFill>
+        <p:spPr>
+          <a:xfrm>
+            <a:off x="1548865" y="5208700"/>
+            <a:ext cx="3489370" cy="327128"/>
+          </a:xfrm>
+          <a:prstGeom prst="rect">
+            <a:avLst/>
+          </a:prstGeom>
+        </p:spPr>
+      </p:pic>
+      <p:pic>
+        <p:nvPicPr>
+          <p:cNvPr id="6" name="Grafik 5">
+            <a:extLst>
+              <a:ext uri="{FF2B5EF4-FFF2-40B4-BE49-F238E27FC236}">
+                <a16:creationId xmlns:a16="http://schemas.microsoft.com/office/drawing/2014/main" id="{E953CE38-8889-4E0D-A24B-0A40F5B9612C}"/>
+              </a:ext>
+            </a:extLst>
+          </p:cNvPr>
+          <p:cNvPicPr>
+            <a:picLocks noChangeAspect="1"/>
+          </p:cNvPicPr>
+          <p:nvPr/>
+        </p:nvPicPr>
+        <p:blipFill>
+          <a:blip r:embed="rId5"/>
+          <a:stretch>
+            <a:fillRect/>
+          </a:stretch>
+        </p:blipFill>
+        <p:spPr>
+          <a:xfrm>
+            <a:off x="2239097" y="5528026"/>
+            <a:ext cx="5132522" cy="327128"/>
+          </a:xfrm>
+          <a:prstGeom prst="rect">
+            <a:avLst/>
+          </a:prstGeom>
+        </p:spPr>
+      </p:pic>
+      <p:pic>
+        <p:nvPicPr>
+          <p:cNvPr id="10" name="Grafik 9">
+            <a:extLst>
+              <a:ext uri="{FF2B5EF4-FFF2-40B4-BE49-F238E27FC236}">
+                <a16:creationId xmlns:a16="http://schemas.microsoft.com/office/drawing/2014/main" id="{A24C003B-CCD7-43AB-9C57-87A239648E8B}"/>
+              </a:ext>
+            </a:extLst>
+          </p:cNvPr>
+          <p:cNvPicPr>
+            <a:picLocks noChangeAspect="1"/>
+          </p:cNvPicPr>
+          <p:nvPr/>
+        </p:nvPicPr>
+        <p:blipFill>
+          <a:blip r:embed="rId6"/>
+          <a:stretch>
+            <a:fillRect/>
+          </a:stretch>
+        </p:blipFill>
+        <p:spPr>
+          <a:xfrm>
+            <a:off x="2209764" y="5864254"/>
+            <a:ext cx="5253267" cy="352052"/>
+          </a:xfrm>
+          <a:prstGeom prst="rect">
+            <a:avLst/>
+          </a:prstGeom>
+        </p:spPr>
+      </p:pic>
+      <p:pic>
+        <p:nvPicPr>
+          <p:cNvPr id="14" name="Grafik 13">
+            <a:extLst>
+              <a:ext uri="{FF2B5EF4-FFF2-40B4-BE49-F238E27FC236}">
+                <a16:creationId xmlns:a16="http://schemas.microsoft.com/office/drawing/2014/main" id="{9A6C714E-D81F-42A7-AB63-7F07E97DA986}"/>
+              </a:ext>
+            </a:extLst>
+          </p:cNvPr>
+          <p:cNvPicPr>
+            <a:picLocks noChangeAspect="1"/>
+          </p:cNvPicPr>
+          <p:nvPr/>
+        </p:nvPicPr>
+        <p:blipFill>
+          <a:blip r:embed="rId7"/>
+          <a:stretch>
+            <a:fillRect/>
+          </a:stretch>
+        </p:blipFill>
+        <p:spPr>
+          <a:xfrm>
+            <a:off x="7822405" y="4745133"/>
+            <a:ext cx="4115559" cy="1325563"/>
+          </a:xfrm>
+          <a:prstGeom prst="rect">
+            <a:avLst/>
+          </a:prstGeom>
+        </p:spPr>
+      </p:pic>
+      <p:sp>
+        <p:nvSpPr>
+          <p:cNvPr id="18" name="Rechteck 17">
+            <a:extLst>
+              <a:ext uri="{FF2B5EF4-FFF2-40B4-BE49-F238E27FC236}">
+                <a16:creationId xmlns:a16="http://schemas.microsoft.com/office/drawing/2014/main" id="{FE62B8CF-E3CF-4033-A796-15862C420198}"/>
+              </a:ext>
+            </a:extLst>
+          </p:cNvPr>
+          <p:cNvSpPr/>
+          <p:nvPr/>
+        </p:nvSpPr>
+        <p:spPr>
+          <a:xfrm>
+            <a:off x="4244808" y="1423859"/>
+            <a:ext cx="3201446" cy="2089457"/>
+          </a:xfrm>
+          <a:prstGeom prst="rect">
+            <a:avLst/>
+          </a:prstGeom>
+          <a:solidFill>
+            <a:schemeClr val="bg1"/>
+          </a:solidFill>
+          <a:ln>
+            <a:solidFill>
+              <a:schemeClr val="bg1"/>
+            </a:solidFill>
+          </a:ln>
+        </p:spPr>
+        <p:style>
+          <a:lnRef idx="2">
+            <a:schemeClr val="accent1">
+              <a:shade val="50000"/>
+            </a:schemeClr>
+          </a:lnRef>
+          <a:fillRef idx="1">
+            <a:schemeClr val="accent1"/>
+          </a:fillRef>
+          <a:effectRef idx="0">
+            <a:schemeClr val="accent1"/>
+          </a:effectRef>
+          <a:fontRef idx="minor">
+            <a:schemeClr val="lt1"/>
+          </a:fontRef>
+        </p:style>
+        <p:txBody>
+          <a:bodyPr rtlCol="0" anchor="ctr"/>
+          <a:lstStyle/>
+          <a:p>
+            <a:pPr algn="ctr"/>
+            <a:endParaRPr lang="de-DE"/>
+          </a:p>
+        </p:txBody>
+      </p:sp>
+      <p:sp>
+        <p:nvSpPr>
+          <p:cNvPr id="42" name="Rechteck 41">
+            <a:extLst>
+              <a:ext uri="{FF2B5EF4-FFF2-40B4-BE49-F238E27FC236}">
+                <a16:creationId xmlns:a16="http://schemas.microsoft.com/office/drawing/2014/main" id="{45B18AF0-AAF5-4146-B3A6-42F35BB37B2F}"/>
+              </a:ext>
+            </a:extLst>
+          </p:cNvPr>
+          <p:cNvSpPr/>
+          <p:nvPr/>
+        </p:nvSpPr>
+        <p:spPr>
+          <a:xfrm>
+            <a:off x="4384704" y="1279506"/>
+            <a:ext cx="983355" cy="2089457"/>
+          </a:xfrm>
+          <a:prstGeom prst="rect">
+            <a:avLst/>
+          </a:prstGeom>
+          <a:solidFill>
+            <a:schemeClr val="bg1"/>
+          </a:solidFill>
+          <a:ln>
+            <a:solidFill>
+              <a:schemeClr val="bg1"/>
+            </a:solidFill>
+          </a:ln>
+        </p:spPr>
+        <p:style>
+          <a:lnRef idx="2">
+            <a:schemeClr val="accent1">
+              <a:shade val="50000"/>
+            </a:schemeClr>
+          </a:lnRef>
+          <a:fillRef idx="1">
+            <a:schemeClr val="accent1"/>
+          </a:fillRef>
+          <a:effectRef idx="0">
+            <a:schemeClr val="accent1"/>
+          </a:effectRef>
+          <a:fontRef idx="minor">
+            <a:schemeClr val="lt1"/>
+          </a:fontRef>
+        </p:style>
+        <p:txBody>
+          <a:bodyPr rtlCol="0" anchor="ctr"/>
+          <a:lstStyle/>
+          <a:p>
+            <a:pPr algn="ctr"/>
+            <a:endParaRPr lang="de-DE"/>
+          </a:p>
+        </p:txBody>
+      </p:sp>
+      <p:pic>
+        <p:nvPicPr>
+          <p:cNvPr id="25" name="Grafik 24">
+            <a:extLst>
+              <a:ext uri="{FF2B5EF4-FFF2-40B4-BE49-F238E27FC236}">
+                <a16:creationId xmlns:a16="http://schemas.microsoft.com/office/drawing/2014/main" id="{2D3C4E22-C696-4A60-839D-0EEE04FE4A88}"/>
+              </a:ext>
+            </a:extLst>
+          </p:cNvPr>
+          <p:cNvPicPr>
+            <a:picLocks noChangeAspect="1"/>
+          </p:cNvPicPr>
+          <p:nvPr/>
+        </p:nvPicPr>
+        <p:blipFill>
+          <a:blip r:embed="rId8"/>
+          <a:stretch>
+            <a:fillRect/>
+          </a:stretch>
+        </p:blipFill>
+        <p:spPr>
+          <a:xfrm>
+            <a:off x="5866615" y="2173581"/>
+            <a:ext cx="1596416" cy="232206"/>
+          </a:xfrm>
+          <a:prstGeom prst="rect">
+            <a:avLst/>
+          </a:prstGeom>
+        </p:spPr>
+      </p:pic>
+      <p:sp>
+        <p:nvSpPr>
+          <p:cNvPr id="28" name="Textfeld 27">
+            <a:extLst>
+              <a:ext uri="{FF2B5EF4-FFF2-40B4-BE49-F238E27FC236}">
+                <a16:creationId xmlns:a16="http://schemas.microsoft.com/office/drawing/2014/main" id="{2275F5AC-B708-411F-9DD5-E95A470DE524}"/>
+              </a:ext>
+            </a:extLst>
+          </p:cNvPr>
+          <p:cNvSpPr txBox="1"/>
+          <p:nvPr/>
+        </p:nvSpPr>
+        <p:spPr>
+          <a:xfrm>
+            <a:off x="588386" y="3667722"/>
+            <a:ext cx="5393552" cy="246221"/>
+          </a:xfrm>
+          <a:prstGeom prst="rect">
+            <a:avLst/>
+          </a:prstGeom>
+          <a:noFill/>
+        </p:spPr>
+        <p:txBody>
+          <a:bodyPr wrap="square" rtlCol="0">
+            <a:spAutoFit/>
+          </a:bodyPr>
+          <a:lstStyle/>
+          <a:p>
+            <a:pPr algn="l"/>
+            <a:r>
+              <a:rPr lang="en-US" sz="1000" b="0" i="0" u="none" strike="noStrike" baseline="0" dirty="0">
+                <a:latin typeface="NimbusRomNo9L-Regu"/>
+                <a:sym typeface="Wingdings" panose="05000000000000000000" pitchFamily="2" charset="2"/>
+              </a:rPr>
+              <a:t> </a:t>
+            </a:r>
+            <a:r>
+              <a:rPr lang="en-US" sz="1000" b="0" i="0" u="none" strike="noStrike" baseline="0" dirty="0">
+                <a:latin typeface="NimbusRomNo9L-Regu"/>
+              </a:rPr>
+              <a:t>uniformly sampling of N</a:t>
+            </a:r>
+            <a:r>
+              <a:rPr lang="en-US" sz="1000" b="0" i="0" u="none" strike="noStrike" baseline="-25000" dirty="0">
+                <a:latin typeface="CMMI10"/>
+              </a:rPr>
+              <a:t>s</a:t>
+            </a:r>
+            <a:r>
+              <a:rPr lang="en-US" sz="1000" b="0" i="0" u="none" strike="noStrike" baseline="0" dirty="0">
+                <a:latin typeface="CMMI8"/>
+              </a:rPr>
+              <a:t> </a:t>
+            </a:r>
+            <a:r>
+              <a:rPr lang="en-US" sz="1000" b="0" i="0" u="none" strike="noStrike" baseline="0" dirty="0">
+                <a:latin typeface="NimbusRomNo9L-Regu"/>
+              </a:rPr>
+              <a:t>entities (small number) from </a:t>
+            </a:r>
+            <a:r>
+              <a:rPr lang="en-US" sz="1000" b="0" i="0" u="none" strike="noStrike" baseline="0" dirty="0">
+                <a:latin typeface="CMSY10"/>
+              </a:rPr>
+              <a:t>E </a:t>
+            </a:r>
+            <a:r>
+              <a:rPr lang="en-US" sz="1000" b="0" i="0" u="none" strike="noStrike" baseline="0" dirty="0">
+                <a:latin typeface="NimbusRomNo9L-Regu"/>
+              </a:rPr>
+              <a:t>to replace </a:t>
+            </a:r>
+            <a:r>
+              <a:rPr lang="en-US" sz="1000" b="0" i="0" u="none" strike="noStrike" baseline="0" dirty="0">
+                <a:latin typeface="CMMI10"/>
+              </a:rPr>
+              <a:t>h </a:t>
+            </a:r>
+            <a:r>
+              <a:rPr lang="en-US" sz="1000" b="0" i="0" u="none" strike="noStrike" baseline="0" dirty="0">
+                <a:latin typeface="NimbusRomNo9L-Regu"/>
+              </a:rPr>
+              <a:t>or </a:t>
+            </a:r>
+            <a:r>
+              <a:rPr lang="en-US" sz="1000" b="0" i="0" u="none" strike="noStrike" baseline="0" dirty="0">
+                <a:latin typeface="CMMI10"/>
+              </a:rPr>
+              <a:t>t</a:t>
+            </a:r>
+            <a:r>
+              <a:rPr lang="en-US" sz="1000" b="0" i="0" u="none" strike="noStrike" baseline="0" dirty="0">
+                <a:latin typeface="NimbusRomNo9L-Regu"/>
+              </a:rPr>
+              <a:t>.</a:t>
+            </a:r>
+            <a:endParaRPr lang="de-DE" sz="1000" dirty="0"/>
+          </a:p>
+        </p:txBody>
+      </p:sp>
+      <p:pic>
+        <p:nvPicPr>
+          <p:cNvPr id="24" name="Grafik 23">
+            <a:extLst>
+              <a:ext uri="{FF2B5EF4-FFF2-40B4-BE49-F238E27FC236}">
+                <a16:creationId xmlns:a16="http://schemas.microsoft.com/office/drawing/2014/main" id="{B685D5B4-DAC1-4F3E-99CD-96B82F231445}"/>
+              </a:ext>
+            </a:extLst>
+          </p:cNvPr>
+          <p:cNvPicPr>
+            <a:picLocks noChangeAspect="1"/>
+          </p:cNvPicPr>
+          <p:nvPr/>
+        </p:nvPicPr>
+        <p:blipFill>
+          <a:blip r:embed="rId9"/>
+          <a:stretch>
+            <a:fillRect/>
+          </a:stretch>
+        </p:blipFill>
+        <p:spPr>
+          <a:xfrm>
+            <a:off x="5814844" y="3416763"/>
+            <a:ext cx="1218319" cy="222577"/>
+          </a:xfrm>
+          <a:prstGeom prst="rect">
+            <a:avLst/>
+          </a:prstGeom>
+        </p:spPr>
+      </p:pic>
+      <p:pic>
+        <p:nvPicPr>
+          <p:cNvPr id="30" name="Grafik 29">
+            <a:extLst>
+              <a:ext uri="{FF2B5EF4-FFF2-40B4-BE49-F238E27FC236}">
+                <a16:creationId xmlns:a16="http://schemas.microsoft.com/office/drawing/2014/main" id="{0A69E305-4FB4-4A15-A4F8-68B8ACC04BFA}"/>
+              </a:ext>
+            </a:extLst>
+          </p:cNvPr>
+          <p:cNvPicPr>
+            <a:picLocks noChangeAspect="1"/>
+          </p:cNvPicPr>
+          <p:nvPr/>
+        </p:nvPicPr>
+        <p:blipFill>
+          <a:blip r:embed="rId10"/>
+          <a:stretch>
+            <a:fillRect/>
+          </a:stretch>
+        </p:blipFill>
+        <p:spPr>
+          <a:xfrm>
+            <a:off x="7139692" y="1559744"/>
+            <a:ext cx="530844" cy="248623"/>
+          </a:xfrm>
+          <a:prstGeom prst="rect">
+            <a:avLst/>
+          </a:prstGeom>
+        </p:spPr>
+      </p:pic>
+      <p:pic>
+        <p:nvPicPr>
+          <p:cNvPr id="31" name="Grafik 30">
+            <a:extLst>
+              <a:ext uri="{FF2B5EF4-FFF2-40B4-BE49-F238E27FC236}">
+                <a16:creationId xmlns:a16="http://schemas.microsoft.com/office/drawing/2014/main" id="{E77CD6C4-FE53-4642-AF9E-88BDFA497134}"/>
+              </a:ext>
+            </a:extLst>
+          </p:cNvPr>
+          <p:cNvPicPr>
+            <a:picLocks noChangeAspect="1"/>
+          </p:cNvPicPr>
+          <p:nvPr/>
+        </p:nvPicPr>
+        <p:blipFill>
+          <a:blip r:embed="rId11"/>
+          <a:stretch>
+            <a:fillRect/>
+          </a:stretch>
+        </p:blipFill>
+        <p:spPr>
+          <a:xfrm>
+            <a:off x="7044590" y="2923629"/>
+            <a:ext cx="586951" cy="238064"/>
+          </a:xfrm>
+          <a:prstGeom prst="rect">
+            <a:avLst/>
+          </a:prstGeom>
+        </p:spPr>
+      </p:pic>
+      <p:pic>
+        <p:nvPicPr>
+          <p:cNvPr id="32" name="Grafik 31">
+            <a:extLst>
+              <a:ext uri="{FF2B5EF4-FFF2-40B4-BE49-F238E27FC236}">
+                <a16:creationId xmlns:a16="http://schemas.microsoft.com/office/drawing/2014/main" id="{FFFB1BE1-852D-4FD8-8B3F-266C8AEEDF40}"/>
+              </a:ext>
+            </a:extLst>
+          </p:cNvPr>
+          <p:cNvPicPr>
+            <a:picLocks noChangeAspect="1"/>
+          </p:cNvPicPr>
+          <p:nvPr/>
+        </p:nvPicPr>
+        <p:blipFill>
+          <a:blip r:embed="rId12"/>
+          <a:stretch>
+            <a:fillRect/>
+          </a:stretch>
+        </p:blipFill>
+        <p:spPr>
+          <a:xfrm>
+            <a:off x="1992752" y="4071606"/>
+            <a:ext cx="2915763" cy="878106"/>
+          </a:xfrm>
+          <a:prstGeom prst="rect">
+            <a:avLst/>
+          </a:prstGeom>
+        </p:spPr>
+      </p:pic>
+      <p:sp>
+        <p:nvSpPr>
+          <p:cNvPr id="33" name="Rechteck 32">
+            <a:extLst>
+              <a:ext uri="{FF2B5EF4-FFF2-40B4-BE49-F238E27FC236}">
+                <a16:creationId xmlns:a16="http://schemas.microsoft.com/office/drawing/2014/main" id="{94E7146E-B752-4799-A1BF-D08991996ABD}"/>
+              </a:ext>
+            </a:extLst>
+          </p:cNvPr>
+          <p:cNvSpPr/>
+          <p:nvPr/>
+        </p:nvSpPr>
+        <p:spPr>
+          <a:xfrm>
+            <a:off x="4252423" y="2953352"/>
+            <a:ext cx="813276" cy="286688"/>
+          </a:xfrm>
+          <a:prstGeom prst="rect">
+            <a:avLst/>
+          </a:prstGeom>
+          <a:solidFill>
+            <a:schemeClr val="bg1"/>
+          </a:solidFill>
+          <a:ln>
+            <a:solidFill>
+              <a:schemeClr val="bg1"/>
+            </a:solidFill>
+          </a:ln>
+        </p:spPr>
+        <p:style>
+          <a:lnRef idx="2">
+            <a:schemeClr val="accent1">
+              <a:shade val="50000"/>
+            </a:schemeClr>
+          </a:lnRef>
+          <a:fillRef idx="1">
+            <a:schemeClr val="accent1"/>
+          </a:fillRef>
+          <a:effectRef idx="0">
+            <a:schemeClr val="accent1"/>
+          </a:effectRef>
+          <a:fontRef idx="minor">
+            <a:schemeClr val="lt1"/>
+          </a:fontRef>
+        </p:style>
+        <p:txBody>
+          <a:bodyPr rtlCol="0" anchor="ctr"/>
+          <a:lstStyle/>
+          <a:p>
+            <a:r>
+              <a:rPr lang="de-DE" sz="1100" dirty="0">
+                <a:solidFill>
+                  <a:schemeClr val="accent6">
+                    <a:lumMod val="75000"/>
+                  </a:schemeClr>
+                </a:solidFill>
+              </a:rPr>
+              <a:t>Score</a:t>
+            </a:r>
+          </a:p>
+        </p:txBody>
+      </p:sp>
+      <p:sp>
+        <p:nvSpPr>
+          <p:cNvPr id="34" name="Rechteck 33">
+            <a:extLst>
+              <a:ext uri="{FF2B5EF4-FFF2-40B4-BE49-F238E27FC236}">
+                <a16:creationId xmlns:a16="http://schemas.microsoft.com/office/drawing/2014/main" id="{FA2394CD-18E4-4EF7-8C36-A33B003A1E8E}"/>
+              </a:ext>
+            </a:extLst>
+          </p:cNvPr>
+          <p:cNvSpPr/>
+          <p:nvPr/>
+        </p:nvSpPr>
+        <p:spPr>
+          <a:xfrm>
+            <a:off x="4236696" y="2582998"/>
+            <a:ext cx="813276" cy="286688"/>
+          </a:xfrm>
+          <a:prstGeom prst="rect">
+            <a:avLst/>
+          </a:prstGeom>
+          <a:solidFill>
+            <a:schemeClr val="bg1"/>
+          </a:solidFill>
+          <a:ln>
+            <a:solidFill>
+              <a:schemeClr val="bg1"/>
+            </a:solidFill>
+          </a:ln>
+        </p:spPr>
+        <p:style>
+          <a:lnRef idx="2">
+            <a:schemeClr val="accent1">
+              <a:shade val="50000"/>
+            </a:schemeClr>
+          </a:lnRef>
+          <a:fillRef idx="1">
+            <a:schemeClr val="accent1"/>
+          </a:fillRef>
+          <a:effectRef idx="0">
+            <a:schemeClr val="accent1"/>
+          </a:effectRef>
+          <a:fontRef idx="minor">
+            <a:schemeClr val="lt1"/>
+          </a:fontRef>
+        </p:style>
+        <p:txBody>
+          <a:bodyPr rtlCol="0" anchor="ctr"/>
+          <a:lstStyle/>
+          <a:p>
+            <a:r>
+              <a:rPr lang="de-DE" sz="1100" dirty="0">
+                <a:solidFill>
+                  <a:schemeClr val="accent6">
+                    <a:lumMod val="75000"/>
+                  </a:schemeClr>
+                </a:solidFill>
+              </a:rPr>
+              <a:t>Score</a:t>
+            </a:r>
+          </a:p>
+        </p:txBody>
+      </p:sp>
+      <p:sp>
+        <p:nvSpPr>
+          <p:cNvPr id="35" name="Rechteck 34">
+            <a:extLst>
+              <a:ext uri="{FF2B5EF4-FFF2-40B4-BE49-F238E27FC236}">
+                <a16:creationId xmlns:a16="http://schemas.microsoft.com/office/drawing/2014/main" id="{A54EB652-FCFB-43AC-BB30-73B02AC76ADB}"/>
+              </a:ext>
+            </a:extLst>
+          </p:cNvPr>
+          <p:cNvSpPr/>
+          <p:nvPr/>
+        </p:nvSpPr>
+        <p:spPr>
+          <a:xfrm>
+            <a:off x="4252423" y="2264820"/>
+            <a:ext cx="813276" cy="286688"/>
+          </a:xfrm>
+          <a:prstGeom prst="rect">
+            <a:avLst/>
+          </a:prstGeom>
+          <a:solidFill>
+            <a:schemeClr val="bg1"/>
+          </a:solidFill>
+          <a:ln>
+            <a:solidFill>
+              <a:schemeClr val="bg1"/>
+            </a:solidFill>
+          </a:ln>
+        </p:spPr>
+        <p:style>
+          <a:lnRef idx="2">
+            <a:schemeClr val="accent1">
+              <a:shade val="50000"/>
+            </a:schemeClr>
+          </a:lnRef>
+          <a:fillRef idx="1">
+            <a:schemeClr val="accent1"/>
+          </a:fillRef>
+          <a:effectRef idx="0">
+            <a:schemeClr val="accent1"/>
+          </a:effectRef>
+          <a:fontRef idx="minor">
+            <a:schemeClr val="lt1"/>
+          </a:fontRef>
+        </p:style>
+        <p:txBody>
+          <a:bodyPr rtlCol="0" anchor="ctr"/>
+          <a:lstStyle/>
+          <a:p>
+            <a:r>
+              <a:rPr lang="de-DE" sz="1100" dirty="0">
+                <a:solidFill>
+                  <a:schemeClr val="accent6">
+                    <a:lumMod val="75000"/>
+                  </a:schemeClr>
+                </a:solidFill>
+              </a:rPr>
+              <a:t>Score</a:t>
+            </a:r>
+          </a:p>
+        </p:txBody>
+      </p:sp>
+      <p:sp>
+        <p:nvSpPr>
+          <p:cNvPr id="36" name="Rechteck 35">
+            <a:extLst>
+              <a:ext uri="{FF2B5EF4-FFF2-40B4-BE49-F238E27FC236}">
+                <a16:creationId xmlns:a16="http://schemas.microsoft.com/office/drawing/2014/main" id="{77B76C66-3A56-4224-BFCF-70025FC60336}"/>
+              </a:ext>
+            </a:extLst>
+          </p:cNvPr>
+          <p:cNvSpPr/>
+          <p:nvPr/>
+        </p:nvSpPr>
+        <p:spPr>
+          <a:xfrm>
+            <a:off x="4236696" y="1897012"/>
+            <a:ext cx="813276" cy="286688"/>
+          </a:xfrm>
+          <a:prstGeom prst="rect">
+            <a:avLst/>
+          </a:prstGeom>
+          <a:solidFill>
+            <a:schemeClr val="bg1"/>
+          </a:solidFill>
+          <a:ln>
+            <a:solidFill>
+              <a:schemeClr val="bg1"/>
+            </a:solidFill>
+          </a:ln>
+        </p:spPr>
+        <p:style>
+          <a:lnRef idx="2">
+            <a:schemeClr val="accent1">
+              <a:shade val="50000"/>
+            </a:schemeClr>
+          </a:lnRef>
+          <a:fillRef idx="1">
+            <a:schemeClr val="accent1"/>
+          </a:fillRef>
+          <a:effectRef idx="0">
+            <a:schemeClr val="accent1"/>
+          </a:effectRef>
+          <a:fontRef idx="minor">
+            <a:schemeClr val="lt1"/>
+          </a:fontRef>
+        </p:style>
+        <p:txBody>
+          <a:bodyPr rtlCol="0" anchor="ctr"/>
+          <a:lstStyle/>
+          <a:p>
+            <a:r>
+              <a:rPr lang="de-DE" sz="1100" dirty="0">
+                <a:solidFill>
+                  <a:schemeClr val="accent6">
+                    <a:lumMod val="75000"/>
+                  </a:schemeClr>
+                </a:solidFill>
+              </a:rPr>
+              <a:t>Score</a:t>
+            </a:r>
+          </a:p>
+        </p:txBody>
+      </p:sp>
+      <p:sp>
+        <p:nvSpPr>
+          <p:cNvPr id="46" name="Rechteck 45">
+            <a:extLst>
+              <a:ext uri="{FF2B5EF4-FFF2-40B4-BE49-F238E27FC236}">
+                <a16:creationId xmlns:a16="http://schemas.microsoft.com/office/drawing/2014/main" id="{A1F58E3B-640C-4F75-A4BE-2FB38F24DA50}"/>
+              </a:ext>
+            </a:extLst>
+          </p:cNvPr>
+          <p:cNvSpPr/>
+          <p:nvPr/>
+        </p:nvSpPr>
+        <p:spPr>
+          <a:xfrm>
+            <a:off x="4252423" y="1514753"/>
+            <a:ext cx="813276" cy="286688"/>
+          </a:xfrm>
+          <a:prstGeom prst="rect">
+            <a:avLst/>
+          </a:prstGeom>
+          <a:solidFill>
+            <a:schemeClr val="bg1"/>
+          </a:solidFill>
+          <a:ln>
+            <a:solidFill>
+              <a:schemeClr val="bg1"/>
+            </a:solidFill>
+          </a:ln>
+        </p:spPr>
+        <p:style>
+          <a:lnRef idx="2">
+            <a:schemeClr val="accent1">
+              <a:shade val="50000"/>
+            </a:schemeClr>
+          </a:lnRef>
+          <a:fillRef idx="1">
+            <a:schemeClr val="accent1"/>
+          </a:fillRef>
+          <a:effectRef idx="0">
+            <a:schemeClr val="accent1"/>
+          </a:effectRef>
+          <a:fontRef idx="minor">
+            <a:schemeClr val="lt1"/>
+          </a:fontRef>
+        </p:style>
+        <p:txBody>
+          <a:bodyPr rtlCol="0" anchor="ctr"/>
+          <a:lstStyle/>
+          <a:p>
+            <a:r>
+              <a:rPr lang="de-DE" sz="1100" dirty="0">
+                <a:solidFill>
+                  <a:schemeClr val="accent6">
+                    <a:lumMod val="75000"/>
+                  </a:schemeClr>
+                </a:solidFill>
+              </a:rPr>
+              <a:t>Score</a:t>
+            </a:r>
+          </a:p>
+        </p:txBody>
+      </p:sp>
+      <p:pic>
+        <p:nvPicPr>
+          <p:cNvPr id="11" name="Grafik 10">
+            <a:extLst>
+              <a:ext uri="{FF2B5EF4-FFF2-40B4-BE49-F238E27FC236}">
+                <a16:creationId xmlns:a16="http://schemas.microsoft.com/office/drawing/2014/main" id="{3FA7D008-A8C4-4B63-8F20-E433482A50F9}"/>
+              </a:ext>
+            </a:extLst>
+          </p:cNvPr>
+          <p:cNvPicPr>
+            <a:picLocks noChangeAspect="1"/>
+          </p:cNvPicPr>
+          <p:nvPr/>
+        </p:nvPicPr>
+        <p:blipFill>
+          <a:blip r:embed="rId13"/>
+          <a:stretch>
+            <a:fillRect/>
+          </a:stretch>
+        </p:blipFill>
+        <p:spPr>
+          <a:xfrm>
+            <a:off x="7812499" y="4036043"/>
+            <a:ext cx="2261490" cy="349243"/>
+          </a:xfrm>
+          <a:prstGeom prst="rect">
+            <a:avLst/>
+          </a:prstGeom>
+        </p:spPr>
+      </p:pic>
+      <p:pic>
+        <p:nvPicPr>
+          <p:cNvPr id="19" name="Grafik 18">
+            <a:extLst>
+              <a:ext uri="{FF2B5EF4-FFF2-40B4-BE49-F238E27FC236}">
+                <a16:creationId xmlns:a16="http://schemas.microsoft.com/office/drawing/2014/main" id="{6961C19B-8F10-4B0C-A445-056733E1BF3D}"/>
+              </a:ext>
+            </a:extLst>
+          </p:cNvPr>
+          <p:cNvPicPr>
+            <a:picLocks noChangeAspect="1"/>
+          </p:cNvPicPr>
+          <p:nvPr/>
+        </p:nvPicPr>
+        <p:blipFill>
+          <a:blip r:embed="rId14"/>
+          <a:stretch>
+            <a:fillRect/>
+          </a:stretch>
+        </p:blipFill>
+        <p:spPr>
+          <a:xfrm>
+            <a:off x="7812499" y="4367169"/>
+            <a:ext cx="2067686" cy="377964"/>
+          </a:xfrm>
+          <a:prstGeom prst="rect">
+            <a:avLst/>
+          </a:prstGeom>
+        </p:spPr>
+      </p:pic>
+      <p:sp>
+        <p:nvSpPr>
+          <p:cNvPr id="47" name="Textfeld 46">
+            <a:extLst>
+              <a:ext uri="{FF2B5EF4-FFF2-40B4-BE49-F238E27FC236}">
+                <a16:creationId xmlns:a16="http://schemas.microsoft.com/office/drawing/2014/main" id="{D0DF4E10-71E4-4BA2-A0BE-45AEF46A0F1E}"/>
+              </a:ext>
+            </a:extLst>
+          </p:cNvPr>
+          <p:cNvSpPr txBox="1"/>
+          <p:nvPr/>
+        </p:nvSpPr>
+        <p:spPr>
+          <a:xfrm>
+            <a:off x="7908498" y="6070696"/>
+            <a:ext cx="4029465" cy="461665"/>
+          </a:xfrm>
+          <a:prstGeom prst="rect">
+            <a:avLst/>
+          </a:prstGeom>
+          <a:noFill/>
+        </p:spPr>
+        <p:txBody>
+          <a:bodyPr wrap="square" rtlCol="0">
+            <a:spAutoFit/>
+          </a:bodyPr>
+          <a:lstStyle/>
+          <a:p>
+            <a:r>
+              <a:rPr lang="de-DE" sz="1200" dirty="0"/>
+              <a:t>y = 0 </a:t>
+            </a:r>
+            <a:r>
+              <a:rPr lang="de-DE" sz="1200" dirty="0" err="1"/>
+              <a:t>if</a:t>
+            </a:r>
+            <a:r>
+              <a:rPr lang="de-DE" sz="1200" dirty="0"/>
+              <a:t> </a:t>
+            </a:r>
+            <a:r>
+              <a:rPr lang="de-DE" sz="1200" dirty="0" err="1"/>
+              <a:t>it</a:t>
+            </a:r>
+            <a:r>
+              <a:rPr lang="de-DE" sz="1200" dirty="0"/>
+              <a:t> </a:t>
+            </a:r>
+            <a:r>
+              <a:rPr lang="de-DE" sz="1200" dirty="0" err="1"/>
+              <a:t>is</a:t>
+            </a:r>
+            <a:r>
+              <a:rPr lang="de-DE" sz="1200" dirty="0"/>
+              <a:t> a </a:t>
+            </a:r>
+            <a:r>
+              <a:rPr lang="de-DE" sz="1200" dirty="0" err="1"/>
+              <a:t>bad</a:t>
+            </a:r>
+            <a:r>
+              <a:rPr lang="de-DE" sz="1200" dirty="0"/>
+              <a:t> negative </a:t>
+            </a:r>
+            <a:r>
+              <a:rPr lang="de-DE" sz="1200" dirty="0" err="1"/>
+              <a:t>triple</a:t>
+            </a:r>
+            <a:endParaRPr lang="de-DE" sz="1200" dirty="0"/>
+          </a:p>
+          <a:p>
+            <a:r>
+              <a:rPr lang="de-DE" sz="1200" dirty="0"/>
+              <a:t>y = 1 </a:t>
+            </a:r>
+            <a:r>
+              <a:rPr lang="de-DE" sz="1200" dirty="0" err="1"/>
+              <a:t>it</a:t>
+            </a:r>
+            <a:r>
+              <a:rPr lang="de-DE" sz="1200" dirty="0"/>
+              <a:t> </a:t>
+            </a:r>
+            <a:r>
+              <a:rPr lang="de-DE" sz="1200" dirty="0" err="1"/>
+              <a:t>it</a:t>
+            </a:r>
+            <a:r>
+              <a:rPr lang="de-DE" sz="1200" dirty="0"/>
+              <a:t> </a:t>
+            </a:r>
+            <a:r>
+              <a:rPr lang="de-DE" sz="1200" dirty="0" err="1"/>
+              <a:t>is</a:t>
+            </a:r>
+            <a:r>
+              <a:rPr lang="de-DE" sz="1200" dirty="0"/>
+              <a:t> a </a:t>
+            </a:r>
+            <a:r>
+              <a:rPr lang="de-DE" sz="1200" dirty="0" err="1"/>
+              <a:t>good</a:t>
+            </a:r>
+            <a:r>
+              <a:rPr lang="de-DE" sz="1200" dirty="0"/>
+              <a:t> positive </a:t>
+            </a:r>
+            <a:r>
+              <a:rPr lang="de-DE" sz="1200" dirty="0" err="1"/>
+              <a:t>triple</a:t>
+            </a:r>
+            <a:r>
+              <a:rPr lang="de-DE" sz="1200" dirty="0"/>
+              <a:t> </a:t>
+            </a:r>
+          </a:p>
+        </p:txBody>
+      </p:sp>
+      <p:sp>
+        <p:nvSpPr>
+          <p:cNvPr id="27" name="Rechteck 26">
+            <a:extLst>
+              <a:ext uri="{FF2B5EF4-FFF2-40B4-BE49-F238E27FC236}">
+                <a16:creationId xmlns:a16="http://schemas.microsoft.com/office/drawing/2014/main" id="{3F00E902-6BC4-4001-BFA5-A09988E38CAF}"/>
+              </a:ext>
+            </a:extLst>
+          </p:cNvPr>
+          <p:cNvSpPr/>
+          <p:nvPr/>
+        </p:nvSpPr>
+        <p:spPr>
+          <a:xfrm>
+            <a:off x="585215" y="4109691"/>
+            <a:ext cx="11254397" cy="2559788"/>
+          </a:xfrm>
+          <a:prstGeom prst="rect">
+            <a:avLst/>
+          </a:prstGeom>
+          <a:solidFill>
+            <a:schemeClr val="accent6">
+              <a:alpha val="30000"/>
+            </a:schemeClr>
+          </a:solidFill>
+          <a:ln>
+            <a:noFill/>
+          </a:ln>
+        </p:spPr>
+        <p:style>
+          <a:lnRef idx="2">
+            <a:schemeClr val="accent1">
+              <a:shade val="50000"/>
+            </a:schemeClr>
+          </a:lnRef>
+          <a:fillRef idx="1">
+            <a:schemeClr val="accent1"/>
+          </a:fillRef>
+          <a:effectRef idx="0">
+            <a:schemeClr val="accent1"/>
+          </a:effectRef>
+          <a:fontRef idx="minor">
+            <a:schemeClr val="lt1"/>
+          </a:fontRef>
+        </p:style>
+        <p:txBody>
+          <a:bodyPr rtlCol="0" anchor="ctr"/>
+          <a:lstStyle/>
+          <a:p>
+            <a:pPr algn="ctr"/>
+            <a:endParaRPr lang="de-DE" dirty="0"/>
+          </a:p>
+        </p:txBody>
+      </p:sp>
+      <p:sp>
+        <p:nvSpPr>
+          <p:cNvPr id="3" name="Gleichschenkliges Dreieck 2">
+            <a:extLst>
+              <a:ext uri="{FF2B5EF4-FFF2-40B4-BE49-F238E27FC236}">
+                <a16:creationId xmlns:a16="http://schemas.microsoft.com/office/drawing/2014/main" id="{DA157756-3B13-41B2-A7DD-BC2BCB217D05}"/>
+              </a:ext>
+            </a:extLst>
+          </p:cNvPr>
+          <p:cNvSpPr/>
+          <p:nvPr/>
+        </p:nvSpPr>
+        <p:spPr>
+          <a:xfrm rot="5400000">
+            <a:off x="4420761" y="1878403"/>
+            <a:ext cx="1829380" cy="1145066"/>
+          </a:xfrm>
+          <a:prstGeom prst="triangle">
+            <a:avLst>
+              <a:gd name="adj" fmla="val 50000"/>
+            </a:avLst>
+          </a:prstGeom>
+          <a:solidFill>
+            <a:schemeClr val="bg1"/>
+          </a:solidFill>
+          <a:ln>
+            <a:solidFill>
+              <a:schemeClr val="accent6">
+                <a:lumMod val="75000"/>
+              </a:schemeClr>
+            </a:solidFill>
+          </a:ln>
+        </p:spPr>
+        <p:style>
+          <a:lnRef idx="2">
+            <a:schemeClr val="accent1">
+              <a:shade val="50000"/>
+            </a:schemeClr>
+          </a:lnRef>
+          <a:fillRef idx="1">
+            <a:schemeClr val="accent1"/>
+          </a:fillRef>
+          <a:effectRef idx="0">
+            <a:schemeClr val="accent1"/>
+          </a:effectRef>
+          <a:fontRef idx="minor">
+            <a:schemeClr val="lt1"/>
+          </a:fontRef>
+        </p:style>
+        <p:txBody>
+          <a:bodyPr rtlCol="0" anchor="ctr"/>
+          <a:lstStyle/>
+          <a:p>
+            <a:pPr algn="ctr"/>
+            <a:endParaRPr lang="de-DE"/>
+          </a:p>
+        </p:txBody>
+      </p:sp>
+      <p:sp>
+        <p:nvSpPr>
+          <p:cNvPr id="45" name="Textfeld 44">
+            <a:extLst>
+              <a:ext uri="{FF2B5EF4-FFF2-40B4-BE49-F238E27FC236}">
+                <a16:creationId xmlns:a16="http://schemas.microsoft.com/office/drawing/2014/main" id="{4CDF2764-F77A-472A-8941-D98EEBE2E167}"/>
+              </a:ext>
+            </a:extLst>
+          </p:cNvPr>
+          <p:cNvSpPr txBox="1"/>
+          <p:nvPr/>
+        </p:nvSpPr>
+        <p:spPr>
+          <a:xfrm>
+            <a:off x="4719674" y="1865085"/>
+            <a:ext cx="857927" cy="600164"/>
           </a:xfrm>
           <a:prstGeom prst="rect">
             <a:avLst/>
@@ -3693,58 +8347,1393 @@
           </a:bodyPr>
           <a:lstStyle/>
           <a:p>
-            <a:r>
-              <a:rPr lang="de-DE" dirty="0"/>
-              <a:t>Negative </a:t>
-            </a:r>
-            <a:r>
-              <a:rPr lang="de-DE" dirty="0" err="1"/>
-              <a:t>triples</a:t>
-            </a:r>
-            <a:endParaRPr lang="de-DE" dirty="0"/>
-          </a:p>
-        </p:txBody>
-      </p:sp>
-      <p:sp>
-        <p:nvSpPr>
-          <p:cNvPr id="21" name="Textfeld 20">
-            <a:extLst>
-              <a:ext uri="{FF2B5EF4-FFF2-40B4-BE49-F238E27FC236}">
-                <a16:creationId xmlns:a16="http://schemas.microsoft.com/office/drawing/2014/main" id="{F62FE127-1CF5-4C62-90C2-AE0F931F8D24}"/>
-              </a:ext>
-            </a:extLst>
-          </p:cNvPr>
-          <p:cNvSpPr txBox="1"/>
-          <p:nvPr/>
-        </p:nvSpPr>
-        <p:spPr>
-          <a:xfrm>
-            <a:off x="6389703" y="2461287"/>
-            <a:ext cx="1036502" cy="369332"/>
-          </a:xfrm>
-          <a:prstGeom prst="rect">
-            <a:avLst/>
-          </a:prstGeom>
-          <a:noFill/>
-        </p:spPr>
-        <p:txBody>
-          <a:bodyPr wrap="none" rtlCol="0">
-            <a:spAutoFit/>
-          </a:bodyPr>
-          <a:lstStyle/>
-          <a:p>
-            <a:r>
-              <a:rPr lang="de-DE" dirty="0" err="1"/>
-              <a:t>feedback</a:t>
-            </a:r>
-            <a:endParaRPr lang="de-DE" dirty="0"/>
-          </a:p>
-        </p:txBody>
-      </p:sp>
+            <a:br>
+              <a:rPr lang="de-DE" sz="1100" dirty="0"/>
+            </a:br>
+            <a:r>
+              <a:rPr lang="de-DE" sz="1100" dirty="0" err="1">
+                <a:solidFill>
+                  <a:schemeClr val="accent6">
+                    <a:lumMod val="75000"/>
+                  </a:schemeClr>
+                </a:solidFill>
+              </a:rPr>
+              <a:t>Uncertainty</a:t>
+            </a:r>
+            <a:br>
+              <a:rPr lang="de-DE" sz="1100" dirty="0"/>
+            </a:br>
+            <a:r>
+              <a:rPr lang="de-DE" sz="1100" dirty="0">
+                <a:solidFill>
+                  <a:schemeClr val="accent6">
+                    <a:lumMod val="75000"/>
+                  </a:schemeClr>
+                </a:solidFill>
+              </a:rPr>
+              <a:t>Sampling</a:t>
+            </a:r>
+          </a:p>
+        </p:txBody>
+      </p:sp>
+      <p:pic>
+        <p:nvPicPr>
+          <p:cNvPr id="7" name="Grafik 6">
+            <a:extLst>
+              <a:ext uri="{FF2B5EF4-FFF2-40B4-BE49-F238E27FC236}">
+                <a16:creationId xmlns:a16="http://schemas.microsoft.com/office/drawing/2014/main" id="{E905B023-0493-45F8-B162-9170DF6E9393}"/>
+              </a:ext>
+            </a:extLst>
+          </p:cNvPr>
+          <p:cNvPicPr>
+            <a:picLocks noChangeAspect="1"/>
+          </p:cNvPicPr>
+          <p:nvPr/>
+        </p:nvPicPr>
+        <p:blipFill>
+          <a:blip r:embed="rId15"/>
+          <a:stretch>
+            <a:fillRect/>
+          </a:stretch>
+        </p:blipFill>
+        <p:spPr>
+          <a:xfrm>
+            <a:off x="4827792" y="2422946"/>
+            <a:ext cx="683566" cy="198856"/>
+          </a:xfrm>
+          <a:prstGeom prst="rect">
+            <a:avLst/>
+          </a:prstGeom>
+        </p:spPr>
+      </p:pic>
     </p:spTree>
     <p:extLst>
       <p:ext uri="{BB962C8B-B14F-4D97-AF65-F5344CB8AC3E}">
-        <p14:creationId xmlns:p14="http://schemas.microsoft.com/office/powerpoint/2010/main" val="1339154541"/>
+        <p14:creationId xmlns:p14="http://schemas.microsoft.com/office/powerpoint/2010/main" val="2147388716"/>
+      </p:ext>
+    </p:extLst>
+  </p:cSld>
+  <p:clrMapOvr>
+    <a:masterClrMapping/>
+  </p:clrMapOvr>
+</p:sld>
+</file>
+
+<file path=ppt/slides/slide5.xml><?xml version="1.0" encoding="utf-8"?>
+<p:sld xmlns:a="http://schemas.openxmlformats.org/drawingml/2006/main" xmlns:r="http://schemas.openxmlformats.org/officeDocument/2006/relationships" xmlns:p="http://schemas.openxmlformats.org/presentationml/2006/main">
+  <p:cSld>
+    <p:spTree>
+      <p:nvGrpSpPr>
+        <p:cNvPr id="1" name=""/>
+        <p:cNvGrpSpPr/>
+        <p:nvPr/>
+      </p:nvGrpSpPr>
+      <p:grpSpPr>
+        <a:xfrm>
+          <a:off x="0" y="0"/>
+          <a:ext cx="0" cy="0"/>
+          <a:chOff x="0" y="0"/>
+          <a:chExt cx="0" cy="0"/>
+        </a:xfrm>
+      </p:grpSpPr>
+      <p:sp>
+        <p:nvSpPr>
+          <p:cNvPr id="2" name="Titel 1">
+            <a:extLst>
+              <a:ext uri="{FF2B5EF4-FFF2-40B4-BE49-F238E27FC236}">
+                <a16:creationId xmlns:a16="http://schemas.microsoft.com/office/drawing/2014/main" id="{6C74326F-CAFD-4E3C-A7E1-A8B930F2B498}"/>
+              </a:ext>
+            </a:extLst>
+          </p:cNvPr>
+          <p:cNvSpPr>
+            <a:spLocks noGrp="1"/>
+          </p:cNvSpPr>
+          <p:nvPr>
+            <p:ph type="title"/>
+          </p:nvPr>
+        </p:nvSpPr>
+        <p:spPr>
+          <a:xfrm>
+            <a:off x="838200" y="365125"/>
+            <a:ext cx="10515600" cy="597199"/>
+          </a:xfrm>
+        </p:spPr>
+        <p:txBody>
+          <a:bodyPr>
+            <a:normAutofit fontScale="90000"/>
+          </a:bodyPr>
+          <a:lstStyle/>
+          <a:p>
+            <a:r>
+              <a:rPr lang="de-DE" sz="4000" dirty="0"/>
+              <a:t>2.2) </a:t>
+            </a:r>
+            <a:r>
+              <a:rPr lang="de-DE" sz="4000" dirty="0" err="1"/>
+              <a:t>Improve</a:t>
+            </a:r>
+            <a:r>
+              <a:rPr lang="de-DE" sz="4000" dirty="0"/>
+              <a:t> Sampling </a:t>
+            </a:r>
+            <a:r>
+              <a:rPr lang="de-DE" sz="4000" dirty="0" err="1"/>
+              <a:t>of</a:t>
+            </a:r>
+            <a:r>
+              <a:rPr lang="de-DE" sz="4000" dirty="0"/>
+              <a:t> </a:t>
+            </a:r>
+            <a:r>
+              <a:rPr lang="de-DE" sz="4000" dirty="0" err="1"/>
+              <a:t>generator</a:t>
+            </a:r>
+            <a:r>
+              <a:rPr lang="de-DE" sz="4000" dirty="0"/>
+              <a:t> </a:t>
+            </a:r>
+            <a:r>
+              <a:rPr lang="de-DE" sz="2000" dirty="0"/>
+              <a:t>(</a:t>
+            </a:r>
+            <a:r>
+              <a:rPr lang="de-DE" sz="2000" dirty="0" err="1"/>
+              <a:t>by</a:t>
+            </a:r>
+            <a:r>
+              <a:rPr lang="de-DE" sz="2000" dirty="0"/>
+              <a:t> </a:t>
+            </a:r>
+            <a:r>
+              <a:rPr lang="de-DE" sz="2000" dirty="0" err="1"/>
+              <a:t>Uncertainty</a:t>
+            </a:r>
+            <a:r>
+              <a:rPr lang="de-DE" sz="2000" dirty="0"/>
+              <a:t> Sampling)</a:t>
+            </a:r>
+            <a:endParaRPr lang="de-DE" dirty="0"/>
+          </a:p>
+        </p:txBody>
+      </p:sp>
+      <p:pic>
+        <p:nvPicPr>
+          <p:cNvPr id="13" name="Grafik 12">
+            <a:extLst>
+              <a:ext uri="{FF2B5EF4-FFF2-40B4-BE49-F238E27FC236}">
+                <a16:creationId xmlns:a16="http://schemas.microsoft.com/office/drawing/2014/main" id="{71D0A83C-ED49-4F71-BC11-73611F7C1771}"/>
+              </a:ext>
+            </a:extLst>
+          </p:cNvPr>
+          <p:cNvPicPr>
+            <a:picLocks noChangeAspect="1"/>
+          </p:cNvPicPr>
+          <p:nvPr/>
+        </p:nvPicPr>
+        <p:blipFill>
+          <a:blip r:embed="rId2"/>
+          <a:stretch>
+            <a:fillRect/>
+          </a:stretch>
+        </p:blipFill>
+        <p:spPr>
+          <a:xfrm>
+            <a:off x="1712228" y="862028"/>
+            <a:ext cx="8404895" cy="2959788"/>
+          </a:xfrm>
+          <a:prstGeom prst="rect">
+            <a:avLst/>
+          </a:prstGeom>
+        </p:spPr>
+      </p:pic>
+      <p:sp>
+        <p:nvSpPr>
+          <p:cNvPr id="15" name="Textfeld 14">
+            <a:extLst>
+              <a:ext uri="{FF2B5EF4-FFF2-40B4-BE49-F238E27FC236}">
+                <a16:creationId xmlns:a16="http://schemas.microsoft.com/office/drawing/2014/main" id="{F5C5E36A-799E-4BC2-82AC-7ED8158A4402}"/>
+              </a:ext>
+            </a:extLst>
+          </p:cNvPr>
+          <p:cNvSpPr txBox="1"/>
+          <p:nvPr/>
+        </p:nvSpPr>
+        <p:spPr>
+          <a:xfrm>
+            <a:off x="2086257" y="1170250"/>
+            <a:ext cx="749222" cy="369332"/>
+          </a:xfrm>
+          <a:prstGeom prst="rect">
+            <a:avLst/>
+          </a:prstGeom>
+          <a:noFill/>
+        </p:spPr>
+        <p:txBody>
+          <a:bodyPr wrap="square" rtlCol="0">
+            <a:spAutoFit/>
+          </a:bodyPr>
+          <a:lstStyle/>
+          <a:p>
+            <a:r>
+              <a:rPr lang="de-DE" dirty="0" err="1"/>
+              <a:t>Neg</a:t>
+            </a:r>
+            <a:endParaRPr lang="de-DE" dirty="0"/>
+          </a:p>
+        </p:txBody>
+      </p:sp>
+      <p:sp>
+        <p:nvSpPr>
+          <p:cNvPr id="16" name="Ellipse 15">
+            <a:extLst>
+              <a:ext uri="{FF2B5EF4-FFF2-40B4-BE49-F238E27FC236}">
+                <a16:creationId xmlns:a16="http://schemas.microsoft.com/office/drawing/2014/main" id="{D1D29BBC-0FAC-4649-BDE5-ECA1A4C5B8C0}"/>
+              </a:ext>
+            </a:extLst>
+          </p:cNvPr>
+          <p:cNvSpPr/>
+          <p:nvPr/>
+        </p:nvSpPr>
+        <p:spPr>
+          <a:xfrm>
+            <a:off x="1712227" y="1486210"/>
+            <a:ext cx="1257475" cy="1886163"/>
+          </a:xfrm>
+          <a:prstGeom prst="ellipse">
+            <a:avLst/>
+          </a:prstGeom>
+          <a:noFill/>
+          <a:ln>
+            <a:solidFill>
+              <a:schemeClr val="tx1"/>
+            </a:solidFill>
+          </a:ln>
+        </p:spPr>
+        <p:style>
+          <a:lnRef idx="2">
+            <a:schemeClr val="accent1">
+              <a:shade val="50000"/>
+            </a:schemeClr>
+          </a:lnRef>
+          <a:fillRef idx="1">
+            <a:schemeClr val="accent1"/>
+          </a:fillRef>
+          <a:effectRef idx="0">
+            <a:schemeClr val="accent1"/>
+          </a:effectRef>
+          <a:fontRef idx="minor">
+            <a:schemeClr val="lt1"/>
+          </a:fontRef>
+        </p:style>
+        <p:txBody>
+          <a:bodyPr rtlCol="0" anchor="ctr"/>
+          <a:lstStyle/>
+          <a:p>
+            <a:pPr algn="ctr"/>
+            <a:endParaRPr lang="de-DE"/>
+          </a:p>
+        </p:txBody>
+      </p:sp>
+      <p:sp>
+        <p:nvSpPr>
+          <p:cNvPr id="17" name="Textfeld 16">
+            <a:extLst>
+              <a:ext uri="{FF2B5EF4-FFF2-40B4-BE49-F238E27FC236}">
+                <a16:creationId xmlns:a16="http://schemas.microsoft.com/office/drawing/2014/main" id="{ABB7B22C-EEBE-4BD4-AC63-A0EC016A2318}"/>
+              </a:ext>
+            </a:extLst>
+          </p:cNvPr>
+          <p:cNvSpPr txBox="1"/>
+          <p:nvPr/>
+        </p:nvSpPr>
+        <p:spPr>
+          <a:xfrm>
+            <a:off x="649206" y="4113312"/>
+            <a:ext cx="8310236" cy="1785104"/>
+          </a:xfrm>
+          <a:prstGeom prst="rect">
+            <a:avLst/>
+          </a:prstGeom>
+          <a:noFill/>
+        </p:spPr>
+        <p:txBody>
+          <a:bodyPr wrap="square" rtlCol="0">
+            <a:spAutoFit/>
+          </a:bodyPr>
+          <a:lstStyle/>
+          <a:p>
+            <a:r>
+              <a:rPr lang="de-DE" b="1" dirty="0" err="1"/>
+              <a:t>Consequences</a:t>
+            </a:r>
+            <a:r>
+              <a:rPr lang="de-DE" b="1" dirty="0"/>
+              <a:t>:</a:t>
+            </a:r>
+          </a:p>
+          <a:p>
+            <a:pPr marL="285750" indent="-285750">
+              <a:buFont typeface="Arial" panose="020B0604020202020204" pitchFamily="34" charset="0"/>
+              <a:buChar char="•"/>
+            </a:pPr>
+            <a:r>
+              <a:rPr lang="de-DE" sz="1400" dirty="0"/>
+              <a:t>Triples </a:t>
+            </a:r>
+            <a:r>
+              <a:rPr lang="de-DE" sz="1400" dirty="0" err="1"/>
+              <a:t>are</a:t>
+            </a:r>
+            <a:r>
+              <a:rPr lang="de-DE" sz="1400" dirty="0"/>
+              <a:t> </a:t>
+            </a:r>
+            <a:r>
+              <a:rPr lang="de-DE" sz="1400" dirty="0" err="1"/>
+              <a:t>sampled</a:t>
+            </a:r>
+            <a:r>
+              <a:rPr lang="de-DE" sz="1400" dirty="0"/>
+              <a:t> </a:t>
+            </a:r>
+            <a:r>
+              <a:rPr lang="de-DE" sz="1400" dirty="0" err="1"/>
+              <a:t>with</a:t>
+            </a:r>
+            <a:r>
+              <a:rPr lang="de-DE" sz="1400" dirty="0"/>
+              <a:t> p~0.5 (least </a:t>
+            </a:r>
+            <a:r>
+              <a:rPr lang="de-DE" sz="1400" dirty="0" err="1"/>
+              <a:t>certain</a:t>
+            </a:r>
+            <a:r>
+              <a:rPr lang="de-DE" sz="1400" dirty="0"/>
+              <a:t> </a:t>
+            </a:r>
+            <a:r>
+              <a:rPr lang="de-DE" sz="1400" dirty="0" err="1"/>
+              <a:t>if</a:t>
+            </a:r>
+            <a:r>
+              <a:rPr lang="de-DE" sz="1400" dirty="0"/>
+              <a:t> </a:t>
+            </a:r>
+            <a:r>
+              <a:rPr lang="de-DE" sz="1400" dirty="0" err="1"/>
+              <a:t>it</a:t>
+            </a:r>
+            <a:r>
+              <a:rPr lang="de-DE" sz="1400" dirty="0"/>
+              <a:t> </a:t>
+            </a:r>
+            <a:r>
+              <a:rPr lang="de-DE" sz="1400" dirty="0" err="1"/>
+              <a:t>is</a:t>
+            </a:r>
+            <a:r>
+              <a:rPr lang="de-DE" sz="1400" dirty="0"/>
+              <a:t> a </a:t>
+            </a:r>
+            <a:r>
+              <a:rPr lang="de-DE" sz="1400" dirty="0" err="1"/>
+              <a:t>good</a:t>
+            </a:r>
+            <a:r>
+              <a:rPr lang="de-DE" sz="1400" dirty="0"/>
+              <a:t> negative </a:t>
+            </a:r>
+            <a:r>
+              <a:rPr lang="de-DE" sz="1400" dirty="0" err="1"/>
+              <a:t>or</a:t>
+            </a:r>
+            <a:r>
+              <a:rPr lang="de-DE" sz="1400" dirty="0"/>
+              <a:t> a </a:t>
+            </a:r>
+            <a:r>
+              <a:rPr lang="de-DE" sz="1400" dirty="0" err="1"/>
+              <a:t>bad</a:t>
+            </a:r>
+            <a:r>
+              <a:rPr lang="de-DE" sz="1400" dirty="0"/>
+              <a:t> positive </a:t>
+            </a:r>
+            <a:r>
+              <a:rPr lang="de-DE" sz="1400" dirty="0" err="1"/>
+              <a:t>triple</a:t>
+            </a:r>
+            <a:r>
+              <a:rPr lang="de-DE" sz="1400" dirty="0"/>
+              <a:t>)</a:t>
+            </a:r>
+          </a:p>
+          <a:p>
+            <a:pPr marL="285750" indent="-285750">
+              <a:buFont typeface="Arial" panose="020B0604020202020204" pitchFamily="34" charset="0"/>
+              <a:buChar char="•"/>
+            </a:pPr>
+            <a:r>
+              <a:rPr lang="de-DE" sz="1400" dirty="0" err="1"/>
+              <a:t>we</a:t>
+            </a:r>
+            <a:r>
+              <a:rPr lang="de-DE" sz="1400" dirty="0"/>
+              <a:t> </a:t>
+            </a:r>
+            <a:r>
+              <a:rPr lang="de-DE" sz="1400" dirty="0" err="1"/>
+              <a:t>want</a:t>
+            </a:r>
+            <a:r>
+              <a:rPr lang="de-DE" sz="1400" dirty="0"/>
+              <a:t> </a:t>
+            </a:r>
+            <a:r>
+              <a:rPr lang="de-DE" sz="1400" dirty="0" err="1"/>
+              <a:t>to</a:t>
+            </a:r>
+            <a:r>
+              <a:rPr lang="de-DE" sz="1400" dirty="0"/>
+              <a:t> </a:t>
+            </a:r>
+            <a:r>
+              <a:rPr lang="de-DE" sz="1400" dirty="0" err="1"/>
+              <a:t>have</a:t>
+            </a:r>
+            <a:r>
+              <a:rPr lang="de-DE" sz="1400" dirty="0"/>
+              <a:t> </a:t>
+            </a:r>
+            <a:r>
+              <a:rPr lang="de-DE" sz="1400" dirty="0" err="1"/>
+              <a:t>instances</a:t>
+            </a:r>
+            <a:r>
+              <a:rPr lang="de-DE" sz="1400" dirty="0"/>
+              <a:t> </a:t>
+            </a:r>
+            <a:r>
+              <a:rPr lang="de-DE" sz="1400" dirty="0" err="1"/>
+              <a:t>next</a:t>
+            </a:r>
+            <a:r>
+              <a:rPr lang="de-DE" sz="1400" dirty="0"/>
+              <a:t> </a:t>
+            </a:r>
+            <a:r>
+              <a:rPr lang="de-DE" sz="1400" dirty="0" err="1"/>
+              <a:t>to</a:t>
+            </a:r>
+            <a:r>
+              <a:rPr lang="de-DE" sz="1400" dirty="0"/>
+              <a:t> 0.5, a </a:t>
+            </a:r>
+            <a:r>
+              <a:rPr lang="de-DE" sz="1400" dirty="0" err="1"/>
+              <a:t>bit</a:t>
+            </a:r>
+            <a:r>
+              <a:rPr lang="de-DE" sz="1400" dirty="0"/>
+              <a:t> </a:t>
+            </a:r>
+            <a:r>
+              <a:rPr lang="de-DE" sz="1400" dirty="0" err="1"/>
+              <a:t>smaller</a:t>
+            </a:r>
+            <a:endParaRPr lang="de-DE" sz="1400" dirty="0"/>
+          </a:p>
+          <a:p>
+            <a:br>
+              <a:rPr lang="de-DE" sz="1400" dirty="0"/>
+            </a:br>
+            <a:br>
+              <a:rPr lang="de-DE" sz="1400" dirty="0"/>
+            </a:br>
+            <a:endParaRPr lang="de-DE" sz="800" dirty="0"/>
+          </a:p>
+          <a:p>
+            <a:br>
+              <a:rPr lang="de-DE" sz="1400" dirty="0"/>
+            </a:br>
+            <a:endParaRPr lang="de-DE" sz="1400" dirty="0"/>
+          </a:p>
+        </p:txBody>
+      </p:sp>
+      <p:pic>
+        <p:nvPicPr>
+          <p:cNvPr id="29" name="Grafik 28">
+            <a:extLst>
+              <a:ext uri="{FF2B5EF4-FFF2-40B4-BE49-F238E27FC236}">
+                <a16:creationId xmlns:a16="http://schemas.microsoft.com/office/drawing/2014/main" id="{2CCE2DD3-C638-42B2-AE0B-D1556698CB86}"/>
+              </a:ext>
+            </a:extLst>
+          </p:cNvPr>
+          <p:cNvPicPr>
+            <a:picLocks noChangeAspect="1"/>
+          </p:cNvPicPr>
+          <p:nvPr/>
+        </p:nvPicPr>
+        <p:blipFill>
+          <a:blip r:embed="rId3"/>
+          <a:stretch>
+            <a:fillRect/>
+          </a:stretch>
+        </p:blipFill>
+        <p:spPr>
+          <a:xfrm>
+            <a:off x="649207" y="3447319"/>
+            <a:ext cx="2320495" cy="276798"/>
+          </a:xfrm>
+          <a:prstGeom prst="rect">
+            <a:avLst/>
+          </a:prstGeom>
+        </p:spPr>
+      </p:pic>
+      <p:sp>
+        <p:nvSpPr>
+          <p:cNvPr id="18" name="Rechteck 17">
+            <a:extLst>
+              <a:ext uri="{FF2B5EF4-FFF2-40B4-BE49-F238E27FC236}">
+                <a16:creationId xmlns:a16="http://schemas.microsoft.com/office/drawing/2014/main" id="{FE62B8CF-E3CF-4033-A796-15862C420198}"/>
+              </a:ext>
+            </a:extLst>
+          </p:cNvPr>
+          <p:cNvSpPr/>
+          <p:nvPr/>
+        </p:nvSpPr>
+        <p:spPr>
+          <a:xfrm>
+            <a:off x="4244808" y="1423859"/>
+            <a:ext cx="3201446" cy="2089457"/>
+          </a:xfrm>
+          <a:prstGeom prst="rect">
+            <a:avLst/>
+          </a:prstGeom>
+          <a:solidFill>
+            <a:schemeClr val="bg1"/>
+          </a:solidFill>
+          <a:ln>
+            <a:solidFill>
+              <a:schemeClr val="bg1"/>
+            </a:solidFill>
+          </a:ln>
+        </p:spPr>
+        <p:style>
+          <a:lnRef idx="2">
+            <a:schemeClr val="accent1">
+              <a:shade val="50000"/>
+            </a:schemeClr>
+          </a:lnRef>
+          <a:fillRef idx="1">
+            <a:schemeClr val="accent1"/>
+          </a:fillRef>
+          <a:effectRef idx="0">
+            <a:schemeClr val="accent1"/>
+          </a:effectRef>
+          <a:fontRef idx="minor">
+            <a:schemeClr val="lt1"/>
+          </a:fontRef>
+        </p:style>
+        <p:txBody>
+          <a:bodyPr rtlCol="0" anchor="ctr"/>
+          <a:lstStyle/>
+          <a:p>
+            <a:pPr algn="ctr"/>
+            <a:endParaRPr lang="de-DE"/>
+          </a:p>
+        </p:txBody>
+      </p:sp>
+      <p:sp>
+        <p:nvSpPr>
+          <p:cNvPr id="42" name="Rechteck 41">
+            <a:extLst>
+              <a:ext uri="{FF2B5EF4-FFF2-40B4-BE49-F238E27FC236}">
+                <a16:creationId xmlns:a16="http://schemas.microsoft.com/office/drawing/2014/main" id="{45B18AF0-AAF5-4146-B3A6-42F35BB37B2F}"/>
+              </a:ext>
+            </a:extLst>
+          </p:cNvPr>
+          <p:cNvSpPr/>
+          <p:nvPr/>
+        </p:nvSpPr>
+        <p:spPr>
+          <a:xfrm>
+            <a:off x="4384704" y="1279506"/>
+            <a:ext cx="983355" cy="2089457"/>
+          </a:xfrm>
+          <a:prstGeom prst="rect">
+            <a:avLst/>
+          </a:prstGeom>
+          <a:solidFill>
+            <a:schemeClr val="bg1"/>
+          </a:solidFill>
+          <a:ln>
+            <a:solidFill>
+              <a:schemeClr val="bg1"/>
+            </a:solidFill>
+          </a:ln>
+        </p:spPr>
+        <p:style>
+          <a:lnRef idx="2">
+            <a:schemeClr val="accent1">
+              <a:shade val="50000"/>
+            </a:schemeClr>
+          </a:lnRef>
+          <a:fillRef idx="1">
+            <a:schemeClr val="accent1"/>
+          </a:fillRef>
+          <a:effectRef idx="0">
+            <a:schemeClr val="accent1"/>
+          </a:effectRef>
+          <a:fontRef idx="minor">
+            <a:schemeClr val="lt1"/>
+          </a:fontRef>
+        </p:style>
+        <p:txBody>
+          <a:bodyPr rtlCol="0" anchor="ctr"/>
+          <a:lstStyle/>
+          <a:p>
+            <a:pPr algn="ctr"/>
+            <a:endParaRPr lang="de-DE"/>
+          </a:p>
+        </p:txBody>
+      </p:sp>
+      <p:grpSp>
+        <p:nvGrpSpPr>
+          <p:cNvPr id="43" name="Gruppieren 42">
+            <a:extLst>
+              <a:ext uri="{FF2B5EF4-FFF2-40B4-BE49-F238E27FC236}">
+                <a16:creationId xmlns:a16="http://schemas.microsoft.com/office/drawing/2014/main" id="{CB043757-56FC-46C7-90E2-0D2AD56C4CB2}"/>
+              </a:ext>
+            </a:extLst>
+          </p:cNvPr>
+          <p:cNvGrpSpPr/>
+          <p:nvPr/>
+        </p:nvGrpSpPr>
+        <p:grpSpPr>
+          <a:xfrm>
+            <a:off x="5035155" y="1377492"/>
+            <a:ext cx="1365977" cy="2270664"/>
+            <a:chOff x="6191838" y="1893933"/>
+            <a:chExt cx="4168835" cy="4392759"/>
+          </a:xfrm>
+        </p:grpSpPr>
+        <p:pic>
+          <p:nvPicPr>
+            <p:cNvPr id="44" name="Grafik 43">
+              <a:extLst>
+                <a:ext uri="{FF2B5EF4-FFF2-40B4-BE49-F238E27FC236}">
+                  <a16:creationId xmlns:a16="http://schemas.microsoft.com/office/drawing/2014/main" id="{75B32F73-F302-4E94-ADB8-983AE83AA589}"/>
+                </a:ext>
+              </a:extLst>
+            </p:cNvPr>
+            <p:cNvPicPr>
+              <a:picLocks noChangeAspect="1"/>
+            </p:cNvPicPr>
+            <p:nvPr/>
+          </p:nvPicPr>
+          <p:blipFill>
+            <a:blip r:embed="rId4"/>
+            <a:stretch>
+              <a:fillRect/>
+            </a:stretch>
+          </p:blipFill>
+          <p:spPr>
+            <a:xfrm>
+              <a:off x="6250588" y="1893933"/>
+              <a:ext cx="4110085" cy="4392759"/>
+            </a:xfrm>
+            <a:prstGeom prst="rect">
+              <a:avLst/>
+            </a:prstGeom>
+          </p:spPr>
+        </p:pic>
+        <p:sp>
+          <p:nvSpPr>
+            <p:cNvPr id="45" name="Textfeld 44">
+              <a:extLst>
+                <a:ext uri="{FF2B5EF4-FFF2-40B4-BE49-F238E27FC236}">
+                  <a16:creationId xmlns:a16="http://schemas.microsoft.com/office/drawing/2014/main" id="{4CDF2764-F77A-472A-8941-D98EEBE2E167}"/>
+                </a:ext>
+              </a:extLst>
+            </p:cNvPr>
+            <p:cNvSpPr txBox="1"/>
+            <p:nvPr/>
+          </p:nvSpPr>
+          <p:spPr>
+            <a:xfrm>
+              <a:off x="6191838" y="2923144"/>
+              <a:ext cx="2618314" cy="1161059"/>
+            </a:xfrm>
+            <a:prstGeom prst="rect">
+              <a:avLst/>
+            </a:prstGeom>
+            <a:noFill/>
+          </p:spPr>
+          <p:txBody>
+            <a:bodyPr wrap="none" rtlCol="0">
+              <a:spAutoFit/>
+            </a:bodyPr>
+            <a:lstStyle/>
+            <a:p>
+              <a:br>
+                <a:rPr lang="de-DE" sz="1100" dirty="0"/>
+              </a:br>
+              <a:r>
+                <a:rPr lang="de-DE" sz="1100" dirty="0" err="1"/>
+                <a:t>Uncertainty</a:t>
+              </a:r>
+              <a:br>
+                <a:rPr lang="de-DE" sz="1100" dirty="0"/>
+              </a:br>
+              <a:r>
+                <a:rPr lang="de-DE" sz="1100" dirty="0"/>
+                <a:t>Sampling</a:t>
+              </a:r>
+            </a:p>
+          </p:txBody>
+        </p:sp>
+      </p:grpSp>
+      <p:pic>
+        <p:nvPicPr>
+          <p:cNvPr id="21" name="Grafik 20">
+            <a:extLst>
+              <a:ext uri="{FF2B5EF4-FFF2-40B4-BE49-F238E27FC236}">
+                <a16:creationId xmlns:a16="http://schemas.microsoft.com/office/drawing/2014/main" id="{043F39E3-5C9C-474B-AC59-56B5CE24BD19}"/>
+              </a:ext>
+            </a:extLst>
+          </p:cNvPr>
+          <p:cNvPicPr>
+            <a:picLocks noChangeAspect="1"/>
+          </p:cNvPicPr>
+          <p:nvPr/>
+        </p:nvPicPr>
+        <p:blipFill>
+          <a:blip r:embed="rId5"/>
+          <a:stretch>
+            <a:fillRect/>
+          </a:stretch>
+        </p:blipFill>
+        <p:spPr>
+          <a:xfrm>
+            <a:off x="5150499" y="2508098"/>
+            <a:ext cx="863472" cy="278409"/>
+          </a:xfrm>
+          <a:prstGeom prst="rect">
+            <a:avLst/>
+          </a:prstGeom>
+        </p:spPr>
+      </p:pic>
+      <p:pic>
+        <p:nvPicPr>
+          <p:cNvPr id="25" name="Grafik 24">
+            <a:extLst>
+              <a:ext uri="{FF2B5EF4-FFF2-40B4-BE49-F238E27FC236}">
+                <a16:creationId xmlns:a16="http://schemas.microsoft.com/office/drawing/2014/main" id="{2D3C4E22-C696-4A60-839D-0EEE04FE4A88}"/>
+              </a:ext>
+            </a:extLst>
+          </p:cNvPr>
+          <p:cNvPicPr>
+            <a:picLocks noChangeAspect="1"/>
+          </p:cNvPicPr>
+          <p:nvPr/>
+        </p:nvPicPr>
+        <p:blipFill>
+          <a:blip r:embed="rId6"/>
+          <a:stretch>
+            <a:fillRect/>
+          </a:stretch>
+        </p:blipFill>
+        <p:spPr>
+          <a:xfrm>
+            <a:off x="6246751" y="2057616"/>
+            <a:ext cx="1596416" cy="232206"/>
+          </a:xfrm>
+          <a:prstGeom prst="rect">
+            <a:avLst/>
+          </a:prstGeom>
+        </p:spPr>
+      </p:pic>
+      <p:sp>
+        <p:nvSpPr>
+          <p:cNvPr id="28" name="Textfeld 27">
+            <a:extLst>
+              <a:ext uri="{FF2B5EF4-FFF2-40B4-BE49-F238E27FC236}">
+                <a16:creationId xmlns:a16="http://schemas.microsoft.com/office/drawing/2014/main" id="{2275F5AC-B708-411F-9DD5-E95A470DE524}"/>
+              </a:ext>
+            </a:extLst>
+          </p:cNvPr>
+          <p:cNvSpPr txBox="1"/>
+          <p:nvPr/>
+        </p:nvSpPr>
+        <p:spPr>
+          <a:xfrm>
+            <a:off x="588386" y="3667722"/>
+            <a:ext cx="5393552" cy="246221"/>
+          </a:xfrm>
+          <a:prstGeom prst="rect">
+            <a:avLst/>
+          </a:prstGeom>
+          <a:noFill/>
+        </p:spPr>
+        <p:txBody>
+          <a:bodyPr wrap="square" rtlCol="0">
+            <a:spAutoFit/>
+          </a:bodyPr>
+          <a:lstStyle/>
+          <a:p>
+            <a:pPr algn="l"/>
+            <a:r>
+              <a:rPr lang="en-US" sz="1000" b="0" i="0" u="none" strike="noStrike" baseline="0" dirty="0">
+                <a:latin typeface="NimbusRomNo9L-Regu"/>
+                <a:sym typeface="Wingdings" panose="05000000000000000000" pitchFamily="2" charset="2"/>
+              </a:rPr>
+              <a:t> </a:t>
+            </a:r>
+            <a:r>
+              <a:rPr lang="en-US" sz="1000" b="0" i="0" u="none" strike="noStrike" baseline="0" dirty="0">
+                <a:latin typeface="NimbusRomNo9L-Regu"/>
+              </a:rPr>
+              <a:t>uniformly sampling of N</a:t>
+            </a:r>
+            <a:r>
+              <a:rPr lang="en-US" sz="1000" b="0" i="0" u="none" strike="noStrike" baseline="-25000" dirty="0">
+                <a:latin typeface="CMMI10"/>
+              </a:rPr>
+              <a:t>s</a:t>
+            </a:r>
+            <a:r>
+              <a:rPr lang="en-US" sz="1000" b="0" i="0" u="none" strike="noStrike" baseline="0" dirty="0">
+                <a:latin typeface="CMMI8"/>
+              </a:rPr>
+              <a:t> </a:t>
+            </a:r>
+            <a:r>
+              <a:rPr lang="en-US" sz="1000" b="0" i="0" u="none" strike="noStrike" baseline="0" dirty="0">
+                <a:latin typeface="NimbusRomNo9L-Regu"/>
+              </a:rPr>
+              <a:t>entities (small number) from </a:t>
+            </a:r>
+            <a:r>
+              <a:rPr lang="en-US" sz="1000" b="0" i="0" u="none" strike="noStrike" baseline="0" dirty="0">
+                <a:latin typeface="CMSY10"/>
+              </a:rPr>
+              <a:t>E </a:t>
+            </a:r>
+            <a:r>
+              <a:rPr lang="en-US" sz="1000" b="0" i="0" u="none" strike="noStrike" baseline="0" dirty="0">
+                <a:latin typeface="NimbusRomNo9L-Regu"/>
+              </a:rPr>
+              <a:t>to replace </a:t>
+            </a:r>
+            <a:r>
+              <a:rPr lang="en-US" sz="1000" b="0" i="0" u="none" strike="noStrike" baseline="0" dirty="0">
+                <a:latin typeface="CMMI10"/>
+              </a:rPr>
+              <a:t>h </a:t>
+            </a:r>
+            <a:r>
+              <a:rPr lang="en-US" sz="1000" b="0" i="0" u="none" strike="noStrike" baseline="0" dirty="0">
+                <a:latin typeface="NimbusRomNo9L-Regu"/>
+              </a:rPr>
+              <a:t>or </a:t>
+            </a:r>
+            <a:r>
+              <a:rPr lang="en-US" sz="1000" b="0" i="0" u="none" strike="noStrike" baseline="0" dirty="0">
+                <a:latin typeface="CMMI10"/>
+              </a:rPr>
+              <a:t>t</a:t>
+            </a:r>
+            <a:r>
+              <a:rPr lang="en-US" sz="1000" b="0" i="0" u="none" strike="noStrike" baseline="0" dirty="0">
+                <a:latin typeface="NimbusRomNo9L-Regu"/>
+              </a:rPr>
+              <a:t>.</a:t>
+            </a:r>
+            <a:endParaRPr lang="de-DE" sz="1000" dirty="0"/>
+          </a:p>
+        </p:txBody>
+      </p:sp>
+      <p:pic>
+        <p:nvPicPr>
+          <p:cNvPr id="24" name="Grafik 23">
+            <a:extLst>
+              <a:ext uri="{FF2B5EF4-FFF2-40B4-BE49-F238E27FC236}">
+                <a16:creationId xmlns:a16="http://schemas.microsoft.com/office/drawing/2014/main" id="{B685D5B4-DAC1-4F3E-99CD-96B82F231445}"/>
+              </a:ext>
+            </a:extLst>
+          </p:cNvPr>
+          <p:cNvPicPr>
+            <a:picLocks noChangeAspect="1"/>
+          </p:cNvPicPr>
+          <p:nvPr/>
+        </p:nvPicPr>
+        <p:blipFill>
+          <a:blip r:embed="rId7"/>
+          <a:stretch>
+            <a:fillRect/>
+          </a:stretch>
+        </p:blipFill>
+        <p:spPr>
+          <a:xfrm>
+            <a:off x="5893082" y="3416763"/>
+            <a:ext cx="1119995" cy="204614"/>
+          </a:xfrm>
+          <a:prstGeom prst="rect">
+            <a:avLst/>
+          </a:prstGeom>
+        </p:spPr>
+      </p:pic>
+      <p:pic>
+        <p:nvPicPr>
+          <p:cNvPr id="30" name="Grafik 29">
+            <a:extLst>
+              <a:ext uri="{FF2B5EF4-FFF2-40B4-BE49-F238E27FC236}">
+                <a16:creationId xmlns:a16="http://schemas.microsoft.com/office/drawing/2014/main" id="{0A69E305-4FB4-4A15-A4F8-68B8ACC04BFA}"/>
+              </a:ext>
+            </a:extLst>
+          </p:cNvPr>
+          <p:cNvPicPr>
+            <a:picLocks noChangeAspect="1"/>
+          </p:cNvPicPr>
+          <p:nvPr/>
+        </p:nvPicPr>
+        <p:blipFill>
+          <a:blip r:embed="rId8"/>
+          <a:stretch>
+            <a:fillRect/>
+          </a:stretch>
+        </p:blipFill>
+        <p:spPr>
+          <a:xfrm>
+            <a:off x="7139692" y="1559744"/>
+            <a:ext cx="530844" cy="248623"/>
+          </a:xfrm>
+          <a:prstGeom prst="rect">
+            <a:avLst/>
+          </a:prstGeom>
+        </p:spPr>
+      </p:pic>
+      <p:pic>
+        <p:nvPicPr>
+          <p:cNvPr id="31" name="Grafik 30">
+            <a:extLst>
+              <a:ext uri="{FF2B5EF4-FFF2-40B4-BE49-F238E27FC236}">
+                <a16:creationId xmlns:a16="http://schemas.microsoft.com/office/drawing/2014/main" id="{E77CD6C4-FE53-4642-AF9E-88BDFA497134}"/>
+              </a:ext>
+            </a:extLst>
+          </p:cNvPr>
+          <p:cNvPicPr>
+            <a:picLocks noChangeAspect="1"/>
+          </p:cNvPicPr>
+          <p:nvPr/>
+        </p:nvPicPr>
+        <p:blipFill>
+          <a:blip r:embed="rId9"/>
+          <a:stretch>
+            <a:fillRect/>
+          </a:stretch>
+        </p:blipFill>
+        <p:spPr>
+          <a:xfrm>
+            <a:off x="7044590" y="2923629"/>
+            <a:ext cx="586951" cy="238064"/>
+          </a:xfrm>
+          <a:prstGeom prst="rect">
+            <a:avLst/>
+          </a:prstGeom>
+        </p:spPr>
+      </p:pic>
+      <p:sp>
+        <p:nvSpPr>
+          <p:cNvPr id="33" name="Rechteck 32">
+            <a:extLst>
+              <a:ext uri="{FF2B5EF4-FFF2-40B4-BE49-F238E27FC236}">
+                <a16:creationId xmlns:a16="http://schemas.microsoft.com/office/drawing/2014/main" id="{94E7146E-B752-4799-A1BF-D08991996ABD}"/>
+              </a:ext>
+            </a:extLst>
+          </p:cNvPr>
+          <p:cNvSpPr/>
+          <p:nvPr/>
+        </p:nvSpPr>
+        <p:spPr>
+          <a:xfrm>
+            <a:off x="4252423" y="2953352"/>
+            <a:ext cx="813276" cy="286688"/>
+          </a:xfrm>
+          <a:prstGeom prst="rect">
+            <a:avLst/>
+          </a:prstGeom>
+          <a:solidFill>
+            <a:schemeClr val="bg1"/>
+          </a:solidFill>
+          <a:ln>
+            <a:solidFill>
+              <a:schemeClr val="bg1"/>
+            </a:solidFill>
+          </a:ln>
+        </p:spPr>
+        <p:style>
+          <a:lnRef idx="2">
+            <a:schemeClr val="accent1">
+              <a:shade val="50000"/>
+            </a:schemeClr>
+          </a:lnRef>
+          <a:fillRef idx="1">
+            <a:schemeClr val="accent1"/>
+          </a:fillRef>
+          <a:effectRef idx="0">
+            <a:schemeClr val="accent1"/>
+          </a:effectRef>
+          <a:fontRef idx="minor">
+            <a:schemeClr val="lt1"/>
+          </a:fontRef>
+        </p:style>
+        <p:txBody>
+          <a:bodyPr rtlCol="0" anchor="ctr"/>
+          <a:lstStyle/>
+          <a:p>
+            <a:r>
+              <a:rPr lang="de-DE" sz="1100" dirty="0">
+                <a:solidFill>
+                  <a:schemeClr val="tx1"/>
+                </a:solidFill>
+              </a:rPr>
+              <a:t>Score </a:t>
+            </a:r>
+            <a:r>
+              <a:rPr lang="de-DE" sz="1100" dirty="0">
+                <a:solidFill>
+                  <a:schemeClr val="tx1"/>
+                </a:solidFill>
+                <a:sym typeface="Wingdings" panose="05000000000000000000" pitchFamily="2" charset="2"/>
+              </a:rPr>
+              <a:t> </a:t>
+            </a:r>
+            <a:r>
+              <a:rPr lang="de-DE" sz="1100" dirty="0">
+                <a:solidFill>
+                  <a:schemeClr val="tx1"/>
+                </a:solidFill>
+              </a:rPr>
+              <a:t>p</a:t>
+            </a:r>
+          </a:p>
+        </p:txBody>
+      </p:sp>
+      <p:sp>
+        <p:nvSpPr>
+          <p:cNvPr id="34" name="Rechteck 33">
+            <a:extLst>
+              <a:ext uri="{FF2B5EF4-FFF2-40B4-BE49-F238E27FC236}">
+                <a16:creationId xmlns:a16="http://schemas.microsoft.com/office/drawing/2014/main" id="{FA2394CD-18E4-4EF7-8C36-A33B003A1E8E}"/>
+              </a:ext>
+            </a:extLst>
+          </p:cNvPr>
+          <p:cNvSpPr/>
+          <p:nvPr/>
+        </p:nvSpPr>
+        <p:spPr>
+          <a:xfrm>
+            <a:off x="4236696" y="2582998"/>
+            <a:ext cx="813276" cy="286688"/>
+          </a:xfrm>
+          <a:prstGeom prst="rect">
+            <a:avLst/>
+          </a:prstGeom>
+          <a:solidFill>
+            <a:schemeClr val="bg1"/>
+          </a:solidFill>
+          <a:ln>
+            <a:solidFill>
+              <a:schemeClr val="bg1"/>
+            </a:solidFill>
+          </a:ln>
+        </p:spPr>
+        <p:style>
+          <a:lnRef idx="2">
+            <a:schemeClr val="accent1">
+              <a:shade val="50000"/>
+            </a:schemeClr>
+          </a:lnRef>
+          <a:fillRef idx="1">
+            <a:schemeClr val="accent1"/>
+          </a:fillRef>
+          <a:effectRef idx="0">
+            <a:schemeClr val="accent1"/>
+          </a:effectRef>
+          <a:fontRef idx="minor">
+            <a:schemeClr val="lt1"/>
+          </a:fontRef>
+        </p:style>
+        <p:txBody>
+          <a:bodyPr rtlCol="0" anchor="ctr"/>
+          <a:lstStyle/>
+          <a:p>
+            <a:r>
+              <a:rPr lang="de-DE" sz="1100" dirty="0">
+                <a:solidFill>
+                  <a:schemeClr val="tx1"/>
+                </a:solidFill>
+              </a:rPr>
+              <a:t>Score </a:t>
+            </a:r>
+            <a:r>
+              <a:rPr lang="de-DE" sz="1100" dirty="0">
+                <a:solidFill>
+                  <a:schemeClr val="tx1"/>
+                </a:solidFill>
+                <a:sym typeface="Wingdings" panose="05000000000000000000" pitchFamily="2" charset="2"/>
+              </a:rPr>
+              <a:t> </a:t>
+            </a:r>
+            <a:r>
+              <a:rPr lang="de-DE" sz="1100" dirty="0">
+                <a:solidFill>
+                  <a:schemeClr val="tx1"/>
+                </a:solidFill>
+              </a:rPr>
+              <a:t>p</a:t>
+            </a:r>
+          </a:p>
+        </p:txBody>
+      </p:sp>
+      <p:sp>
+        <p:nvSpPr>
+          <p:cNvPr id="35" name="Rechteck 34">
+            <a:extLst>
+              <a:ext uri="{FF2B5EF4-FFF2-40B4-BE49-F238E27FC236}">
+                <a16:creationId xmlns:a16="http://schemas.microsoft.com/office/drawing/2014/main" id="{A54EB652-FCFB-43AC-BB30-73B02AC76ADB}"/>
+              </a:ext>
+            </a:extLst>
+          </p:cNvPr>
+          <p:cNvSpPr/>
+          <p:nvPr/>
+        </p:nvSpPr>
+        <p:spPr>
+          <a:xfrm>
+            <a:off x="4252423" y="2264820"/>
+            <a:ext cx="813276" cy="286688"/>
+          </a:xfrm>
+          <a:prstGeom prst="rect">
+            <a:avLst/>
+          </a:prstGeom>
+          <a:solidFill>
+            <a:schemeClr val="bg1"/>
+          </a:solidFill>
+          <a:ln>
+            <a:solidFill>
+              <a:schemeClr val="bg1"/>
+            </a:solidFill>
+          </a:ln>
+        </p:spPr>
+        <p:style>
+          <a:lnRef idx="2">
+            <a:schemeClr val="accent1">
+              <a:shade val="50000"/>
+            </a:schemeClr>
+          </a:lnRef>
+          <a:fillRef idx="1">
+            <a:schemeClr val="accent1"/>
+          </a:fillRef>
+          <a:effectRef idx="0">
+            <a:schemeClr val="accent1"/>
+          </a:effectRef>
+          <a:fontRef idx="minor">
+            <a:schemeClr val="lt1"/>
+          </a:fontRef>
+        </p:style>
+        <p:txBody>
+          <a:bodyPr rtlCol="0" anchor="ctr"/>
+          <a:lstStyle/>
+          <a:p>
+            <a:r>
+              <a:rPr lang="de-DE" sz="1100" dirty="0">
+                <a:solidFill>
+                  <a:schemeClr val="tx1"/>
+                </a:solidFill>
+              </a:rPr>
+              <a:t>Score </a:t>
+            </a:r>
+            <a:r>
+              <a:rPr lang="de-DE" sz="1100" dirty="0">
+                <a:solidFill>
+                  <a:schemeClr val="tx1"/>
+                </a:solidFill>
+                <a:sym typeface="Wingdings" panose="05000000000000000000" pitchFamily="2" charset="2"/>
+              </a:rPr>
+              <a:t> </a:t>
+            </a:r>
+            <a:r>
+              <a:rPr lang="de-DE" sz="1100" dirty="0">
+                <a:solidFill>
+                  <a:schemeClr val="tx1"/>
+                </a:solidFill>
+              </a:rPr>
+              <a:t>p</a:t>
+            </a:r>
+          </a:p>
+        </p:txBody>
+      </p:sp>
+      <p:sp>
+        <p:nvSpPr>
+          <p:cNvPr id="36" name="Rechteck 35">
+            <a:extLst>
+              <a:ext uri="{FF2B5EF4-FFF2-40B4-BE49-F238E27FC236}">
+                <a16:creationId xmlns:a16="http://schemas.microsoft.com/office/drawing/2014/main" id="{77B76C66-3A56-4224-BFCF-70025FC60336}"/>
+              </a:ext>
+            </a:extLst>
+          </p:cNvPr>
+          <p:cNvSpPr/>
+          <p:nvPr/>
+        </p:nvSpPr>
+        <p:spPr>
+          <a:xfrm>
+            <a:off x="4236696" y="1897012"/>
+            <a:ext cx="813276" cy="286688"/>
+          </a:xfrm>
+          <a:prstGeom prst="rect">
+            <a:avLst/>
+          </a:prstGeom>
+          <a:solidFill>
+            <a:schemeClr val="bg1"/>
+          </a:solidFill>
+          <a:ln>
+            <a:solidFill>
+              <a:schemeClr val="bg1"/>
+            </a:solidFill>
+          </a:ln>
+        </p:spPr>
+        <p:style>
+          <a:lnRef idx="2">
+            <a:schemeClr val="accent1">
+              <a:shade val="50000"/>
+            </a:schemeClr>
+          </a:lnRef>
+          <a:fillRef idx="1">
+            <a:schemeClr val="accent1"/>
+          </a:fillRef>
+          <a:effectRef idx="0">
+            <a:schemeClr val="accent1"/>
+          </a:effectRef>
+          <a:fontRef idx="minor">
+            <a:schemeClr val="lt1"/>
+          </a:fontRef>
+        </p:style>
+        <p:txBody>
+          <a:bodyPr rtlCol="0" anchor="ctr"/>
+          <a:lstStyle/>
+          <a:p>
+            <a:r>
+              <a:rPr lang="de-DE" sz="1100" dirty="0">
+                <a:solidFill>
+                  <a:schemeClr val="tx1"/>
+                </a:solidFill>
+              </a:rPr>
+              <a:t>Score </a:t>
+            </a:r>
+            <a:r>
+              <a:rPr lang="de-DE" sz="1100" dirty="0">
+                <a:solidFill>
+                  <a:schemeClr val="tx1"/>
+                </a:solidFill>
+                <a:sym typeface="Wingdings" panose="05000000000000000000" pitchFamily="2" charset="2"/>
+              </a:rPr>
+              <a:t> </a:t>
+            </a:r>
+            <a:r>
+              <a:rPr lang="de-DE" sz="1100" dirty="0">
+                <a:solidFill>
+                  <a:schemeClr val="tx1"/>
+                </a:solidFill>
+              </a:rPr>
+              <a:t>p</a:t>
+            </a:r>
+          </a:p>
+        </p:txBody>
+      </p:sp>
+      <p:sp>
+        <p:nvSpPr>
+          <p:cNvPr id="46" name="Rechteck 45">
+            <a:extLst>
+              <a:ext uri="{FF2B5EF4-FFF2-40B4-BE49-F238E27FC236}">
+                <a16:creationId xmlns:a16="http://schemas.microsoft.com/office/drawing/2014/main" id="{A1F58E3B-640C-4F75-A4BE-2FB38F24DA50}"/>
+              </a:ext>
+            </a:extLst>
+          </p:cNvPr>
+          <p:cNvSpPr/>
+          <p:nvPr/>
+        </p:nvSpPr>
+        <p:spPr>
+          <a:xfrm>
+            <a:off x="4252423" y="1514753"/>
+            <a:ext cx="813276" cy="286688"/>
+          </a:xfrm>
+          <a:prstGeom prst="rect">
+            <a:avLst/>
+          </a:prstGeom>
+          <a:solidFill>
+            <a:schemeClr val="bg1"/>
+          </a:solidFill>
+          <a:ln>
+            <a:solidFill>
+              <a:schemeClr val="bg1"/>
+            </a:solidFill>
+          </a:ln>
+        </p:spPr>
+        <p:style>
+          <a:lnRef idx="2">
+            <a:schemeClr val="accent1">
+              <a:shade val="50000"/>
+            </a:schemeClr>
+          </a:lnRef>
+          <a:fillRef idx="1">
+            <a:schemeClr val="accent1"/>
+          </a:fillRef>
+          <a:effectRef idx="0">
+            <a:schemeClr val="accent1"/>
+          </a:effectRef>
+          <a:fontRef idx="minor">
+            <a:schemeClr val="lt1"/>
+          </a:fontRef>
+        </p:style>
+        <p:txBody>
+          <a:bodyPr rtlCol="0" anchor="ctr"/>
+          <a:lstStyle/>
+          <a:p>
+            <a:r>
+              <a:rPr lang="de-DE" sz="1100" dirty="0">
+                <a:solidFill>
+                  <a:schemeClr val="tx1"/>
+                </a:solidFill>
+              </a:rPr>
+              <a:t>Score </a:t>
+            </a:r>
+            <a:r>
+              <a:rPr lang="de-DE" sz="1100" dirty="0">
+                <a:solidFill>
+                  <a:schemeClr val="tx1"/>
+                </a:solidFill>
+                <a:sym typeface="Wingdings" panose="05000000000000000000" pitchFamily="2" charset="2"/>
+              </a:rPr>
+              <a:t> </a:t>
+            </a:r>
+            <a:r>
+              <a:rPr lang="de-DE" sz="1100" dirty="0">
+                <a:solidFill>
+                  <a:schemeClr val="tx1"/>
+                </a:solidFill>
+              </a:rPr>
+              <a:t>p</a:t>
+            </a:r>
+          </a:p>
+        </p:txBody>
+      </p:sp>
+    </p:spTree>
+    <p:extLst>
+      <p:ext uri="{BB962C8B-B14F-4D97-AF65-F5344CB8AC3E}">
+        <p14:creationId xmlns:p14="http://schemas.microsoft.com/office/powerpoint/2010/main" val="1692417083"/>
       </p:ext>
     </p:extLst>
   </p:cSld>
